--- a/_posts/HBASE基本原理介绍副本2.pptx
+++ b/_posts/HBASE基本原理介绍副本2.pptx
@@ -265,7 +265,7 @@
                 <a:latin typeface="微软雅黑" panose="020B0503020204020204" pitchFamily="34" charset="-122"/>
                 <a:ea typeface="微软雅黑" panose="020B0503020204020204" pitchFamily="34" charset="-122"/>
               </a:rPr>
-              <a:t>2018年11月20日</a:t>
+              <a:t>2018年11月21日</a:t>
             </a:fld>
             <a:endParaRPr lang="zh-CN" altLang="en-US" dirty="0">
               <a:latin typeface="微软雅黑" panose="020B0503020204020204" pitchFamily="34" charset="-122"/>
@@ -450,7 +450,7 @@
             <a:fld id="{709F6B0C-6D1E-4F53-A8D4-0EE188F290A5}" type="datetime2">
               <a:rPr lang="zh-CN" altLang="en-US" smtClean="0"/>
               <a:pPr/>
-              <a:t>2018年11月20日</a:t>
+              <a:t>2018年11月21日</a:t>
             </a:fld>
             <a:endParaRPr lang="en-US" dirty="0"/>
           </a:p>
@@ -2163,7 +2163,7 @@
             <a:fld id="{CD11CD66-A5DC-4DA4-9F16-86D76EE3D28C}" type="datetime2">
               <a:rPr lang="zh-CN" altLang="en-US" smtClean="0"/>
               <a:pPr/>
-              <a:t>2018年11月20日</a:t>
+              <a:t>2018年11月21日</a:t>
             </a:fld>
             <a:endParaRPr lang="en-US" dirty="0"/>
           </a:p>
@@ -2366,7 +2366,7 @@
             <a:pPr rtl="0"/>
             <a:fld id="{9901956E-1F06-4164-BE4D-6DAEAD41794D}" type="datetime2">
               <a:rPr lang="zh-CN" altLang="en-US" smtClean="0"/>
-              <a:t>2018年11月20日</a:t>
+              <a:t>2018年11月21日</a:t>
             </a:fld>
             <a:endParaRPr lang="en-US" dirty="0"/>
           </a:p>
@@ -2566,7 +2566,7 @@
             <a:pPr rtl="0"/>
             <a:fld id="{0B6F4438-3803-4880-BD4A-05A7E0A21AC6}" type="datetime2">
               <a:rPr lang="zh-CN" altLang="en-US" smtClean="0"/>
-              <a:t>2018年11月20日</a:t>
+              <a:t>2018年11月21日</a:t>
             </a:fld>
             <a:endParaRPr lang="en-US" dirty="0"/>
           </a:p>
@@ -3002,7 +3002,7 @@
           <a:p>
             <a:fld id="{B6646B47-A73D-4F6F-AD82-C99F4E62F746}" type="datetime2">
               <a:rPr lang="zh-CN" altLang="en-US" smtClean="0"/>
-              <a:t>2018年11月20日</a:t>
+              <a:t>2018年11月21日</a:t>
             </a:fld>
             <a:endParaRPr lang="en-US" dirty="0"/>
           </a:p>
@@ -3217,7 +3217,7 @@
             <a:pPr rtl="0"/>
             <a:fld id="{FD45D8D3-C53C-4365-92C7-E8127B1A303F}" type="datetime2">
               <a:rPr lang="zh-CN" altLang="en-US" smtClean="0"/>
-              <a:t>2018年11月20日</a:t>
+              <a:t>2018年11月21日</a:t>
             </a:fld>
             <a:endParaRPr lang="en-US" dirty="0"/>
           </a:p>
@@ -3470,7 +3470,7 @@
             <a:pPr rtl="0"/>
             <a:fld id="{B26F76AF-62D1-44AB-97DC-928467407F16}" type="datetime2">
               <a:rPr lang="zh-CN" altLang="en-US" smtClean="0"/>
-              <a:t>2018年11月20日</a:t>
+              <a:t>2018年11月21日</a:t>
             </a:fld>
             <a:endParaRPr lang="en-US"/>
           </a:p>
@@ -3759,7 +3759,7 @@
             <a:pPr rtl="0"/>
             <a:fld id="{A77DD1BF-0CA4-45C0-B145-3B71A9C91F32}" type="datetime2">
               <a:rPr lang="zh-CN" altLang="en-US" smtClean="0"/>
-              <a:t>2018年11月20日</a:t>
+              <a:t>2018年11月21日</a:t>
             </a:fld>
             <a:endParaRPr lang="en-US" dirty="0"/>
           </a:p>
@@ -4162,7 +4162,7 @@
             <a:pPr rtl="0"/>
             <a:fld id="{F62F6F57-75CB-45F9-B36A-87034102BC28}" type="datetime2">
               <a:rPr lang="zh-CN" altLang="en-US" smtClean="0"/>
-              <a:t>2018年11月20日</a:t>
+              <a:t>2018年11月21日</a:t>
             </a:fld>
             <a:endParaRPr lang="en-US" dirty="0"/>
           </a:p>
@@ -4337,7 +4337,7 @@
             <a:pPr rtl="0"/>
             <a:fld id="{0D078EEB-FFCC-4107-9E10-33B7696F266B}" type="datetime2">
               <a:rPr lang="zh-CN" altLang="en-US" smtClean="0"/>
-              <a:t>2018年11月20日</a:t>
+              <a:t>2018年11月21日</a:t>
             </a:fld>
             <a:endParaRPr lang="en-US" dirty="0"/>
           </a:p>
@@ -4451,7 +4451,7 @@
             <a:pPr rtl="0"/>
             <a:fld id="{8F45204D-C376-4E95-AA80-BE101B54CAA7}" type="datetime2">
               <a:rPr lang="zh-CN" altLang="en-US" smtClean="0"/>
-              <a:t>2018年11月20日</a:t>
+              <a:t>2018年11月21日</a:t>
             </a:fld>
             <a:endParaRPr lang="en-US" dirty="0"/>
           </a:p>
@@ -4737,7 +4737,7 @@
             <a:pPr rtl="0"/>
             <a:fld id="{822B7A0D-F62E-4A31-8FE1-9C12BAFEE7E0}" type="datetime2">
               <a:rPr lang="zh-CN" altLang="en-US" smtClean="0"/>
-              <a:t>2018年11月20日</a:t>
+              <a:t>2018年11月21日</a:t>
             </a:fld>
             <a:endParaRPr lang="en-US" dirty="0"/>
           </a:p>
@@ -5118,7 +5118,7 @@
             <a:fld id="{C8112245-B2EB-463D-A54F-27C0EBF0BB6B}" type="datetime2">
               <a:rPr lang="zh-CN" altLang="en-US" smtClean="0"/>
               <a:pPr/>
-              <a:t>2018年11月20日</a:t>
+              <a:t>2018年11月21日</a:t>
             </a:fld>
             <a:endParaRPr lang="en-US"/>
           </a:p>
@@ -6181,7 +6181,7 @@
             <a:fld id="{A1BF8D8E-2417-46C9-A78C-AA0D8A744E10}" type="datetime2">
               <a:rPr lang="zh-CN" altLang="en-US" smtClean="0"/>
               <a:pPr/>
-              <a:t>2018年11月20日</a:t>
+              <a:t>2018年11月21日</a:t>
             </a:fld>
             <a:endParaRPr lang="en-US" dirty="0"/>
           </a:p>
@@ -6765,18 +6765,18 @@
         <p:spPr>
           <a:xfrm>
             <a:off x="541610" y="1431010"/>
-            <a:ext cx="3418156" cy="4790886"/>
+            <a:ext cx="3087855" cy="4790886"/>
           </a:xfrm>
         </p:spPr>
         <p:txBody>
           <a:bodyPr vert="horz" lIns="91440" tIns="45720" rIns="91440" bIns="45720" rtlCol="0">
-            <a:normAutofit fontScale="32500" lnSpcReduction="20000"/>
+            <a:noAutofit/>
           </a:bodyPr>
           <a:lstStyle/>
           <a:p>
             <a:pPr marL="171450" indent="-171450">
               <a:lnSpc>
-                <a:spcPts val="1800"/>
+                <a:spcPct val="150000"/>
               </a:lnSpc>
               <a:spcAft>
                 <a:spcPts val="600"/>
@@ -6785,35 +6785,19 @@
               <a:buChar char="l"/>
             </a:pPr>
             <a:r>
-              <a:rPr lang="en-US" altLang="zh-CN" dirty="0" smtClean="0"/>
-              <a:t>Region </a:t>
-            </a:r>
-            <a:r>
-              <a:rPr lang="en-US" altLang="zh-CN" dirty="0"/>
-              <a:t>servers serve data for reads and writes. When accessing data, clients communicate with </a:t>
-            </a:r>
-            <a:r>
-              <a:rPr lang="en-US" altLang="zh-CN" dirty="0" err="1"/>
-              <a:t>HBase</a:t>
-            </a:r>
-            <a:r>
-              <a:rPr lang="en-US" altLang="zh-CN" dirty="0"/>
-              <a:t> </a:t>
-            </a:r>
-            <a:r>
-              <a:rPr lang="en-US" altLang="zh-CN" dirty="0" err="1"/>
-              <a:t>RegionServers</a:t>
-            </a:r>
-            <a:r>
-              <a:rPr lang="en-US" altLang="zh-CN" dirty="0"/>
-              <a:t> directly. </a:t>
-            </a:r>
-            <a:endParaRPr lang="en-US" altLang="zh-CN" dirty="0" smtClean="0"/>
+              <a:rPr lang="en-US" altLang="zh-CN" sz="1800" dirty="0" err="1" smtClean="0"/>
+              <a:t>RegionServer</a:t>
+            </a:r>
+            <a:r>
+              <a:rPr lang="zh-CN" altLang="en-US" sz="1800" dirty="0" smtClean="0"/>
+              <a:t>：读写</a:t>
+            </a:r>
+            <a:endParaRPr lang="en-US" altLang="zh-CN" sz="1800" dirty="0" smtClean="0"/>
           </a:p>
           <a:p>
             <a:pPr marL="171450" indent="-171450">
               <a:lnSpc>
-                <a:spcPts val="1800"/>
+                <a:spcPct val="150000"/>
               </a:lnSpc>
               <a:spcAft>
                 <a:spcPts val="600"/>
@@ -6822,27 +6806,27 @@
               <a:buChar char="l"/>
             </a:pPr>
             <a:r>
-              <a:rPr lang="en-US" altLang="zh-CN" dirty="0" smtClean="0"/>
-              <a:t>Region </a:t>
-            </a:r>
-            <a:r>
-              <a:rPr lang="en-US" altLang="zh-CN" dirty="0"/>
-              <a:t>assignment, DDL (create, delete tables) operations are handled by the </a:t>
-            </a:r>
-            <a:r>
-              <a:rPr lang="en-US" altLang="zh-CN" dirty="0" err="1"/>
-              <a:t>HBase</a:t>
-            </a:r>
-            <a:r>
-              <a:rPr lang="en-US" altLang="zh-CN" dirty="0"/>
-              <a:t> Master process. </a:t>
-            </a:r>
-            <a:endParaRPr lang="en-US" altLang="zh-CN" dirty="0" smtClean="0"/>
+              <a:rPr lang="en-US" altLang="zh-CN" sz="1800" dirty="0" err="1" smtClean="0"/>
+              <a:t>Hmaster</a:t>
+            </a:r>
+            <a:r>
+              <a:rPr lang="zh-CN" altLang="en-US" sz="1800" dirty="0" smtClean="0"/>
+              <a:t>：</a:t>
+            </a:r>
+            <a:r>
+              <a:rPr lang="en-US" altLang="zh-CN" sz="1800" dirty="0" smtClean="0"/>
+              <a:t>DDL</a:t>
+            </a:r>
+            <a:r>
+              <a:rPr lang="zh-CN" altLang="en-US" sz="1800" dirty="0" smtClean="0"/>
+              <a:t>，管理功能</a:t>
+            </a:r>
+            <a:endParaRPr lang="en-US" altLang="zh-CN" sz="1800" dirty="0" smtClean="0"/>
           </a:p>
           <a:p>
             <a:pPr marL="171450" indent="-171450">
               <a:lnSpc>
-                <a:spcPts val="1800"/>
+                <a:spcPct val="150000"/>
               </a:lnSpc>
               <a:spcAft>
                 <a:spcPts val="600"/>
@@ -6851,22 +6835,19 @@
               <a:buChar char="l"/>
             </a:pPr>
             <a:r>
-              <a:rPr lang="en-US" altLang="zh-CN" dirty="0" smtClean="0"/>
+              <a:rPr lang="en-US" altLang="zh-CN" sz="1800" dirty="0" smtClean="0"/>
               <a:t>Zookeeper</a:t>
             </a:r>
             <a:r>
-              <a:rPr lang="en-US" altLang="zh-CN" dirty="0"/>
-              <a:t>, which is part of HDFS, maintains a live cluster state</a:t>
-            </a:r>
-            <a:r>
-              <a:rPr lang="en-US" altLang="zh-CN" dirty="0" smtClean="0"/>
-              <a:t>.</a:t>
-            </a:r>
+              <a:rPr lang="zh-CN" altLang="en-US" sz="1800" dirty="0" smtClean="0"/>
+              <a:t>：分布式协调</a:t>
+            </a:r>
+            <a:endParaRPr lang="en-US" altLang="zh-CN" sz="1800" dirty="0" smtClean="0"/>
           </a:p>
           <a:p>
             <a:pPr marL="171450" indent="-171450">
               <a:lnSpc>
-                <a:spcPts val="1800"/>
+                <a:spcPct val="150000"/>
               </a:lnSpc>
               <a:spcAft>
                 <a:spcPts val="600"/>
@@ -6875,62 +6856,23 @@
               <a:buChar char="l"/>
             </a:pPr>
             <a:r>
-              <a:rPr lang="en-US" altLang="zh-CN" dirty="0" smtClean="0"/>
-              <a:t>The </a:t>
-            </a:r>
-            <a:r>
-              <a:rPr lang="en-US" altLang="zh-CN" dirty="0"/>
-              <a:t>Hadoop </a:t>
-            </a:r>
-            <a:r>
-              <a:rPr lang="en-US" altLang="zh-CN" dirty="0" err="1"/>
+              <a:rPr lang="en-US" altLang="zh-CN" sz="1800" dirty="0" err="1" smtClean="0"/>
               <a:t>DataNode</a:t>
             </a:r>
             <a:r>
-              <a:rPr lang="en-US" altLang="zh-CN" dirty="0"/>
-              <a:t> stores the data that the Region Server is managing. All </a:t>
-            </a:r>
-            <a:r>
-              <a:rPr lang="en-US" altLang="zh-CN" dirty="0" err="1"/>
-              <a:t>HBase</a:t>
-            </a:r>
-            <a:r>
-              <a:rPr lang="en-US" altLang="zh-CN" dirty="0"/>
-              <a:t> data is stored in HDFS files. Region Servers are collocated with the HDFS </a:t>
-            </a:r>
-            <a:r>
-              <a:rPr lang="en-US" altLang="zh-CN" dirty="0" err="1"/>
-              <a:t>DataNodes</a:t>
-            </a:r>
-            <a:r>
-              <a:rPr lang="en-US" altLang="zh-CN" dirty="0"/>
-              <a:t>, which enable data locality (putting the data close to where it is needed) for the data served by the </a:t>
-            </a:r>
-            <a:r>
-              <a:rPr lang="en-US" altLang="zh-CN" dirty="0" err="1"/>
-              <a:t>RegionServers</a:t>
-            </a:r>
-            <a:r>
-              <a:rPr lang="en-US" altLang="zh-CN" dirty="0"/>
-              <a:t>. </a:t>
-            </a:r>
-            <a:r>
-              <a:rPr lang="en-US" altLang="zh-CN" dirty="0" err="1"/>
-              <a:t>HBase</a:t>
-            </a:r>
-            <a:r>
-              <a:rPr lang="en-US" altLang="zh-CN" dirty="0"/>
-              <a:t> data is local when it is written, but when a region is moved, it is not local until compaction</a:t>
-            </a:r>
-            <a:r>
-              <a:rPr lang="en-US" altLang="zh-CN" dirty="0" smtClean="0"/>
+              <a:rPr lang="zh-CN" altLang="en-US" sz="1800" dirty="0" smtClean="0"/>
+              <a:t>：数据存储</a:t>
+            </a:r>
+            <a:r>
+              <a:rPr lang="en-US" altLang="zh-CN" sz="1800" dirty="0" smtClean="0"/>
               <a:t>.</a:t>
             </a:r>
+            <a:endParaRPr lang="en-US" altLang="zh-CN" sz="1800" dirty="0" smtClean="0"/>
           </a:p>
           <a:p>
             <a:pPr marL="171450" indent="-171450">
               <a:lnSpc>
-                <a:spcPts val="1800"/>
+                <a:spcPct val="150000"/>
               </a:lnSpc>
               <a:spcAft>
                 <a:spcPts val="600"/>
@@ -6939,18 +6881,18 @@
               <a:buChar char="l"/>
             </a:pPr>
             <a:r>
-              <a:rPr lang="en-US" altLang="zh-CN" dirty="0" smtClean="0"/>
-              <a:t>The </a:t>
-            </a:r>
-            <a:r>
-              <a:rPr lang="en-US" altLang="zh-CN" dirty="0" err="1"/>
+              <a:rPr lang="en-US" altLang="zh-CN" sz="1800" dirty="0" err="1" smtClean="0"/>
               <a:t>NameNode</a:t>
             </a:r>
             <a:r>
-              <a:rPr lang="en-US" altLang="zh-CN" dirty="0"/>
-              <a:t> maintains metadata information for all the physical data blocks that comprise the files.</a:t>
-            </a:r>
-            <a:endParaRPr lang="zh-CN" altLang="en-US" sz="1200" dirty="0">
+              <a:rPr lang="zh-CN" altLang="en-US" sz="1800" dirty="0" smtClean="0"/>
+              <a:t>：数据块管理</a:t>
+            </a:r>
+            <a:r>
+              <a:rPr lang="en-US" altLang="zh-CN" sz="1800" dirty="0" smtClean="0"/>
+              <a:t>.</a:t>
+            </a:r>
+            <a:endParaRPr lang="zh-CN" altLang="en-US" sz="1800" dirty="0">
               <a:solidFill>
                 <a:prstClr val="black">
                   <a:lumMod val="75000"/>
@@ -7094,13 +7036,13 @@
         </p:spPr>
         <p:txBody>
           <a:bodyPr vert="horz" lIns="91440" tIns="45720" rIns="91440" bIns="45720" rtlCol="0">
-            <a:normAutofit fontScale="85000" lnSpcReduction="10000"/>
+            <a:normAutofit/>
           </a:bodyPr>
           <a:lstStyle/>
           <a:p>
             <a:pPr marL="171450" indent="-171450">
               <a:lnSpc>
-                <a:spcPts val="1800"/>
+                <a:spcPct val="150000"/>
               </a:lnSpc>
               <a:spcAft>
                 <a:spcPts val="600"/>
@@ -7109,23 +7051,51 @@
               <a:buChar char="l"/>
             </a:pPr>
             <a:r>
-              <a:rPr lang="en-US" altLang="zh-CN" dirty="0" err="1" smtClean="0"/>
+              <a:rPr lang="en-US" altLang="zh-CN" sz="1600" dirty="0" err="1" smtClean="0"/>
               <a:t>HBase</a:t>
             </a:r>
             <a:r>
-              <a:rPr lang="en-US" altLang="zh-CN" dirty="0" smtClean="0"/>
+              <a:rPr lang="en-US" altLang="zh-CN" sz="1600" dirty="0" smtClean="0"/>
               <a:t> </a:t>
             </a:r>
             <a:r>
-              <a:rPr lang="en-US" altLang="zh-CN" dirty="0"/>
-              <a:t>Tables are divided horizontally by row key range into “Regions.” </a:t>
-            </a:r>
-            <a:endParaRPr lang="en-US" altLang="zh-CN" dirty="0" smtClean="0"/>
+              <a:rPr lang="en-US" altLang="zh-CN" sz="1600" dirty="0" smtClean="0"/>
+              <a:t>Tables</a:t>
+            </a:r>
+            <a:r>
+              <a:rPr lang="zh-CN" altLang="en-US" sz="1600" dirty="0" smtClean="0"/>
+              <a:t>根据不同的</a:t>
+            </a:r>
+            <a:r>
+              <a:rPr lang="en-US" altLang="zh-CN" sz="1600" dirty="0" smtClean="0"/>
+              <a:t> row </a:t>
+            </a:r>
+            <a:r>
+              <a:rPr lang="en-US" altLang="zh-CN" sz="1600" dirty="0"/>
+              <a:t>key </a:t>
+            </a:r>
+            <a:r>
+              <a:rPr lang="zh-CN" altLang="en-US" sz="1600" dirty="0" smtClean="0"/>
+              <a:t>范围划分为</a:t>
+            </a:r>
+            <a:r>
+              <a:rPr lang="zh-CN" altLang="en-US" sz="1600" dirty="0" smtClean="0"/>
+              <a:t>不同的</a:t>
+            </a:r>
+            <a:r>
+              <a:rPr lang="en-US" altLang="zh-CN" sz="1600" dirty="0" smtClean="0"/>
+              <a:t> “</a:t>
+            </a:r>
+            <a:r>
+              <a:rPr lang="en-US" altLang="zh-CN" sz="1600" dirty="0"/>
+              <a:t>Regions.” </a:t>
+            </a:r>
+            <a:endParaRPr lang="en-US" altLang="zh-CN" sz="1600" dirty="0" smtClean="0"/>
           </a:p>
           <a:p>
             <a:pPr marL="171450" indent="-171450">
               <a:lnSpc>
-                <a:spcPts val="1800"/>
+                <a:spcPct val="150000"/>
               </a:lnSpc>
               <a:spcAft>
                 <a:spcPts val="600"/>
@@ -7134,19 +7104,51 @@
               <a:buChar char="l"/>
             </a:pPr>
             <a:r>
-              <a:rPr lang="en-US" altLang="zh-CN" dirty="0" smtClean="0"/>
-              <a:t>A </a:t>
-            </a:r>
-            <a:r>
-              <a:rPr lang="en-US" altLang="zh-CN" dirty="0"/>
-              <a:t>region contains all rows in the table between the region’s start key and end key. </a:t>
-            </a:r>
-            <a:endParaRPr lang="en-US" altLang="zh-CN" dirty="0" smtClean="0"/>
+              <a:rPr lang="zh-CN" altLang="en-US" sz="1600" dirty="0" smtClean="0"/>
+              <a:t>一个</a:t>
+            </a:r>
+            <a:r>
+              <a:rPr lang="en-US" altLang="zh-CN" sz="1600" dirty="0" smtClean="0"/>
+              <a:t>Region</a:t>
+            </a:r>
+            <a:r>
+              <a:rPr lang="zh-CN" altLang="en-US" sz="1600" dirty="0" smtClean="0"/>
+              <a:t>包含了</a:t>
+            </a:r>
+            <a:r>
+              <a:rPr lang="en-US" altLang="zh-CN" sz="1600" dirty="0" smtClean="0"/>
+              <a:t> </a:t>
+            </a:r>
+            <a:r>
+              <a:rPr lang="zh-CN" altLang="en-US" sz="1600" dirty="0" smtClean="0"/>
+              <a:t>一个表的</a:t>
+            </a:r>
+            <a:r>
+              <a:rPr lang="en-US" altLang="zh-CN" sz="1600" dirty="0" smtClean="0"/>
+              <a:t>start </a:t>
+            </a:r>
+            <a:r>
+              <a:rPr lang="en-US" altLang="zh-CN" sz="1600" dirty="0"/>
+              <a:t>key and end </a:t>
+            </a:r>
+            <a:r>
+              <a:rPr lang="en-US" altLang="zh-CN" sz="1600" dirty="0" smtClean="0"/>
+              <a:t>key</a:t>
+            </a:r>
+            <a:r>
+              <a:rPr lang="zh-CN" altLang="en-US" sz="1600" dirty="0" smtClean="0"/>
+              <a:t>的数据</a:t>
+            </a:r>
+            <a:r>
+              <a:rPr lang="en-US" altLang="zh-CN" sz="1600" dirty="0" smtClean="0"/>
+              <a:t>. </a:t>
+            </a:r>
+            <a:endParaRPr lang="en-US" altLang="zh-CN" sz="1600" dirty="0" smtClean="0"/>
           </a:p>
           <a:p>
             <a:pPr marL="171450" indent="-171450">
               <a:lnSpc>
-                <a:spcPts val="1800"/>
+                <a:spcPct val="150000"/>
               </a:lnSpc>
               <a:spcAft>
                 <a:spcPts val="600"/>
@@ -7155,19 +7157,51 @@
               <a:buChar char="l"/>
             </a:pPr>
             <a:r>
-              <a:rPr lang="en-US" altLang="zh-CN" dirty="0" smtClean="0"/>
+              <a:rPr lang="en-US" altLang="zh-CN" sz="1600" dirty="0" smtClean="0"/>
               <a:t>Regions </a:t>
             </a:r>
             <a:r>
-              <a:rPr lang="en-US" altLang="zh-CN" dirty="0"/>
-              <a:t>are assigned to the nodes in the cluster, called “Region Servers,” and these serve data for reads and writes. </a:t>
-            </a:r>
-            <a:endParaRPr lang="en-US" altLang="zh-CN" dirty="0" smtClean="0"/>
+              <a:rPr lang="zh-CN" altLang="en-US" sz="1600" dirty="0" smtClean="0"/>
+              <a:t>被分配到集群中的</a:t>
+            </a:r>
+            <a:r>
+              <a:rPr lang="en-US" altLang="zh-CN" sz="1600" dirty="0" smtClean="0"/>
+              <a:t>“</a:t>
+            </a:r>
+            <a:r>
+              <a:rPr lang="en-US" altLang="zh-CN" sz="1600" dirty="0"/>
+              <a:t>Region </a:t>
+            </a:r>
+            <a:r>
+              <a:rPr lang="en-US" altLang="zh-CN" sz="1600" dirty="0" smtClean="0"/>
+              <a:t>Servers”</a:t>
+            </a:r>
+            <a:r>
+              <a:rPr lang="zh-CN" altLang="en-US" sz="1600" dirty="0" smtClean="0"/>
+              <a:t>上，这些</a:t>
+            </a:r>
+            <a:r>
+              <a:rPr lang="en-US" altLang="zh-CN" sz="1600" dirty="0" smtClean="0"/>
+              <a:t>Server</a:t>
+            </a:r>
+            <a:r>
+              <a:rPr lang="zh-CN" altLang="en-US" sz="1600" dirty="0" smtClean="0"/>
+              <a:t>提供</a:t>
+            </a:r>
+            <a:r>
+              <a:rPr lang="en-US" altLang="zh-CN" sz="1600" dirty="0" smtClean="0"/>
+              <a:t>reads </a:t>
+            </a:r>
+            <a:r>
+              <a:rPr lang="en-US" altLang="zh-CN" sz="1600" dirty="0"/>
+              <a:t>and writes. </a:t>
+            </a:r>
+            <a:endParaRPr lang="en-US" altLang="zh-CN" sz="1600" dirty="0" smtClean="0"/>
           </a:p>
           <a:p>
             <a:pPr marL="171450" indent="-171450">
               <a:lnSpc>
-                <a:spcPts val="1800"/>
+                <a:spcPct val="150000"/>
               </a:lnSpc>
               <a:spcAft>
                 <a:spcPts val="600"/>
@@ -7176,14 +7210,26 @@
               <a:buChar char="l"/>
             </a:pPr>
             <a:r>
-              <a:rPr lang="en-US" altLang="zh-CN" dirty="0" smtClean="0"/>
+              <a:rPr lang="en-US" altLang="zh-CN" sz="1600" dirty="0" smtClean="0"/>
               <a:t>A </a:t>
             </a:r>
             <a:r>
-              <a:rPr lang="en-US" altLang="zh-CN" dirty="0"/>
-              <a:t>region server can serve about 1,000 regions.</a:t>
-            </a:r>
-            <a:endParaRPr lang="zh-CN" altLang="en-US" sz="1200" dirty="0">
+              <a:rPr lang="en-US" altLang="zh-CN" sz="1600" dirty="0"/>
+              <a:t>region server </a:t>
+            </a:r>
+            <a:r>
+              <a:rPr lang="zh-CN" altLang="en-US" sz="1600" dirty="0" smtClean="0"/>
+              <a:t>可以包含</a:t>
+            </a:r>
+            <a:r>
+              <a:rPr lang="en-US" altLang="zh-CN" sz="1600" dirty="0" smtClean="0"/>
+              <a:t>1,000 </a:t>
+            </a:r>
+            <a:r>
+              <a:rPr lang="en-US" altLang="zh-CN" sz="1600" dirty="0"/>
+              <a:t>regions.</a:t>
+            </a:r>
+            <a:endParaRPr lang="zh-CN" altLang="en-US" sz="1600" dirty="0">
               <a:solidFill>
                 <a:prstClr val="black">
                   <a:lumMod val="75000"/>
@@ -7714,13 +7760,13 @@
         </p:spPr>
         <p:txBody>
           <a:bodyPr vert="horz" lIns="91440" tIns="45720" rIns="91440" bIns="45720" rtlCol="0">
-            <a:normAutofit fontScale="62500" lnSpcReduction="20000"/>
+            <a:normAutofit/>
           </a:bodyPr>
           <a:lstStyle/>
           <a:p>
             <a:pPr marL="171450" indent="-171450">
               <a:lnSpc>
-                <a:spcPts val="1800"/>
+                <a:spcPct val="150000"/>
               </a:lnSpc>
               <a:spcAft>
                 <a:spcPts val="600"/>
@@ -7729,19 +7775,47 @@
               <a:buChar char="l"/>
             </a:pPr>
             <a:r>
-              <a:rPr lang="en-US" altLang="zh-CN" dirty="0" smtClean="0"/>
-              <a:t>Zookeeper </a:t>
-            </a:r>
-            <a:r>
-              <a:rPr lang="en-US" altLang="zh-CN" dirty="0"/>
-              <a:t>maintains which servers are alive and available, and provides server failure notification. </a:t>
-            </a:r>
-            <a:endParaRPr lang="en-US" altLang="zh-CN" dirty="0" smtClean="0"/>
+              <a:rPr lang="zh-CN" altLang="en-US" sz="1800" dirty="0" smtClean="0"/>
+              <a:t>每个</a:t>
+            </a:r>
+            <a:r>
+              <a:rPr lang="en-US" altLang="zh-CN" sz="1800" dirty="0" smtClean="0"/>
+              <a:t>Region </a:t>
+            </a:r>
+            <a:r>
+              <a:rPr lang="en-US" altLang="zh-CN" sz="1800" dirty="0"/>
+              <a:t>servers </a:t>
+            </a:r>
+            <a:r>
+              <a:rPr lang="zh-CN" altLang="en-US" sz="1800" dirty="0" smtClean="0"/>
+              <a:t>都会向</a:t>
+            </a:r>
+            <a:r>
+              <a:rPr lang="en-US" altLang="zh-CN" sz="1800" dirty="0" err="1" smtClean="0"/>
+              <a:t>ZooKeeper</a:t>
+            </a:r>
+            <a:r>
+              <a:rPr lang="zh-CN" altLang="en-US" sz="1800" dirty="0" smtClean="0"/>
+              <a:t>注册</a:t>
+            </a:r>
+            <a:r>
+              <a:rPr lang="en-US" altLang="zh-CN" sz="1800" dirty="0" smtClean="0"/>
+              <a:t>.Master</a:t>
+            </a:r>
+            <a:r>
+              <a:rPr lang="zh-CN" altLang="en-US" sz="1800" dirty="0" smtClean="0"/>
+              <a:t>监听这些节点</a:t>
+            </a:r>
+            <a:r>
+              <a:rPr lang="en-US" altLang="zh-CN" sz="1800" dirty="0" smtClean="0"/>
+              <a:t>.</a:t>
+            </a:r>
+            <a:endParaRPr lang="en-US" altLang="zh-CN" sz="1800" dirty="0" smtClean="0"/>
           </a:p>
           <a:p>
             <a:pPr marL="171450" indent="-171450">
               <a:lnSpc>
-                <a:spcPts val="1800"/>
+                <a:spcPct val="150000"/>
               </a:lnSpc>
               <a:spcAft>
                 <a:spcPts val="600"/>
@@ -7750,42 +7824,51 @@
               <a:buChar char="l"/>
             </a:pPr>
             <a:r>
-              <a:rPr lang="en-US" altLang="zh-CN" dirty="0"/>
-              <a:t>Region servers and the active </a:t>
-            </a:r>
-            <a:r>
-              <a:rPr lang="en-US" altLang="zh-CN" dirty="0" err="1"/>
-              <a:t>HMaster</a:t>
-            </a:r>
-            <a:r>
-              <a:rPr lang="en-US" altLang="zh-CN" dirty="0"/>
-              <a:t> connect with a session to </a:t>
-            </a:r>
-            <a:r>
-              <a:rPr lang="en-US" altLang="zh-CN" dirty="0" err="1"/>
-              <a:t>ZooKeeper</a:t>
-            </a:r>
-            <a:r>
-              <a:rPr lang="en-US" altLang="zh-CN" dirty="0"/>
-              <a:t>. The </a:t>
-            </a:r>
-            <a:r>
-              <a:rPr lang="en-US" altLang="zh-CN" dirty="0" err="1"/>
-              <a:t>ZooKeeper</a:t>
-            </a:r>
-            <a:r>
-              <a:rPr lang="en-US" altLang="zh-CN" dirty="0"/>
-              <a:t> maintains ephemeral nodes for active sessions via heartbeats</a:t>
-            </a:r>
-            <a:r>
-              <a:rPr lang="en-US" altLang="zh-CN" dirty="0" smtClean="0"/>
+              <a:rPr lang="en-US" altLang="zh-CN" sz="1800" dirty="0" err="1"/>
+              <a:t>HMasters</a:t>
+            </a:r>
+            <a:r>
+              <a:rPr lang="en-US" altLang="zh-CN" sz="1800" dirty="0"/>
+              <a:t> </a:t>
+            </a:r>
+            <a:r>
+              <a:rPr lang="zh-CN" altLang="en-US" sz="1800" dirty="0" smtClean="0"/>
+              <a:t>通过</a:t>
+            </a:r>
+            <a:r>
+              <a:rPr lang="en-US" altLang="zh-CN" sz="1800" dirty="0" smtClean="0"/>
+              <a:t>ephemeral node</a:t>
+            </a:r>
+            <a:r>
+              <a:rPr lang="zh-CN" altLang="en-US" sz="1800" dirty="0" smtClean="0"/>
+              <a:t>进行</a:t>
+            </a:r>
+            <a:r>
+              <a:rPr lang="en-US" altLang="zh-CN" sz="1800" dirty="0" smtClean="0"/>
+              <a:t>active</a:t>
+            </a:r>
+            <a:r>
+              <a:rPr lang="zh-CN" altLang="en-US" sz="1800" dirty="0" smtClean="0"/>
+              <a:t>和</a:t>
+            </a:r>
+            <a:r>
+              <a:rPr lang="en-US" altLang="zh-CN" sz="1800" dirty="0" smtClean="0"/>
+              <a:t>standby</a:t>
+            </a:r>
+            <a:r>
+              <a:rPr lang="zh-CN" altLang="en-US" sz="1800" dirty="0" smtClean="0"/>
+              <a:t>竞争</a:t>
+            </a:r>
+            <a:r>
+              <a:rPr lang="en-US" altLang="zh-CN" sz="1800" dirty="0" smtClean="0"/>
               <a:t>.</a:t>
             </a:r>
+            <a:endParaRPr lang="zh-CN" altLang="en-US" sz="1800" dirty="0"/>
           </a:p>
           <a:p>
             <a:pPr marL="171450" indent="-171450">
               <a:lnSpc>
-                <a:spcPts val="1800"/>
+                <a:spcPct val="150000"/>
               </a:lnSpc>
               <a:spcAft>
                 <a:spcPts val="600"/>
@@ -7794,27 +7877,55 @@
               <a:buChar char="l"/>
             </a:pPr>
             <a:r>
-              <a:rPr lang="en-US" altLang="zh-CN" dirty="0" err="1"/>
-              <a:t>HMasters</a:t>
-            </a:r>
-            <a:r>
-              <a:rPr lang="en-US" altLang="zh-CN" dirty="0"/>
-              <a:t> vie </a:t>
-            </a:r>
-            <a:r>
-              <a:rPr lang="zh-CN" altLang="en-US" dirty="0"/>
-              <a:t>（竞争）</a:t>
-            </a:r>
-            <a:r>
-              <a:rPr lang="en-US" altLang="zh-CN" dirty="0"/>
-              <a:t>to create an ephemeral node.</a:t>
-            </a:r>
-            <a:endParaRPr lang="zh-CN" altLang="en-US" dirty="0"/>
+              <a:rPr lang="en-US" altLang="zh-CN" sz="1800" dirty="0"/>
+              <a:t>A</a:t>
+            </a:r>
+            <a:r>
+              <a:rPr lang="en-US" altLang="zh-CN" sz="1800" dirty="0" smtClean="0"/>
+              <a:t>ctive </a:t>
+            </a:r>
+            <a:r>
+              <a:rPr lang="en-US" altLang="zh-CN" sz="1800" dirty="0" err="1"/>
+              <a:t>HMaster</a:t>
+            </a:r>
+            <a:r>
+              <a:rPr lang="en-US" altLang="zh-CN" sz="1800" dirty="0"/>
+              <a:t> </a:t>
+            </a:r>
+            <a:r>
+              <a:rPr lang="zh-CN" altLang="en-US" sz="1800" dirty="0" smtClean="0"/>
+              <a:t>监听</a:t>
+            </a:r>
+            <a:r>
+              <a:rPr lang="en-US" altLang="zh-CN" sz="1800" dirty="0" smtClean="0"/>
+              <a:t>region </a:t>
+            </a:r>
+            <a:r>
+              <a:rPr lang="en-US" altLang="zh-CN" sz="1800" dirty="0"/>
+              <a:t>servers, </a:t>
+            </a:r>
+            <a:r>
+              <a:rPr lang="zh-CN" altLang="en-US" sz="1800" dirty="0" smtClean="0"/>
+              <a:t>有机器下线时进行</a:t>
+            </a:r>
+            <a:r>
+              <a:rPr lang="en-US" altLang="zh-CN" sz="1800" dirty="0" smtClean="0"/>
+              <a:t>region</a:t>
+            </a:r>
+            <a:r>
+              <a:rPr lang="zh-CN" altLang="en-US" sz="1800" dirty="0" smtClean="0"/>
+              <a:t>的恢复</a:t>
+            </a:r>
+            <a:r>
+              <a:rPr lang="en-US" altLang="zh-CN" sz="1800" dirty="0" smtClean="0"/>
+              <a:t>.</a:t>
+            </a:r>
+            <a:endParaRPr lang="en-US" altLang="zh-CN" sz="1800" dirty="0" smtClean="0"/>
           </a:p>
           <a:p>
             <a:pPr marL="171450" indent="-171450">
               <a:lnSpc>
-                <a:spcPts val="1800"/>
+                <a:spcPct val="150000"/>
               </a:lnSpc>
               <a:spcAft>
                 <a:spcPts val="600"/>
@@ -7823,58 +7934,38 @@
               <a:buChar char="l"/>
             </a:pPr>
             <a:r>
-              <a:rPr lang="en-US" altLang="zh-CN" dirty="0" smtClean="0"/>
-              <a:t>The </a:t>
-            </a:r>
-            <a:r>
-              <a:rPr lang="en-US" altLang="zh-CN" dirty="0"/>
+              <a:rPr lang="en-US" altLang="zh-CN" sz="1800" dirty="0" smtClean="0"/>
+              <a:t>Inactive </a:t>
+            </a:r>
+            <a:r>
+              <a:rPr lang="en-US" altLang="zh-CN" sz="1800" dirty="0" err="1"/>
+              <a:t>HMaster</a:t>
+            </a:r>
+            <a:r>
+              <a:rPr lang="en-US" altLang="zh-CN" sz="1800" dirty="0"/>
+              <a:t> </a:t>
+            </a:r>
+            <a:r>
+              <a:rPr lang="zh-CN" altLang="en-US" sz="1800" dirty="0" smtClean="0"/>
+              <a:t>在</a:t>
+            </a:r>
+            <a:r>
+              <a:rPr lang="en-US" altLang="zh-CN" sz="1800" dirty="0" smtClean="0"/>
               <a:t>active </a:t>
             </a:r>
             <a:r>
-              <a:rPr lang="en-US" altLang="zh-CN" dirty="0" err="1"/>
+              <a:rPr lang="en-US" altLang="zh-CN" sz="1800" dirty="0" err="1"/>
               <a:t>HMaster</a:t>
             </a:r>
             <a:r>
-              <a:rPr lang="en-US" altLang="zh-CN" dirty="0"/>
-              <a:t> listens for region servers, and will recover region servers on failure</a:t>
-            </a:r>
-            <a:r>
-              <a:rPr lang="en-US" altLang="zh-CN" dirty="0" smtClean="0"/>
-              <a:t>.</a:t>
-            </a:r>
-          </a:p>
-          <a:p>
-            <a:pPr marL="171450" indent="-171450">
-              <a:lnSpc>
-                <a:spcPts val="1800"/>
-              </a:lnSpc>
-              <a:spcAft>
-                <a:spcPts val="600"/>
-              </a:spcAft>
-              <a:buFont typeface="Wingdings" panose="05000000000000000000" pitchFamily="2" charset="2"/>
-              <a:buChar char="l"/>
-            </a:pPr>
-            <a:r>
-              <a:rPr lang="en-US" altLang="zh-CN" dirty="0"/>
-              <a:t>The Inactive </a:t>
-            </a:r>
-            <a:r>
-              <a:rPr lang="en-US" altLang="zh-CN" dirty="0" err="1"/>
-              <a:t>HMaster</a:t>
-            </a:r>
-            <a:r>
-              <a:rPr lang="en-US" altLang="zh-CN" dirty="0"/>
-              <a:t> listens for active </a:t>
-            </a:r>
-            <a:r>
-              <a:rPr lang="en-US" altLang="zh-CN" dirty="0" err="1"/>
-              <a:t>HMaster</a:t>
-            </a:r>
-            <a:r>
-              <a:rPr lang="en-US" altLang="zh-CN" dirty="0"/>
-              <a:t> failure</a:t>
-            </a:r>
-            <a:endParaRPr lang="zh-CN" altLang="en-US" sz="1200" dirty="0">
+              <a:rPr lang="en-US" altLang="zh-CN" sz="1800" dirty="0"/>
+              <a:t> </a:t>
+            </a:r>
+            <a:r>
+              <a:rPr lang="zh-CN" altLang="en-US" sz="1800" dirty="0" smtClean="0"/>
+              <a:t>失败时自动接管</a:t>
+            </a:r>
+            <a:endParaRPr lang="zh-CN" altLang="en-US" sz="1800" dirty="0">
               <a:solidFill>
                 <a:prstClr val="black">
                   <a:lumMod val="75000"/>
@@ -7908,8 +7999,8 @@
         </p:blipFill>
         <p:spPr>
           <a:xfrm>
-            <a:off x="4822581" y="2157603"/>
-            <a:ext cx="6696075" cy="3028950"/>
+            <a:off x="3959766" y="1895244"/>
+            <a:ext cx="7927434" cy="3755543"/>
           </a:xfrm>
           <a:prstGeom prst="rect">
             <a:avLst/>
@@ -8101,7 +8192,7 @@
         <p:spPr>
           <a:xfrm>
             <a:off x="694707" y="1502229"/>
-            <a:ext cx="10569038" cy="3647152"/>
+            <a:ext cx="10569038" cy="4835939"/>
           </a:xfrm>
           <a:prstGeom prst="rect">
             <a:avLst/>
@@ -8121,324 +8212,324 @@
               <a:buChar char="l"/>
             </a:pPr>
             <a:r>
-              <a:rPr lang="zh-CN" altLang="en-US" sz="1400" dirty="0">
-                <a:latin typeface="仿宋" panose="02010609060101010101" pitchFamily="49" charset="-122"/>
-                <a:ea typeface="仿宋" panose="02010609060101010101" pitchFamily="49" charset="-122"/>
+              <a:rPr lang="zh-CN" altLang="en-US" sz="1600" b="1" dirty="0">
+                <a:latin typeface="宋体" panose="02010600030101010101" pitchFamily="2" charset="-122"/>
+                <a:ea typeface="宋体" panose="02010600030101010101" pitchFamily="2" charset="-122"/>
               </a:rPr>
               <a:t>当</a:t>
             </a:r>
             <a:r>
-              <a:rPr lang="en-US" altLang="zh-CN" sz="1400" dirty="0" err="1">
-                <a:latin typeface="仿宋" panose="02010609060101010101" pitchFamily="49" charset="-122"/>
-                <a:ea typeface="仿宋" panose="02010609060101010101" pitchFamily="49" charset="-122"/>
+              <a:rPr lang="en-US" altLang="zh-CN" sz="1600" b="1" dirty="0" err="1">
+                <a:latin typeface="宋体" panose="02010600030101010101" pitchFamily="2" charset="-122"/>
+                <a:ea typeface="宋体" panose="02010600030101010101" pitchFamily="2" charset="-122"/>
               </a:rPr>
               <a:t>RegionServer</a:t>
             </a:r>
             <a:r>
-              <a:rPr lang="en-US" altLang="zh-CN" sz="1400" dirty="0">
-                <a:latin typeface="仿宋" panose="02010609060101010101" pitchFamily="49" charset="-122"/>
-                <a:ea typeface="仿宋" panose="02010609060101010101" pitchFamily="49" charset="-122"/>
+              <a:rPr lang="en-US" altLang="zh-CN" sz="1600" b="1" dirty="0">
+                <a:latin typeface="宋体" panose="02010600030101010101" pitchFamily="2" charset="-122"/>
+                <a:ea typeface="宋体" panose="02010600030101010101" pitchFamily="2" charset="-122"/>
               </a:rPr>
               <a:t>(RS)</a:t>
             </a:r>
             <a:r>
-              <a:rPr lang="zh-CN" altLang="en-US" sz="1400" dirty="0">
-                <a:latin typeface="仿宋" panose="02010609060101010101" pitchFamily="49" charset="-122"/>
-                <a:ea typeface="仿宋" panose="02010609060101010101" pitchFamily="49" charset="-122"/>
+              <a:rPr lang="zh-CN" altLang="en-US" sz="1600" b="1" dirty="0">
+                <a:latin typeface="宋体" panose="02010600030101010101" pitchFamily="2" charset="-122"/>
+                <a:ea typeface="宋体" panose="02010600030101010101" pitchFamily="2" charset="-122"/>
               </a:rPr>
               <a:t>收到写请求的时候</a:t>
             </a:r>
             <a:r>
-              <a:rPr lang="en-US" altLang="zh-CN" sz="1400" dirty="0">
-                <a:latin typeface="仿宋" panose="02010609060101010101" pitchFamily="49" charset="-122"/>
-                <a:ea typeface="仿宋" panose="02010609060101010101" pitchFamily="49" charset="-122"/>
+              <a:rPr lang="en-US" altLang="zh-CN" sz="1600" b="1" dirty="0">
+                <a:latin typeface="宋体" panose="02010600030101010101" pitchFamily="2" charset="-122"/>
+                <a:ea typeface="宋体" panose="02010600030101010101" pitchFamily="2" charset="-122"/>
               </a:rPr>
               <a:t>(write request)</a:t>
             </a:r>
             <a:r>
-              <a:rPr lang="zh-CN" altLang="en-US" sz="1400" dirty="0">
-                <a:latin typeface="仿宋" panose="02010609060101010101" pitchFamily="49" charset="-122"/>
-                <a:ea typeface="仿宋" panose="02010609060101010101" pitchFamily="49" charset="-122"/>
+              <a:rPr lang="zh-CN" altLang="en-US" sz="1600" b="1" dirty="0">
+                <a:latin typeface="宋体" panose="02010600030101010101" pitchFamily="2" charset="-122"/>
+                <a:ea typeface="宋体" panose="02010600030101010101" pitchFamily="2" charset="-122"/>
               </a:rPr>
               <a:t>，</a:t>
             </a:r>
             <a:r>
-              <a:rPr lang="en-US" altLang="zh-CN" sz="1400" dirty="0">
-                <a:latin typeface="仿宋" panose="02010609060101010101" pitchFamily="49" charset="-122"/>
-                <a:ea typeface="仿宋" panose="02010609060101010101" pitchFamily="49" charset="-122"/>
+              <a:rPr lang="en-US" altLang="zh-CN" sz="1600" b="1" dirty="0">
+                <a:latin typeface="宋体" panose="02010600030101010101" pitchFamily="2" charset="-122"/>
+                <a:ea typeface="宋体" panose="02010600030101010101" pitchFamily="2" charset="-122"/>
               </a:rPr>
               <a:t>RS</a:t>
             </a:r>
             <a:r>
-              <a:rPr lang="zh-CN" altLang="en-US" sz="1400" dirty="0">
-                <a:latin typeface="仿宋" panose="02010609060101010101" pitchFamily="49" charset="-122"/>
-                <a:ea typeface="仿宋" panose="02010609060101010101" pitchFamily="49" charset="-122"/>
+              <a:rPr lang="zh-CN" altLang="en-US" sz="1600" b="1" dirty="0">
+                <a:latin typeface="宋体" panose="02010600030101010101" pitchFamily="2" charset="-122"/>
+                <a:ea typeface="宋体" panose="02010600030101010101" pitchFamily="2" charset="-122"/>
               </a:rPr>
               <a:t>会将请求转至相应的</a:t>
             </a:r>
             <a:r>
-              <a:rPr lang="en-US" altLang="zh-CN" sz="1400" dirty="0">
-                <a:latin typeface="仿宋" panose="02010609060101010101" pitchFamily="49" charset="-122"/>
-                <a:ea typeface="仿宋" panose="02010609060101010101" pitchFamily="49" charset="-122"/>
+              <a:rPr lang="en-US" altLang="zh-CN" sz="1600" b="1" dirty="0">
+                <a:latin typeface="宋体" panose="02010600030101010101" pitchFamily="2" charset="-122"/>
+                <a:ea typeface="宋体" panose="02010600030101010101" pitchFamily="2" charset="-122"/>
               </a:rPr>
               <a:t>Region</a:t>
             </a:r>
             <a:r>
-              <a:rPr lang="zh-CN" altLang="en-US" sz="1400" dirty="0">
-                <a:latin typeface="仿宋" panose="02010609060101010101" pitchFamily="49" charset="-122"/>
-                <a:ea typeface="仿宋" panose="02010609060101010101" pitchFamily="49" charset="-122"/>
+              <a:rPr lang="zh-CN" altLang="en-US" sz="1600" b="1" dirty="0">
+                <a:latin typeface="宋体" panose="02010600030101010101" pitchFamily="2" charset="-122"/>
+                <a:ea typeface="宋体" panose="02010600030101010101" pitchFamily="2" charset="-122"/>
               </a:rPr>
               <a:t>。每一个</a:t>
             </a:r>
             <a:r>
-              <a:rPr lang="en-US" altLang="zh-CN" sz="1400" dirty="0">
-                <a:latin typeface="仿宋" panose="02010609060101010101" pitchFamily="49" charset="-122"/>
-                <a:ea typeface="仿宋" panose="02010609060101010101" pitchFamily="49" charset="-122"/>
+              <a:rPr lang="en-US" altLang="zh-CN" sz="1600" b="1" dirty="0">
+                <a:latin typeface="宋体" panose="02010600030101010101" pitchFamily="2" charset="-122"/>
+                <a:ea typeface="宋体" panose="02010600030101010101" pitchFamily="2" charset="-122"/>
               </a:rPr>
               <a:t>Region</a:t>
             </a:r>
             <a:r>
-              <a:rPr lang="zh-CN" altLang="en-US" sz="1400" dirty="0">
-                <a:latin typeface="仿宋" panose="02010609060101010101" pitchFamily="49" charset="-122"/>
-                <a:ea typeface="仿宋" panose="02010609060101010101" pitchFamily="49" charset="-122"/>
+              <a:rPr lang="zh-CN" altLang="en-US" sz="1600" b="1" dirty="0">
+                <a:latin typeface="宋体" panose="02010600030101010101" pitchFamily="2" charset="-122"/>
+                <a:ea typeface="宋体" panose="02010600030101010101" pitchFamily="2" charset="-122"/>
               </a:rPr>
               <a:t>都存储着</a:t>
             </a:r>
             <a:r>
-              <a:rPr lang="zh-CN" altLang="en-US" sz="1400" dirty="0" smtClean="0">
-                <a:latin typeface="仿宋" panose="02010609060101010101" pitchFamily="49" charset="-122"/>
-                <a:ea typeface="仿宋" panose="02010609060101010101" pitchFamily="49" charset="-122"/>
+              <a:rPr lang="zh-CN" altLang="en-US" sz="1600" b="1" dirty="0" smtClean="0">
+                <a:latin typeface="宋体" panose="02010600030101010101" pitchFamily="2" charset="-122"/>
+                <a:ea typeface="宋体" panose="02010600030101010101" pitchFamily="2" charset="-122"/>
               </a:rPr>
               <a:t>一些</a:t>
             </a:r>
             <a:r>
-              <a:rPr lang="en-US" altLang="zh-CN" sz="1400" dirty="0" smtClean="0">
-                <a:latin typeface="仿宋" panose="02010609060101010101" pitchFamily="49" charset="-122"/>
-                <a:ea typeface="仿宋" panose="02010609060101010101" pitchFamily="49" charset="-122"/>
+              <a:rPr lang="en-US" altLang="zh-CN" sz="1600" b="1" dirty="0" smtClean="0">
+                <a:latin typeface="宋体" panose="02010600030101010101" pitchFamily="2" charset="-122"/>
+                <a:ea typeface="宋体" panose="02010600030101010101" pitchFamily="2" charset="-122"/>
               </a:rPr>
               <a:t>rows</a:t>
             </a:r>
             <a:r>
-              <a:rPr lang="zh-CN" altLang="en-US" sz="1400" dirty="0" smtClean="0">
-                <a:latin typeface="仿宋" panose="02010609060101010101" pitchFamily="49" charset="-122"/>
-                <a:ea typeface="仿宋" panose="02010609060101010101" pitchFamily="49" charset="-122"/>
+              <a:rPr lang="zh-CN" altLang="en-US" sz="1600" b="1" dirty="0" smtClean="0">
+                <a:latin typeface="宋体" panose="02010600030101010101" pitchFamily="2" charset="-122"/>
+                <a:ea typeface="宋体" panose="02010600030101010101" pitchFamily="2" charset="-122"/>
               </a:rPr>
               <a:t>。</a:t>
             </a:r>
             <a:r>
-              <a:rPr lang="zh-CN" altLang="en-US" sz="1400" dirty="0">
-                <a:latin typeface="仿宋" panose="02010609060101010101" pitchFamily="49" charset="-122"/>
-                <a:ea typeface="仿宋" panose="02010609060101010101" pitchFamily="49" charset="-122"/>
+              <a:rPr lang="zh-CN" altLang="en-US" sz="1600" b="1" dirty="0">
+                <a:latin typeface="宋体" panose="02010600030101010101" pitchFamily="2" charset="-122"/>
+                <a:ea typeface="宋体" panose="02010600030101010101" pitchFamily="2" charset="-122"/>
               </a:rPr>
               <a:t>根据其列族的不同，将这些列数据存储在相应的列族中</a:t>
             </a:r>
             <a:r>
-              <a:rPr lang="en-US" altLang="zh-CN" sz="1400" dirty="0">
-                <a:latin typeface="仿宋" panose="02010609060101010101" pitchFamily="49" charset="-122"/>
-                <a:ea typeface="仿宋" panose="02010609060101010101" pitchFamily="49" charset="-122"/>
+              <a:rPr lang="en-US" altLang="zh-CN" sz="1600" b="1" dirty="0">
+                <a:latin typeface="宋体" panose="02010600030101010101" pitchFamily="2" charset="-122"/>
+                <a:ea typeface="宋体" panose="02010600030101010101" pitchFamily="2" charset="-122"/>
               </a:rPr>
               <a:t>(Column Family</a:t>
             </a:r>
             <a:r>
-              <a:rPr lang="zh-CN" altLang="en-US" sz="1400" dirty="0">
-                <a:latin typeface="仿宋" panose="02010609060101010101" pitchFamily="49" charset="-122"/>
-                <a:ea typeface="仿宋" panose="02010609060101010101" pitchFamily="49" charset="-122"/>
+              <a:rPr lang="zh-CN" altLang="en-US" sz="1600" b="1" dirty="0">
+                <a:latin typeface="宋体" panose="02010600030101010101" pitchFamily="2" charset="-122"/>
+                <a:ea typeface="宋体" panose="02010600030101010101" pitchFamily="2" charset="-122"/>
               </a:rPr>
               <a:t>，简写</a:t>
             </a:r>
             <a:r>
-              <a:rPr lang="en-US" altLang="zh-CN" sz="1400" dirty="0">
-                <a:latin typeface="仿宋" panose="02010609060101010101" pitchFamily="49" charset="-122"/>
-                <a:ea typeface="仿宋" panose="02010609060101010101" pitchFamily="49" charset="-122"/>
+              <a:rPr lang="en-US" altLang="zh-CN" sz="1600" b="1" dirty="0">
+                <a:latin typeface="宋体" panose="02010600030101010101" pitchFamily="2" charset="-122"/>
+                <a:ea typeface="宋体" panose="02010600030101010101" pitchFamily="2" charset="-122"/>
               </a:rPr>
               <a:t>CF)</a:t>
             </a:r>
             <a:r>
-              <a:rPr lang="zh-CN" altLang="en-US" sz="1400" dirty="0">
-                <a:latin typeface="仿宋" panose="02010609060101010101" pitchFamily="49" charset="-122"/>
-                <a:ea typeface="仿宋" panose="02010609060101010101" pitchFamily="49" charset="-122"/>
+              <a:rPr lang="zh-CN" altLang="en-US" sz="1600" b="1" dirty="0">
+                <a:latin typeface="宋体" panose="02010600030101010101" pitchFamily="2" charset="-122"/>
+                <a:ea typeface="宋体" panose="02010600030101010101" pitchFamily="2" charset="-122"/>
               </a:rPr>
               <a:t>。不同的</a:t>
             </a:r>
             <a:r>
-              <a:rPr lang="en-US" altLang="zh-CN" sz="1400" dirty="0">
-                <a:latin typeface="仿宋" panose="02010609060101010101" pitchFamily="49" charset="-122"/>
-                <a:ea typeface="仿宋" panose="02010609060101010101" pitchFamily="49" charset="-122"/>
+              <a:rPr lang="en-US" altLang="zh-CN" sz="1600" b="1" dirty="0">
+                <a:latin typeface="宋体" panose="02010600030101010101" pitchFamily="2" charset="-122"/>
+                <a:ea typeface="宋体" panose="02010600030101010101" pitchFamily="2" charset="-122"/>
               </a:rPr>
               <a:t>CFs</a:t>
             </a:r>
             <a:r>
-              <a:rPr lang="zh-CN" altLang="en-US" sz="1400" dirty="0">
-                <a:latin typeface="仿宋" panose="02010609060101010101" pitchFamily="49" charset="-122"/>
-                <a:ea typeface="仿宋" panose="02010609060101010101" pitchFamily="49" charset="-122"/>
+              <a:rPr lang="zh-CN" altLang="en-US" sz="1600" b="1" dirty="0">
+                <a:latin typeface="宋体" panose="02010600030101010101" pitchFamily="2" charset="-122"/>
+                <a:ea typeface="宋体" panose="02010600030101010101" pitchFamily="2" charset="-122"/>
               </a:rPr>
               <a:t>中的数据存储在各自的</a:t>
             </a:r>
             <a:r>
-              <a:rPr lang="en-US" altLang="zh-CN" sz="1400" dirty="0" err="1">
-                <a:latin typeface="仿宋" panose="02010609060101010101" pitchFamily="49" charset="-122"/>
-                <a:ea typeface="仿宋" panose="02010609060101010101" pitchFamily="49" charset="-122"/>
+              <a:rPr lang="en-US" altLang="zh-CN" sz="1600" b="1" dirty="0" err="1">
+                <a:latin typeface="宋体" panose="02010600030101010101" pitchFamily="2" charset="-122"/>
+                <a:ea typeface="宋体" panose="02010600030101010101" pitchFamily="2" charset="-122"/>
               </a:rPr>
               <a:t>HStore</a:t>
             </a:r>
             <a:r>
-              <a:rPr lang="zh-CN" altLang="en-US" sz="1400" dirty="0">
-                <a:latin typeface="仿宋" panose="02010609060101010101" pitchFamily="49" charset="-122"/>
-                <a:ea typeface="仿宋" panose="02010609060101010101" pitchFamily="49" charset="-122"/>
+              <a:rPr lang="zh-CN" altLang="en-US" sz="1600" b="1" dirty="0">
+                <a:latin typeface="宋体" panose="02010600030101010101" pitchFamily="2" charset="-122"/>
+                <a:ea typeface="宋体" panose="02010600030101010101" pitchFamily="2" charset="-122"/>
               </a:rPr>
               <a:t>中，</a:t>
             </a:r>
             <a:r>
-              <a:rPr lang="en-US" altLang="zh-CN" sz="1400" dirty="0" err="1">
-                <a:latin typeface="仿宋" panose="02010609060101010101" pitchFamily="49" charset="-122"/>
-                <a:ea typeface="仿宋" panose="02010609060101010101" pitchFamily="49" charset="-122"/>
+              <a:rPr lang="en-US" altLang="zh-CN" sz="1600" b="1" dirty="0" err="1">
+                <a:latin typeface="宋体" panose="02010600030101010101" pitchFamily="2" charset="-122"/>
+                <a:ea typeface="宋体" panose="02010600030101010101" pitchFamily="2" charset="-122"/>
               </a:rPr>
               <a:t>HStore</a:t>
             </a:r>
             <a:r>
-              <a:rPr lang="zh-CN" altLang="en-US" sz="1400" dirty="0">
-                <a:latin typeface="仿宋" panose="02010609060101010101" pitchFamily="49" charset="-122"/>
-                <a:ea typeface="仿宋" panose="02010609060101010101" pitchFamily="49" charset="-122"/>
+              <a:rPr lang="zh-CN" altLang="en-US" sz="1600" b="1" dirty="0">
+                <a:latin typeface="宋体" panose="02010600030101010101" pitchFamily="2" charset="-122"/>
+                <a:ea typeface="宋体" panose="02010600030101010101" pitchFamily="2" charset="-122"/>
               </a:rPr>
               <a:t>由一个</a:t>
             </a:r>
             <a:r>
-              <a:rPr lang="en-US" altLang="zh-CN" sz="1400" dirty="0" err="1">
-                <a:latin typeface="仿宋" panose="02010609060101010101" pitchFamily="49" charset="-122"/>
-                <a:ea typeface="仿宋" panose="02010609060101010101" pitchFamily="49" charset="-122"/>
+              <a:rPr lang="en-US" altLang="zh-CN" sz="1600" b="1" dirty="0" err="1">
+                <a:latin typeface="宋体" panose="02010600030101010101" pitchFamily="2" charset="-122"/>
+                <a:ea typeface="宋体" panose="02010600030101010101" pitchFamily="2" charset="-122"/>
               </a:rPr>
               <a:t>Memstore</a:t>
             </a:r>
             <a:r>
-              <a:rPr lang="zh-CN" altLang="en-US" sz="1400" dirty="0">
-                <a:latin typeface="仿宋" panose="02010609060101010101" pitchFamily="49" charset="-122"/>
-                <a:ea typeface="仿宋" panose="02010609060101010101" pitchFamily="49" charset="-122"/>
+              <a:rPr lang="zh-CN" altLang="en-US" sz="1600" b="1" dirty="0">
+                <a:latin typeface="宋体" panose="02010600030101010101" pitchFamily="2" charset="-122"/>
+                <a:ea typeface="宋体" panose="02010600030101010101" pitchFamily="2" charset="-122"/>
               </a:rPr>
               <a:t>及一系列</a:t>
             </a:r>
             <a:r>
-              <a:rPr lang="en-US" altLang="zh-CN" sz="1400" dirty="0" err="1">
-                <a:latin typeface="仿宋" panose="02010609060101010101" pitchFamily="49" charset="-122"/>
-                <a:ea typeface="仿宋" panose="02010609060101010101" pitchFamily="49" charset="-122"/>
+              <a:rPr lang="en-US" altLang="zh-CN" sz="1600" b="1" dirty="0" err="1">
+                <a:latin typeface="宋体" panose="02010600030101010101" pitchFamily="2" charset="-122"/>
+                <a:ea typeface="宋体" panose="02010600030101010101" pitchFamily="2" charset="-122"/>
               </a:rPr>
               <a:t>HFile</a:t>
             </a:r>
             <a:r>
-              <a:rPr lang="zh-CN" altLang="en-US" sz="1400" dirty="0">
-                <a:latin typeface="仿宋" panose="02010609060101010101" pitchFamily="49" charset="-122"/>
-                <a:ea typeface="仿宋" panose="02010609060101010101" pitchFamily="49" charset="-122"/>
+              <a:rPr lang="zh-CN" altLang="en-US" sz="1600" b="1" dirty="0">
+                <a:latin typeface="宋体" panose="02010600030101010101" pitchFamily="2" charset="-122"/>
+                <a:ea typeface="宋体" panose="02010600030101010101" pitchFamily="2" charset="-122"/>
               </a:rPr>
               <a:t>组成。</a:t>
             </a:r>
             <a:r>
-              <a:rPr lang="en-US" altLang="zh-CN" sz="1400" dirty="0" err="1">
-                <a:latin typeface="仿宋" panose="02010609060101010101" pitchFamily="49" charset="-122"/>
-                <a:ea typeface="仿宋" panose="02010609060101010101" pitchFamily="49" charset="-122"/>
+              <a:rPr lang="en-US" altLang="zh-CN" sz="1600" b="1" dirty="0" err="1">
+                <a:latin typeface="宋体" panose="02010600030101010101" pitchFamily="2" charset="-122"/>
+                <a:ea typeface="宋体" panose="02010600030101010101" pitchFamily="2" charset="-122"/>
               </a:rPr>
               <a:t>Memstore</a:t>
             </a:r>
             <a:r>
-              <a:rPr lang="zh-CN" altLang="en-US" sz="1400" dirty="0">
-                <a:latin typeface="仿宋" panose="02010609060101010101" pitchFamily="49" charset="-122"/>
-                <a:ea typeface="仿宋" panose="02010609060101010101" pitchFamily="49" charset="-122"/>
+              <a:rPr lang="zh-CN" altLang="en-US" sz="1600" b="1" dirty="0">
+                <a:latin typeface="宋体" panose="02010600030101010101" pitchFamily="2" charset="-122"/>
+                <a:ea typeface="宋体" panose="02010600030101010101" pitchFamily="2" charset="-122"/>
               </a:rPr>
               <a:t>位于</a:t>
             </a:r>
             <a:r>
-              <a:rPr lang="en-US" altLang="zh-CN" sz="1400" dirty="0">
-                <a:latin typeface="仿宋" panose="02010609060101010101" pitchFamily="49" charset="-122"/>
-                <a:ea typeface="仿宋" panose="02010609060101010101" pitchFamily="49" charset="-122"/>
+              <a:rPr lang="en-US" altLang="zh-CN" sz="1600" b="1" dirty="0">
+                <a:latin typeface="宋体" panose="02010600030101010101" pitchFamily="2" charset="-122"/>
+                <a:ea typeface="宋体" panose="02010600030101010101" pitchFamily="2" charset="-122"/>
               </a:rPr>
               <a:t>RS</a:t>
             </a:r>
             <a:r>
-              <a:rPr lang="zh-CN" altLang="en-US" sz="1400" dirty="0">
-                <a:latin typeface="仿宋" panose="02010609060101010101" pitchFamily="49" charset="-122"/>
-                <a:ea typeface="仿宋" panose="02010609060101010101" pitchFamily="49" charset="-122"/>
+              <a:rPr lang="zh-CN" altLang="en-US" sz="1600" b="1" dirty="0">
+                <a:latin typeface="宋体" panose="02010600030101010101" pitchFamily="2" charset="-122"/>
+                <a:ea typeface="宋体" panose="02010600030101010101" pitchFamily="2" charset="-122"/>
               </a:rPr>
               <a:t>的主内存中，而</a:t>
             </a:r>
             <a:r>
-              <a:rPr lang="en-US" altLang="zh-CN" sz="1400" dirty="0" err="1">
-                <a:latin typeface="仿宋" panose="02010609060101010101" pitchFamily="49" charset="-122"/>
-                <a:ea typeface="仿宋" panose="02010609060101010101" pitchFamily="49" charset="-122"/>
+              <a:rPr lang="en-US" altLang="zh-CN" sz="1600" b="1" dirty="0" err="1">
+                <a:latin typeface="宋体" panose="02010600030101010101" pitchFamily="2" charset="-122"/>
+                <a:ea typeface="宋体" panose="02010600030101010101" pitchFamily="2" charset="-122"/>
               </a:rPr>
               <a:t>HFiles</a:t>
             </a:r>
             <a:r>
-              <a:rPr lang="zh-CN" altLang="en-US" sz="1400" dirty="0">
-                <a:latin typeface="仿宋" panose="02010609060101010101" pitchFamily="49" charset="-122"/>
-                <a:ea typeface="仿宋" panose="02010609060101010101" pitchFamily="49" charset="-122"/>
+              <a:rPr lang="zh-CN" altLang="en-US" sz="1600" b="1" dirty="0">
+                <a:latin typeface="宋体" panose="02010600030101010101" pitchFamily="2" charset="-122"/>
+                <a:ea typeface="宋体" panose="02010600030101010101" pitchFamily="2" charset="-122"/>
               </a:rPr>
               <a:t>被写入到</a:t>
             </a:r>
             <a:r>
-              <a:rPr lang="en-US" altLang="zh-CN" sz="1400" dirty="0">
-                <a:latin typeface="仿宋" panose="02010609060101010101" pitchFamily="49" charset="-122"/>
-                <a:ea typeface="仿宋" panose="02010609060101010101" pitchFamily="49" charset="-122"/>
+              <a:rPr lang="en-US" altLang="zh-CN" sz="1600" b="1" dirty="0">
+                <a:latin typeface="宋体" panose="02010600030101010101" pitchFamily="2" charset="-122"/>
+                <a:ea typeface="宋体" panose="02010600030101010101" pitchFamily="2" charset="-122"/>
               </a:rPr>
               <a:t>HDFS</a:t>
             </a:r>
             <a:r>
-              <a:rPr lang="zh-CN" altLang="en-US" sz="1400" dirty="0">
-                <a:latin typeface="仿宋" panose="02010609060101010101" pitchFamily="49" charset="-122"/>
-                <a:ea typeface="仿宋" panose="02010609060101010101" pitchFamily="49" charset="-122"/>
+              <a:rPr lang="zh-CN" altLang="en-US" sz="1600" b="1" dirty="0">
+                <a:latin typeface="宋体" panose="02010600030101010101" pitchFamily="2" charset="-122"/>
+                <a:ea typeface="宋体" panose="02010600030101010101" pitchFamily="2" charset="-122"/>
               </a:rPr>
               <a:t>中。当</a:t>
             </a:r>
             <a:r>
-              <a:rPr lang="en-US" altLang="zh-CN" sz="1400" dirty="0">
-                <a:latin typeface="仿宋" panose="02010609060101010101" pitchFamily="49" charset="-122"/>
-                <a:ea typeface="仿宋" panose="02010609060101010101" pitchFamily="49" charset="-122"/>
+              <a:rPr lang="en-US" altLang="zh-CN" sz="1600" b="1" dirty="0">
+                <a:latin typeface="宋体" panose="02010600030101010101" pitchFamily="2" charset="-122"/>
+                <a:ea typeface="宋体" panose="02010600030101010101" pitchFamily="2" charset="-122"/>
               </a:rPr>
               <a:t>RS</a:t>
             </a:r>
             <a:r>
-              <a:rPr lang="zh-CN" altLang="en-US" sz="1400" dirty="0">
-                <a:latin typeface="仿宋" panose="02010609060101010101" pitchFamily="49" charset="-122"/>
-                <a:ea typeface="仿宋" panose="02010609060101010101" pitchFamily="49" charset="-122"/>
+              <a:rPr lang="zh-CN" altLang="en-US" sz="1600" b="1" dirty="0">
+                <a:latin typeface="宋体" panose="02010600030101010101" pitchFamily="2" charset="-122"/>
+                <a:ea typeface="宋体" panose="02010600030101010101" pitchFamily="2" charset="-122"/>
               </a:rPr>
               <a:t>处理写请求的时候，数据首先写入到</a:t>
             </a:r>
             <a:r>
-              <a:rPr lang="en-US" altLang="zh-CN" sz="1400" dirty="0" err="1">
-                <a:latin typeface="仿宋" panose="02010609060101010101" pitchFamily="49" charset="-122"/>
-                <a:ea typeface="仿宋" panose="02010609060101010101" pitchFamily="49" charset="-122"/>
+              <a:rPr lang="en-US" altLang="zh-CN" sz="1600" b="1" dirty="0" err="1">
+                <a:latin typeface="宋体" panose="02010600030101010101" pitchFamily="2" charset="-122"/>
+                <a:ea typeface="宋体" panose="02010600030101010101" pitchFamily="2" charset="-122"/>
               </a:rPr>
               <a:t>Memstore</a:t>
             </a:r>
             <a:r>
-              <a:rPr lang="zh-CN" altLang="en-US" sz="1400" dirty="0">
-                <a:latin typeface="仿宋" panose="02010609060101010101" pitchFamily="49" charset="-122"/>
-                <a:ea typeface="仿宋" panose="02010609060101010101" pitchFamily="49" charset="-122"/>
+              <a:rPr lang="zh-CN" altLang="en-US" sz="1600" b="1" dirty="0">
+                <a:latin typeface="宋体" panose="02010600030101010101" pitchFamily="2" charset="-122"/>
+                <a:ea typeface="宋体" panose="02010600030101010101" pitchFamily="2" charset="-122"/>
               </a:rPr>
               <a:t>，然后当到达一定的阀值的时候，</a:t>
             </a:r>
             <a:r>
-              <a:rPr lang="en-US" altLang="zh-CN" sz="1400" dirty="0" err="1">
-                <a:latin typeface="仿宋" panose="02010609060101010101" pitchFamily="49" charset="-122"/>
-                <a:ea typeface="仿宋" panose="02010609060101010101" pitchFamily="49" charset="-122"/>
+              <a:rPr lang="en-US" altLang="zh-CN" sz="1600" b="1" dirty="0" err="1">
+                <a:latin typeface="宋体" panose="02010600030101010101" pitchFamily="2" charset="-122"/>
+                <a:ea typeface="宋体" panose="02010600030101010101" pitchFamily="2" charset="-122"/>
               </a:rPr>
               <a:t>Memstore</a:t>
             </a:r>
             <a:r>
-              <a:rPr lang="zh-CN" altLang="en-US" sz="1400" dirty="0">
-                <a:latin typeface="仿宋" panose="02010609060101010101" pitchFamily="49" charset="-122"/>
-                <a:ea typeface="仿宋" panose="02010609060101010101" pitchFamily="49" charset="-122"/>
+              <a:rPr lang="zh-CN" altLang="en-US" sz="1600" b="1" dirty="0">
+                <a:latin typeface="宋体" panose="02010600030101010101" pitchFamily="2" charset="-122"/>
+                <a:ea typeface="宋体" panose="02010600030101010101" pitchFamily="2" charset="-122"/>
               </a:rPr>
               <a:t>中的数据会被刷到</a:t>
             </a:r>
             <a:r>
-              <a:rPr lang="en-US" altLang="zh-CN" sz="1400" dirty="0" err="1">
-                <a:latin typeface="仿宋" panose="02010609060101010101" pitchFamily="49" charset="-122"/>
-                <a:ea typeface="仿宋" panose="02010609060101010101" pitchFamily="49" charset="-122"/>
+              <a:rPr lang="en-US" altLang="zh-CN" sz="1600" b="1" dirty="0" err="1">
+                <a:latin typeface="宋体" panose="02010600030101010101" pitchFamily="2" charset="-122"/>
+                <a:ea typeface="宋体" panose="02010600030101010101" pitchFamily="2" charset="-122"/>
               </a:rPr>
               <a:t>HFile</a:t>
             </a:r>
             <a:r>
-              <a:rPr lang="zh-CN" altLang="en-US" sz="1400" dirty="0">
-                <a:latin typeface="仿宋" panose="02010609060101010101" pitchFamily="49" charset="-122"/>
-                <a:ea typeface="仿宋" panose="02010609060101010101" pitchFamily="49" charset="-122"/>
+              <a:rPr lang="zh-CN" altLang="en-US" sz="1600" b="1" dirty="0">
+                <a:latin typeface="宋体" panose="02010600030101010101" pitchFamily="2" charset="-122"/>
+                <a:ea typeface="宋体" panose="02010600030101010101" pitchFamily="2" charset="-122"/>
               </a:rPr>
               <a:t>中。</a:t>
             </a:r>
@@ -8452,230 +8543,230 @@
               <a:buChar char="l"/>
             </a:pPr>
             <a:r>
-              <a:rPr lang="zh-CN" altLang="en-US" sz="1400" dirty="0">
-                <a:latin typeface="仿宋" panose="02010609060101010101" pitchFamily="49" charset="-122"/>
-                <a:ea typeface="仿宋" panose="02010609060101010101" pitchFamily="49" charset="-122"/>
+              <a:rPr lang="zh-CN" altLang="en-US" sz="1600" b="1" dirty="0">
+                <a:latin typeface="宋体" panose="02010600030101010101" pitchFamily="2" charset="-122"/>
+                <a:ea typeface="宋体" panose="02010600030101010101" pitchFamily="2" charset="-122"/>
               </a:rPr>
               <a:t>用到</a:t>
             </a:r>
             <a:r>
-              <a:rPr lang="en-US" altLang="zh-CN" sz="1400" dirty="0" err="1">
-                <a:latin typeface="仿宋" panose="02010609060101010101" pitchFamily="49" charset="-122"/>
-                <a:ea typeface="仿宋" panose="02010609060101010101" pitchFamily="49" charset="-122"/>
+              <a:rPr lang="en-US" altLang="zh-CN" sz="1600" b="1" dirty="0" err="1">
+                <a:latin typeface="宋体" panose="02010600030101010101" pitchFamily="2" charset="-122"/>
+                <a:ea typeface="宋体" panose="02010600030101010101" pitchFamily="2" charset="-122"/>
               </a:rPr>
               <a:t>Memstore</a:t>
             </a:r>
             <a:r>
-              <a:rPr lang="zh-CN" altLang="en-US" sz="1400" dirty="0">
-                <a:latin typeface="仿宋" panose="02010609060101010101" pitchFamily="49" charset="-122"/>
-                <a:ea typeface="仿宋" panose="02010609060101010101" pitchFamily="49" charset="-122"/>
+              <a:rPr lang="zh-CN" altLang="en-US" sz="1600" b="1" dirty="0">
+                <a:latin typeface="宋体" panose="02010600030101010101" pitchFamily="2" charset="-122"/>
+                <a:ea typeface="宋体" panose="02010600030101010101" pitchFamily="2" charset="-122"/>
               </a:rPr>
               <a:t>最主要的原因是：存储在</a:t>
             </a:r>
             <a:r>
-              <a:rPr lang="en-US" altLang="zh-CN" sz="1400" dirty="0">
-                <a:latin typeface="仿宋" panose="02010609060101010101" pitchFamily="49" charset="-122"/>
-                <a:ea typeface="仿宋" panose="02010609060101010101" pitchFamily="49" charset="-122"/>
+              <a:rPr lang="en-US" altLang="zh-CN" sz="1600" b="1" dirty="0">
+                <a:latin typeface="宋体" panose="02010600030101010101" pitchFamily="2" charset="-122"/>
+                <a:ea typeface="宋体" panose="02010600030101010101" pitchFamily="2" charset="-122"/>
               </a:rPr>
               <a:t>HDFS</a:t>
             </a:r>
             <a:r>
-              <a:rPr lang="zh-CN" altLang="en-US" sz="1400" dirty="0">
-                <a:latin typeface="仿宋" panose="02010609060101010101" pitchFamily="49" charset="-122"/>
-                <a:ea typeface="仿宋" panose="02010609060101010101" pitchFamily="49" charset="-122"/>
+              <a:rPr lang="zh-CN" altLang="en-US" sz="1600" b="1" dirty="0">
+                <a:latin typeface="宋体" panose="02010600030101010101" pitchFamily="2" charset="-122"/>
+                <a:ea typeface="宋体" panose="02010600030101010101" pitchFamily="2" charset="-122"/>
               </a:rPr>
               <a:t>上的数据需要按照</a:t>
             </a:r>
             <a:r>
-              <a:rPr lang="en-US" altLang="zh-CN" sz="1400" dirty="0">
-                <a:latin typeface="仿宋" panose="02010609060101010101" pitchFamily="49" charset="-122"/>
-                <a:ea typeface="仿宋" panose="02010609060101010101" pitchFamily="49" charset="-122"/>
+              <a:rPr lang="en-US" altLang="zh-CN" sz="1600" b="1" dirty="0">
+                <a:latin typeface="宋体" panose="02010600030101010101" pitchFamily="2" charset="-122"/>
+                <a:ea typeface="宋体" panose="02010600030101010101" pitchFamily="2" charset="-122"/>
               </a:rPr>
               <a:t>row key </a:t>
             </a:r>
             <a:r>
-              <a:rPr lang="zh-CN" altLang="en-US" sz="1400" dirty="0">
-                <a:latin typeface="仿宋" panose="02010609060101010101" pitchFamily="49" charset="-122"/>
-                <a:ea typeface="仿宋" panose="02010609060101010101" pitchFamily="49" charset="-122"/>
+              <a:rPr lang="zh-CN" altLang="en-US" sz="1600" b="1" dirty="0">
+                <a:latin typeface="宋体" panose="02010600030101010101" pitchFamily="2" charset="-122"/>
+                <a:ea typeface="宋体" panose="02010600030101010101" pitchFamily="2" charset="-122"/>
               </a:rPr>
               <a:t>排序。而</a:t>
             </a:r>
             <a:r>
-              <a:rPr lang="en-US" altLang="zh-CN" sz="1400" dirty="0">
-                <a:latin typeface="仿宋" panose="02010609060101010101" pitchFamily="49" charset="-122"/>
-                <a:ea typeface="仿宋" panose="02010609060101010101" pitchFamily="49" charset="-122"/>
+              <a:rPr lang="en-US" altLang="zh-CN" sz="1600" b="1" dirty="0">
+                <a:latin typeface="宋体" panose="02010600030101010101" pitchFamily="2" charset="-122"/>
+                <a:ea typeface="宋体" panose="02010600030101010101" pitchFamily="2" charset="-122"/>
               </a:rPr>
               <a:t>HDFS</a:t>
             </a:r>
             <a:r>
-              <a:rPr lang="zh-CN" altLang="en-US" sz="1400" dirty="0">
-                <a:latin typeface="仿宋" panose="02010609060101010101" pitchFamily="49" charset="-122"/>
-                <a:ea typeface="仿宋" panose="02010609060101010101" pitchFamily="49" charset="-122"/>
+              <a:rPr lang="zh-CN" altLang="en-US" sz="1600" b="1" dirty="0">
+                <a:latin typeface="宋体" panose="02010600030101010101" pitchFamily="2" charset="-122"/>
+                <a:ea typeface="宋体" panose="02010600030101010101" pitchFamily="2" charset="-122"/>
               </a:rPr>
               <a:t>本身被设计为顺序读写</a:t>
             </a:r>
             <a:r>
-              <a:rPr lang="en-US" altLang="zh-CN" sz="1400" dirty="0">
-                <a:latin typeface="仿宋" panose="02010609060101010101" pitchFamily="49" charset="-122"/>
-                <a:ea typeface="仿宋" panose="02010609060101010101" pitchFamily="49" charset="-122"/>
+              <a:rPr lang="en-US" altLang="zh-CN" sz="1600" b="1" dirty="0">
+                <a:latin typeface="宋体" panose="02010600030101010101" pitchFamily="2" charset="-122"/>
+                <a:ea typeface="宋体" panose="02010600030101010101" pitchFamily="2" charset="-122"/>
               </a:rPr>
               <a:t>(sequential reads/writes)</a:t>
             </a:r>
             <a:r>
-              <a:rPr lang="zh-CN" altLang="en-US" sz="1400" dirty="0">
-                <a:latin typeface="仿宋" panose="02010609060101010101" pitchFamily="49" charset="-122"/>
-                <a:ea typeface="仿宋" panose="02010609060101010101" pitchFamily="49" charset="-122"/>
+              <a:rPr lang="zh-CN" altLang="en-US" sz="1600" b="1" dirty="0">
+                <a:latin typeface="宋体" panose="02010600030101010101" pitchFamily="2" charset="-122"/>
+                <a:ea typeface="宋体" panose="02010600030101010101" pitchFamily="2" charset="-122"/>
               </a:rPr>
               <a:t>，不允许修改。这样的话，</a:t>
             </a:r>
             <a:r>
-              <a:rPr lang="en-US" altLang="zh-CN" sz="1400" dirty="0" err="1">
-                <a:latin typeface="仿宋" panose="02010609060101010101" pitchFamily="49" charset="-122"/>
-                <a:ea typeface="仿宋" panose="02010609060101010101" pitchFamily="49" charset="-122"/>
+              <a:rPr lang="en-US" altLang="zh-CN" sz="1600" b="1" dirty="0" err="1">
+                <a:latin typeface="宋体" panose="02010600030101010101" pitchFamily="2" charset="-122"/>
+                <a:ea typeface="宋体" panose="02010600030101010101" pitchFamily="2" charset="-122"/>
               </a:rPr>
               <a:t>HBase</a:t>
             </a:r>
             <a:r>
-              <a:rPr lang="zh-CN" altLang="en-US" sz="1400" dirty="0">
-                <a:latin typeface="仿宋" panose="02010609060101010101" pitchFamily="49" charset="-122"/>
-                <a:ea typeface="仿宋" panose="02010609060101010101" pitchFamily="49" charset="-122"/>
+              <a:rPr lang="zh-CN" altLang="en-US" sz="1600" b="1" dirty="0">
+                <a:latin typeface="宋体" panose="02010600030101010101" pitchFamily="2" charset="-122"/>
+                <a:ea typeface="宋体" panose="02010600030101010101" pitchFamily="2" charset="-122"/>
               </a:rPr>
               <a:t>就不能够高效的写数据，因为要写入到</a:t>
             </a:r>
             <a:r>
-              <a:rPr lang="en-US" altLang="zh-CN" sz="1400" dirty="0" err="1">
-                <a:latin typeface="仿宋" panose="02010609060101010101" pitchFamily="49" charset="-122"/>
-                <a:ea typeface="仿宋" panose="02010609060101010101" pitchFamily="49" charset="-122"/>
+              <a:rPr lang="en-US" altLang="zh-CN" sz="1600" b="1" dirty="0" err="1">
+                <a:latin typeface="宋体" panose="02010600030101010101" pitchFamily="2" charset="-122"/>
+                <a:ea typeface="宋体" panose="02010600030101010101" pitchFamily="2" charset="-122"/>
               </a:rPr>
               <a:t>HBase</a:t>
             </a:r>
             <a:r>
-              <a:rPr lang="zh-CN" altLang="en-US" sz="1400" dirty="0">
-                <a:latin typeface="仿宋" panose="02010609060101010101" pitchFamily="49" charset="-122"/>
-                <a:ea typeface="仿宋" panose="02010609060101010101" pitchFamily="49" charset="-122"/>
+              <a:rPr lang="zh-CN" altLang="en-US" sz="1600" b="1" dirty="0">
+                <a:latin typeface="宋体" panose="02010600030101010101" pitchFamily="2" charset="-122"/>
+                <a:ea typeface="宋体" panose="02010600030101010101" pitchFamily="2" charset="-122"/>
               </a:rPr>
               <a:t>的数据不会被排序，这也就意味着没有为将来的检索优化。为了解决这个问题，</a:t>
             </a:r>
             <a:r>
-              <a:rPr lang="en-US" altLang="zh-CN" sz="1400" dirty="0" err="1">
-                <a:latin typeface="仿宋" panose="02010609060101010101" pitchFamily="49" charset="-122"/>
-                <a:ea typeface="仿宋" panose="02010609060101010101" pitchFamily="49" charset="-122"/>
+              <a:rPr lang="en-US" altLang="zh-CN" sz="1600" b="1" dirty="0" err="1">
+                <a:latin typeface="宋体" panose="02010600030101010101" pitchFamily="2" charset="-122"/>
+                <a:ea typeface="宋体" panose="02010600030101010101" pitchFamily="2" charset="-122"/>
               </a:rPr>
               <a:t>HBase</a:t>
             </a:r>
             <a:r>
-              <a:rPr lang="zh-CN" altLang="en-US" sz="1400" dirty="0">
-                <a:latin typeface="仿宋" panose="02010609060101010101" pitchFamily="49" charset="-122"/>
-                <a:ea typeface="仿宋" panose="02010609060101010101" pitchFamily="49" charset="-122"/>
+              <a:rPr lang="zh-CN" altLang="en-US" sz="1600" b="1" dirty="0">
+                <a:latin typeface="宋体" panose="02010600030101010101" pitchFamily="2" charset="-122"/>
+                <a:ea typeface="宋体" panose="02010600030101010101" pitchFamily="2" charset="-122"/>
               </a:rPr>
               <a:t>将最近接收到的数据缓存在内存中</a:t>
             </a:r>
             <a:r>
-              <a:rPr lang="en-US" altLang="zh-CN" sz="1400" dirty="0">
-                <a:latin typeface="仿宋" panose="02010609060101010101" pitchFamily="49" charset="-122"/>
-                <a:ea typeface="仿宋" panose="02010609060101010101" pitchFamily="49" charset="-122"/>
+              <a:rPr lang="en-US" altLang="zh-CN" sz="1600" b="1" dirty="0">
+                <a:latin typeface="宋体" panose="02010600030101010101" pitchFamily="2" charset="-122"/>
+                <a:ea typeface="宋体" panose="02010600030101010101" pitchFamily="2" charset="-122"/>
               </a:rPr>
               <a:t>(in </a:t>
             </a:r>
             <a:r>
-              <a:rPr lang="en-US" altLang="zh-CN" sz="1400" dirty="0" err="1">
-                <a:latin typeface="仿宋" panose="02010609060101010101" pitchFamily="49" charset="-122"/>
-                <a:ea typeface="仿宋" panose="02010609060101010101" pitchFamily="49" charset="-122"/>
+              <a:rPr lang="en-US" altLang="zh-CN" sz="1600" b="1" dirty="0" err="1">
+                <a:latin typeface="宋体" panose="02010600030101010101" pitchFamily="2" charset="-122"/>
+                <a:ea typeface="宋体" panose="02010600030101010101" pitchFamily="2" charset="-122"/>
               </a:rPr>
               <a:t>Memstore</a:t>
             </a:r>
             <a:r>
-              <a:rPr lang="en-US" altLang="zh-CN" sz="1400" dirty="0">
-                <a:latin typeface="仿宋" panose="02010609060101010101" pitchFamily="49" charset="-122"/>
-                <a:ea typeface="仿宋" panose="02010609060101010101" pitchFamily="49" charset="-122"/>
+              <a:rPr lang="en-US" altLang="zh-CN" sz="1600" b="1" dirty="0">
+                <a:latin typeface="宋体" panose="02010600030101010101" pitchFamily="2" charset="-122"/>
+                <a:ea typeface="宋体" panose="02010600030101010101" pitchFamily="2" charset="-122"/>
               </a:rPr>
               <a:t>)</a:t>
             </a:r>
             <a:r>
-              <a:rPr lang="zh-CN" altLang="en-US" sz="1400" dirty="0">
-                <a:latin typeface="仿宋" panose="02010609060101010101" pitchFamily="49" charset="-122"/>
-                <a:ea typeface="仿宋" panose="02010609060101010101" pitchFamily="49" charset="-122"/>
+              <a:rPr lang="zh-CN" altLang="en-US" sz="1600" b="1" dirty="0">
+                <a:latin typeface="宋体" panose="02010600030101010101" pitchFamily="2" charset="-122"/>
+                <a:ea typeface="宋体" panose="02010600030101010101" pitchFamily="2" charset="-122"/>
               </a:rPr>
               <a:t>，在持久化到</a:t>
             </a:r>
             <a:r>
-              <a:rPr lang="en-US" altLang="zh-CN" sz="1400" dirty="0">
-                <a:latin typeface="仿宋" panose="02010609060101010101" pitchFamily="49" charset="-122"/>
-                <a:ea typeface="仿宋" panose="02010609060101010101" pitchFamily="49" charset="-122"/>
+              <a:rPr lang="en-US" altLang="zh-CN" sz="1600" b="1" dirty="0">
+                <a:latin typeface="宋体" panose="02010600030101010101" pitchFamily="2" charset="-122"/>
+                <a:ea typeface="宋体" panose="02010600030101010101" pitchFamily="2" charset="-122"/>
               </a:rPr>
               <a:t>HDFS</a:t>
             </a:r>
             <a:r>
-              <a:rPr lang="zh-CN" altLang="en-US" sz="1400" dirty="0">
-                <a:latin typeface="仿宋" panose="02010609060101010101" pitchFamily="49" charset="-122"/>
-                <a:ea typeface="仿宋" panose="02010609060101010101" pitchFamily="49" charset="-122"/>
+              <a:rPr lang="zh-CN" altLang="en-US" sz="1600" b="1" dirty="0">
+                <a:latin typeface="宋体" panose="02010600030101010101" pitchFamily="2" charset="-122"/>
+                <a:ea typeface="宋体" panose="02010600030101010101" pitchFamily="2" charset="-122"/>
               </a:rPr>
               <a:t>之前完成排序，然后再快速的顺序写入</a:t>
             </a:r>
             <a:r>
-              <a:rPr lang="en-US" altLang="zh-CN" sz="1400" dirty="0">
-                <a:latin typeface="仿宋" panose="02010609060101010101" pitchFamily="49" charset="-122"/>
-                <a:ea typeface="仿宋" panose="02010609060101010101" pitchFamily="49" charset="-122"/>
+              <a:rPr lang="en-US" altLang="zh-CN" sz="1600" b="1" dirty="0">
+                <a:latin typeface="宋体" panose="02010600030101010101" pitchFamily="2" charset="-122"/>
+                <a:ea typeface="宋体" panose="02010600030101010101" pitchFamily="2" charset="-122"/>
               </a:rPr>
               <a:t>HDFS</a:t>
             </a:r>
             <a:r>
-              <a:rPr lang="zh-CN" altLang="en-US" sz="1400" dirty="0">
-                <a:latin typeface="仿宋" panose="02010609060101010101" pitchFamily="49" charset="-122"/>
-                <a:ea typeface="仿宋" panose="02010609060101010101" pitchFamily="49" charset="-122"/>
+              <a:rPr lang="zh-CN" altLang="en-US" sz="1600" b="1" dirty="0">
+                <a:latin typeface="宋体" panose="02010600030101010101" pitchFamily="2" charset="-122"/>
+                <a:ea typeface="宋体" panose="02010600030101010101" pitchFamily="2" charset="-122"/>
               </a:rPr>
               <a:t>。需要注意的一点是实际的</a:t>
             </a:r>
             <a:r>
-              <a:rPr lang="en-US" altLang="zh-CN" sz="1400" dirty="0" err="1">
-                <a:latin typeface="仿宋" panose="02010609060101010101" pitchFamily="49" charset="-122"/>
-                <a:ea typeface="仿宋" panose="02010609060101010101" pitchFamily="49" charset="-122"/>
+              <a:rPr lang="en-US" altLang="zh-CN" sz="1600" b="1" dirty="0" err="1">
+                <a:latin typeface="宋体" panose="02010600030101010101" pitchFamily="2" charset="-122"/>
+                <a:ea typeface="宋体" panose="02010600030101010101" pitchFamily="2" charset="-122"/>
               </a:rPr>
               <a:t>HFile</a:t>
             </a:r>
             <a:r>
-              <a:rPr lang="zh-CN" altLang="en-US" sz="1400" dirty="0">
-                <a:latin typeface="仿宋" panose="02010609060101010101" pitchFamily="49" charset="-122"/>
-                <a:ea typeface="仿宋" panose="02010609060101010101" pitchFamily="49" charset="-122"/>
+              <a:rPr lang="zh-CN" altLang="en-US" sz="1600" b="1" dirty="0">
+                <a:latin typeface="宋体" panose="02010600030101010101" pitchFamily="2" charset="-122"/>
+                <a:ea typeface="宋体" panose="02010600030101010101" pitchFamily="2" charset="-122"/>
               </a:rPr>
               <a:t>中，不仅仅只是简单地排序的列数据的列表，详见</a:t>
             </a:r>
             <a:r>
-              <a:rPr lang="en-US" altLang="zh-CN" sz="1400" u="sng" dirty="0">
-                <a:latin typeface="仿宋" panose="02010609060101010101" pitchFamily="49" charset="-122"/>
-                <a:ea typeface="仿宋" panose="02010609060101010101" pitchFamily="49" charset="-122"/>
+              <a:rPr lang="en-US" altLang="zh-CN" sz="1600" b="1" u="sng" dirty="0">
+                <a:latin typeface="宋体" panose="02010600030101010101" pitchFamily="2" charset="-122"/>
+                <a:ea typeface="宋体" panose="02010600030101010101" pitchFamily="2" charset="-122"/>
                 <a:hlinkClick r:id="rId2"/>
               </a:rPr>
               <a:t>Apache </a:t>
             </a:r>
             <a:r>
-              <a:rPr lang="en-US" altLang="zh-CN" sz="1400" u="sng" dirty="0" err="1">
-                <a:latin typeface="仿宋" panose="02010609060101010101" pitchFamily="49" charset="-122"/>
-                <a:ea typeface="仿宋" panose="02010609060101010101" pitchFamily="49" charset="-122"/>
+              <a:rPr lang="en-US" altLang="zh-CN" sz="1600" b="1" u="sng" dirty="0" err="1">
+                <a:latin typeface="宋体" panose="02010600030101010101" pitchFamily="2" charset="-122"/>
+                <a:ea typeface="宋体" panose="02010600030101010101" pitchFamily="2" charset="-122"/>
                 <a:hlinkClick r:id="rId2"/>
               </a:rPr>
               <a:t>HBase</a:t>
             </a:r>
             <a:r>
-              <a:rPr lang="en-US" altLang="zh-CN" sz="1400" u="sng" dirty="0">
-                <a:latin typeface="仿宋" panose="02010609060101010101" pitchFamily="49" charset="-122"/>
-                <a:ea typeface="仿宋" panose="02010609060101010101" pitchFamily="49" charset="-122"/>
+              <a:rPr lang="en-US" altLang="zh-CN" sz="1600" b="1" u="sng" dirty="0">
+                <a:latin typeface="宋体" panose="02010600030101010101" pitchFamily="2" charset="-122"/>
+                <a:ea typeface="宋体" panose="02010600030101010101" pitchFamily="2" charset="-122"/>
                 <a:hlinkClick r:id="rId2"/>
               </a:rPr>
               <a:t> I/O – </a:t>
             </a:r>
             <a:r>
-              <a:rPr lang="en-US" altLang="zh-CN" sz="1400" u="sng" dirty="0" err="1">
-                <a:latin typeface="仿宋" panose="02010609060101010101" pitchFamily="49" charset="-122"/>
-                <a:ea typeface="仿宋" panose="02010609060101010101" pitchFamily="49" charset="-122"/>
+              <a:rPr lang="en-US" altLang="zh-CN" sz="1600" b="1" u="sng" dirty="0" err="1">
+                <a:latin typeface="宋体" panose="02010600030101010101" pitchFamily="2" charset="-122"/>
+                <a:ea typeface="宋体" panose="02010600030101010101" pitchFamily="2" charset="-122"/>
                 <a:hlinkClick r:id="rId2"/>
               </a:rPr>
               <a:t>HFile</a:t>
             </a:r>
             <a:r>
-              <a:rPr lang="zh-CN" altLang="en-US" sz="1400" dirty="0">
-                <a:latin typeface="仿宋" panose="02010609060101010101" pitchFamily="49" charset="-122"/>
-                <a:ea typeface="仿宋" panose="02010609060101010101" pitchFamily="49" charset="-122"/>
+              <a:rPr lang="zh-CN" altLang="en-US" sz="1600" b="1" dirty="0">
+                <a:latin typeface="宋体" panose="02010600030101010101" pitchFamily="2" charset="-122"/>
+                <a:ea typeface="宋体" panose="02010600030101010101" pitchFamily="2" charset="-122"/>
               </a:rPr>
               <a:t>。</a:t>
             </a:r>
@@ -8689,85 +8780,78 @@
               <a:buChar char="l"/>
             </a:pPr>
             <a:r>
-              <a:rPr lang="zh-CN" altLang="en-US" sz="1400" b="1" dirty="0" smtClean="0">
-                <a:latin typeface="仿宋" panose="02010609060101010101" pitchFamily="49" charset="-122"/>
-                <a:ea typeface="仿宋" panose="02010609060101010101" pitchFamily="49" charset="-122"/>
+              <a:rPr lang="zh-CN" altLang="en-US" sz="1600" b="1" dirty="0" smtClean="0">
+                <a:latin typeface="宋体" panose="02010600030101010101" pitchFamily="2" charset="-122"/>
+                <a:ea typeface="宋体" panose="02010600030101010101" pitchFamily="2" charset="-122"/>
               </a:rPr>
               <a:t>每</a:t>
             </a:r>
             <a:r>
-              <a:rPr lang="zh-CN" altLang="en-US" sz="1400" b="1" dirty="0">
-                <a:latin typeface="仿宋" panose="02010609060101010101" pitchFamily="49" charset="-122"/>
-                <a:ea typeface="仿宋" panose="02010609060101010101" pitchFamily="49" charset="-122"/>
+              <a:rPr lang="zh-CN" altLang="en-US" sz="1600" b="1" dirty="0">
+                <a:latin typeface="宋体" panose="02010600030101010101" pitchFamily="2" charset="-122"/>
+                <a:ea typeface="宋体" panose="02010600030101010101" pitchFamily="2" charset="-122"/>
               </a:rPr>
               <a:t>一次</a:t>
             </a:r>
             <a:r>
-              <a:rPr lang="en-US" altLang="zh-CN" sz="1400" b="1" dirty="0" err="1">
-                <a:latin typeface="仿宋" panose="02010609060101010101" pitchFamily="49" charset="-122"/>
-                <a:ea typeface="仿宋" panose="02010609060101010101" pitchFamily="49" charset="-122"/>
+              <a:rPr lang="en-US" altLang="zh-CN" sz="1600" b="1" dirty="0" err="1">
+                <a:latin typeface="宋体" panose="02010600030101010101" pitchFamily="2" charset="-122"/>
+                <a:ea typeface="宋体" panose="02010600030101010101" pitchFamily="2" charset="-122"/>
               </a:rPr>
               <a:t>Memstore</a:t>
             </a:r>
             <a:r>
-              <a:rPr lang="zh-CN" altLang="en-US" sz="1400" b="1" dirty="0">
-                <a:latin typeface="仿宋" panose="02010609060101010101" pitchFamily="49" charset="-122"/>
-                <a:ea typeface="仿宋" panose="02010609060101010101" pitchFamily="49" charset="-122"/>
+              <a:rPr lang="zh-CN" altLang="en-US" sz="1600" b="1" dirty="0">
+                <a:latin typeface="宋体" panose="02010600030101010101" pitchFamily="2" charset="-122"/>
+                <a:ea typeface="宋体" panose="02010600030101010101" pitchFamily="2" charset="-122"/>
               </a:rPr>
               <a:t>的</a:t>
             </a:r>
             <a:r>
-              <a:rPr lang="en-US" altLang="zh-CN" sz="1400" b="1" dirty="0">
-                <a:latin typeface="仿宋" panose="02010609060101010101" pitchFamily="49" charset="-122"/>
-                <a:ea typeface="仿宋" panose="02010609060101010101" pitchFamily="49" charset="-122"/>
+              <a:rPr lang="en-US" altLang="zh-CN" sz="1600" b="1" dirty="0">
+                <a:latin typeface="宋体" panose="02010600030101010101" pitchFamily="2" charset="-122"/>
+                <a:ea typeface="宋体" panose="02010600030101010101" pitchFamily="2" charset="-122"/>
               </a:rPr>
               <a:t>flush</a:t>
             </a:r>
             <a:r>
-              <a:rPr lang="zh-CN" altLang="en-US" sz="1400" b="1" dirty="0">
-                <a:latin typeface="仿宋" panose="02010609060101010101" pitchFamily="49" charset="-122"/>
-                <a:ea typeface="仿宋" panose="02010609060101010101" pitchFamily="49" charset="-122"/>
+              <a:rPr lang="zh-CN" altLang="en-US" sz="1600" b="1" dirty="0">
+                <a:latin typeface="宋体" panose="02010600030101010101" pitchFamily="2" charset="-122"/>
+                <a:ea typeface="宋体" panose="02010600030101010101" pitchFamily="2" charset="-122"/>
               </a:rPr>
               <a:t>，会为每一个</a:t>
             </a:r>
             <a:r>
-              <a:rPr lang="en-US" altLang="zh-CN" sz="1400" b="1" dirty="0">
-                <a:latin typeface="仿宋" panose="02010609060101010101" pitchFamily="49" charset="-122"/>
-                <a:ea typeface="仿宋" panose="02010609060101010101" pitchFamily="49" charset="-122"/>
+              <a:rPr lang="en-US" altLang="zh-CN" sz="1600" b="1" dirty="0">
+                <a:latin typeface="宋体" panose="02010600030101010101" pitchFamily="2" charset="-122"/>
+                <a:ea typeface="宋体" panose="02010600030101010101" pitchFamily="2" charset="-122"/>
               </a:rPr>
               <a:t>CF</a:t>
             </a:r>
             <a:r>
-              <a:rPr lang="zh-CN" altLang="en-US" sz="1400" b="1" dirty="0">
-                <a:latin typeface="仿宋" panose="02010609060101010101" pitchFamily="49" charset="-122"/>
-                <a:ea typeface="仿宋" panose="02010609060101010101" pitchFamily="49" charset="-122"/>
+              <a:rPr lang="zh-CN" altLang="en-US" sz="1600" b="1" dirty="0">
+                <a:latin typeface="宋体" panose="02010600030101010101" pitchFamily="2" charset="-122"/>
+                <a:ea typeface="宋体" panose="02010600030101010101" pitchFamily="2" charset="-122"/>
               </a:rPr>
               <a:t>创建一个新的</a:t>
             </a:r>
             <a:r>
-              <a:rPr lang="en-US" altLang="zh-CN" sz="1400" b="1" dirty="0" err="1">
-                <a:latin typeface="仿宋" panose="02010609060101010101" pitchFamily="49" charset="-122"/>
-                <a:ea typeface="仿宋" panose="02010609060101010101" pitchFamily="49" charset="-122"/>
+              <a:rPr lang="en-US" altLang="zh-CN" sz="1600" b="1" dirty="0" err="1">
+                <a:latin typeface="宋体" panose="02010600030101010101" pitchFamily="2" charset="-122"/>
+                <a:ea typeface="宋体" panose="02010600030101010101" pitchFamily="2" charset="-122"/>
               </a:rPr>
               <a:t>HFile</a:t>
             </a:r>
             <a:r>
-              <a:rPr lang="zh-CN" altLang="en-US" sz="1400" b="1" dirty="0">
-                <a:latin typeface="仿宋" panose="02010609060101010101" pitchFamily="49" charset="-122"/>
-                <a:ea typeface="仿宋" panose="02010609060101010101" pitchFamily="49" charset="-122"/>
-              </a:rPr>
-              <a:t>。</a:t>
-            </a:r>
-            <a:r>
-              <a:rPr lang="zh-CN" altLang="en-US" sz="1400" dirty="0">
-                <a:latin typeface="仿宋" panose="02010609060101010101" pitchFamily="49" charset="-122"/>
-                <a:ea typeface="仿宋" panose="02010609060101010101" pitchFamily="49" charset="-122"/>
-              </a:rPr>
-              <a:t> </a:t>
-            </a:r>
-            <a:endParaRPr lang="en-US" altLang="zh-CN" sz="1400" dirty="0" smtClean="0">
-              <a:latin typeface="仿宋" panose="02010609060101010101" pitchFamily="49" charset="-122"/>
-              <a:ea typeface="仿宋" panose="02010609060101010101" pitchFamily="49" charset="-122"/>
+              <a:rPr lang="zh-CN" altLang="en-US" sz="1600" b="1" dirty="0">
+                <a:latin typeface="宋体" panose="02010600030101010101" pitchFamily="2" charset="-122"/>
+                <a:ea typeface="宋体" panose="02010600030101010101" pitchFamily="2" charset="-122"/>
+              </a:rPr>
+              <a:t>。 </a:t>
+            </a:r>
+            <a:endParaRPr lang="en-US" altLang="zh-CN" sz="1600" b="1" dirty="0" smtClean="0">
+              <a:latin typeface="宋体" panose="02010600030101010101" pitchFamily="2" charset="-122"/>
+              <a:ea typeface="宋体" panose="02010600030101010101" pitchFamily="2" charset="-122"/>
             </a:endParaRPr>
           </a:p>
           <a:p>
@@ -8779,65 +8863,65 @@
               <a:buChar char="l"/>
             </a:pPr>
             <a:r>
-              <a:rPr lang="zh-CN" altLang="en-US" sz="1400" dirty="0" smtClean="0">
-                <a:latin typeface="仿宋" panose="02010609060101010101" pitchFamily="49" charset="-122"/>
-                <a:ea typeface="仿宋" panose="02010609060101010101" pitchFamily="49" charset="-122"/>
+              <a:rPr lang="zh-CN" altLang="en-US" sz="1600" b="1" dirty="0" smtClean="0">
+                <a:latin typeface="宋体" panose="02010600030101010101" pitchFamily="2" charset="-122"/>
+                <a:ea typeface="宋体" panose="02010600030101010101" pitchFamily="2" charset="-122"/>
               </a:rPr>
               <a:t>读数据：</a:t>
             </a:r>
             <a:r>
-              <a:rPr lang="en-US" altLang="zh-CN" sz="1400" dirty="0" err="1">
-                <a:latin typeface="仿宋" panose="02010609060101010101" pitchFamily="49" charset="-122"/>
-                <a:ea typeface="仿宋" panose="02010609060101010101" pitchFamily="49" charset="-122"/>
+              <a:rPr lang="en-US" altLang="zh-CN" sz="1600" b="1" dirty="0" err="1">
+                <a:latin typeface="宋体" panose="02010600030101010101" pitchFamily="2" charset="-122"/>
+                <a:ea typeface="宋体" panose="02010600030101010101" pitchFamily="2" charset="-122"/>
               </a:rPr>
               <a:t>HBase</a:t>
             </a:r>
             <a:r>
-              <a:rPr lang="zh-CN" altLang="en-US" sz="1400" dirty="0">
-                <a:latin typeface="仿宋" panose="02010609060101010101" pitchFamily="49" charset="-122"/>
-                <a:ea typeface="仿宋" panose="02010609060101010101" pitchFamily="49" charset="-122"/>
+              <a:rPr lang="zh-CN" altLang="en-US" sz="1600" b="1" dirty="0">
+                <a:latin typeface="宋体" panose="02010600030101010101" pitchFamily="2" charset="-122"/>
+                <a:ea typeface="宋体" panose="02010600030101010101" pitchFamily="2" charset="-122"/>
               </a:rPr>
               <a:t>首先检查请求的数据是否在</a:t>
             </a:r>
             <a:r>
-              <a:rPr lang="en-US" altLang="zh-CN" sz="1400" dirty="0" err="1">
-                <a:latin typeface="仿宋" panose="02010609060101010101" pitchFamily="49" charset="-122"/>
-                <a:ea typeface="仿宋" panose="02010609060101010101" pitchFamily="49" charset="-122"/>
+              <a:rPr lang="en-US" altLang="zh-CN" sz="1600" b="1" dirty="0" err="1">
+                <a:latin typeface="宋体" panose="02010600030101010101" pitchFamily="2" charset="-122"/>
+                <a:ea typeface="宋体" panose="02010600030101010101" pitchFamily="2" charset="-122"/>
               </a:rPr>
               <a:t>Memstore</a:t>
             </a:r>
             <a:r>
-              <a:rPr lang="zh-CN" altLang="en-US" sz="1400" dirty="0">
-                <a:latin typeface="仿宋" panose="02010609060101010101" pitchFamily="49" charset="-122"/>
-                <a:ea typeface="仿宋" panose="02010609060101010101" pitchFamily="49" charset="-122"/>
+              <a:rPr lang="zh-CN" altLang="en-US" sz="1600" b="1" dirty="0">
+                <a:latin typeface="宋体" panose="02010600030101010101" pitchFamily="2" charset="-122"/>
+                <a:ea typeface="宋体" panose="02010600030101010101" pitchFamily="2" charset="-122"/>
               </a:rPr>
               <a:t>，不在的话就到</a:t>
             </a:r>
             <a:r>
-              <a:rPr lang="en-US" altLang="zh-CN" sz="1400" dirty="0" err="1">
-                <a:latin typeface="仿宋" panose="02010609060101010101" pitchFamily="49" charset="-122"/>
-                <a:ea typeface="仿宋" panose="02010609060101010101" pitchFamily="49" charset="-122"/>
+              <a:rPr lang="en-US" altLang="zh-CN" sz="1600" b="1" dirty="0" err="1">
+                <a:latin typeface="宋体" panose="02010600030101010101" pitchFamily="2" charset="-122"/>
+                <a:ea typeface="宋体" panose="02010600030101010101" pitchFamily="2" charset="-122"/>
               </a:rPr>
               <a:t>HFile</a:t>
             </a:r>
             <a:r>
-              <a:rPr lang="zh-CN" altLang="en-US" sz="1400" dirty="0">
-                <a:latin typeface="仿宋" panose="02010609060101010101" pitchFamily="49" charset="-122"/>
-                <a:ea typeface="仿宋" panose="02010609060101010101" pitchFamily="49" charset="-122"/>
+              <a:rPr lang="zh-CN" altLang="en-US" sz="1600" b="1" dirty="0">
+                <a:latin typeface="宋体" panose="02010600030101010101" pitchFamily="2" charset="-122"/>
+                <a:ea typeface="宋体" panose="02010600030101010101" pitchFamily="2" charset="-122"/>
               </a:rPr>
               <a:t>中查找，最终返回</a:t>
             </a:r>
             <a:r>
-              <a:rPr lang="en-US" altLang="zh-CN" sz="1400" dirty="0">
-                <a:latin typeface="仿宋" panose="02010609060101010101" pitchFamily="49" charset="-122"/>
-                <a:ea typeface="仿宋" panose="02010609060101010101" pitchFamily="49" charset="-122"/>
+              <a:rPr lang="en-US" altLang="zh-CN" sz="1600" b="1" dirty="0">
+                <a:latin typeface="宋体" panose="02010600030101010101" pitchFamily="2" charset="-122"/>
+                <a:ea typeface="宋体" panose="02010600030101010101" pitchFamily="2" charset="-122"/>
               </a:rPr>
               <a:t>merged</a:t>
             </a:r>
             <a:r>
-              <a:rPr lang="zh-CN" altLang="en-US" sz="1400" dirty="0">
-                <a:latin typeface="仿宋" panose="02010609060101010101" pitchFamily="49" charset="-122"/>
-                <a:ea typeface="仿宋" panose="02010609060101010101" pitchFamily="49" charset="-122"/>
+              <a:rPr lang="zh-CN" altLang="en-US" sz="1600" b="1" dirty="0">
+                <a:latin typeface="宋体" panose="02010600030101010101" pitchFamily="2" charset="-122"/>
+                <a:ea typeface="宋体" panose="02010600030101010101" pitchFamily="2" charset="-122"/>
               </a:rPr>
               <a:t>的一个结果给用户。</a:t>
             </a:r>
@@ -10133,7 +10217,7 @@
         <p:spPr>
           <a:xfrm>
             <a:off x="521208" y="1304679"/>
-            <a:ext cx="11324428" cy="3508653"/>
+            <a:ext cx="11324428" cy="4712829"/>
           </a:xfrm>
           <a:prstGeom prst="rect">
             <a:avLst/>
@@ -10153,117 +10237,459 @@
               <a:buChar char="l"/>
             </a:pPr>
             <a:r>
-              <a:rPr lang="zh-CN" altLang="en-US" sz="1400" dirty="0">
-                <a:latin typeface="仿宋" panose="02010609060101010101" pitchFamily="49" charset="-122"/>
-                <a:ea typeface="仿宋" panose="02010609060101010101" pitchFamily="49" charset="-122"/>
+              <a:rPr lang="zh-CN" altLang="en-US" sz="1600" dirty="0">
+                <a:latin typeface="宋体" panose="02010600030101010101" pitchFamily="2" charset="-122"/>
+                <a:ea typeface="宋体" panose="02010600030101010101" pitchFamily="2" charset="-122"/>
               </a:rPr>
               <a:t>每次的</a:t>
             </a:r>
             <a:r>
-              <a:rPr lang="en-US" altLang="zh-CN" sz="1400" dirty="0" err="1">
-                <a:latin typeface="仿宋" panose="02010609060101010101" pitchFamily="49" charset="-122"/>
-                <a:ea typeface="仿宋" panose="02010609060101010101" pitchFamily="49" charset="-122"/>
+              <a:rPr lang="en-US" altLang="zh-CN" sz="1600" dirty="0" err="1">
+                <a:latin typeface="宋体" panose="02010600030101010101" pitchFamily="2" charset="-122"/>
+                <a:ea typeface="宋体" panose="02010600030101010101" pitchFamily="2" charset="-122"/>
               </a:rPr>
               <a:t>Memstore</a:t>
             </a:r>
             <a:r>
-              <a:rPr lang="en-US" altLang="zh-CN" sz="1400" dirty="0">
-                <a:latin typeface="仿宋" panose="02010609060101010101" pitchFamily="49" charset="-122"/>
-                <a:ea typeface="仿宋" panose="02010609060101010101" pitchFamily="49" charset="-122"/>
+              <a:rPr lang="en-US" altLang="zh-CN" sz="1600" dirty="0">
+                <a:latin typeface="宋体" panose="02010600030101010101" pitchFamily="2" charset="-122"/>
+                <a:ea typeface="宋体" panose="02010600030101010101" pitchFamily="2" charset="-122"/>
               </a:rPr>
               <a:t> Flush</a:t>
             </a:r>
             <a:r>
-              <a:rPr lang="zh-CN" altLang="en-US" sz="1400" dirty="0">
-                <a:latin typeface="仿宋" panose="02010609060101010101" pitchFamily="49" charset="-122"/>
-                <a:ea typeface="仿宋" panose="02010609060101010101" pitchFamily="49" charset="-122"/>
+              <a:rPr lang="zh-CN" altLang="en-US" sz="1600" dirty="0">
+                <a:latin typeface="宋体" panose="02010600030101010101" pitchFamily="2" charset="-122"/>
+                <a:ea typeface="宋体" panose="02010600030101010101" pitchFamily="2" charset="-122"/>
               </a:rPr>
               <a:t>都会为每个</a:t>
             </a:r>
             <a:r>
-              <a:rPr lang="en-US" altLang="zh-CN" sz="1400" dirty="0">
-                <a:latin typeface="仿宋" panose="02010609060101010101" pitchFamily="49" charset="-122"/>
-                <a:ea typeface="仿宋" panose="02010609060101010101" pitchFamily="49" charset="-122"/>
+              <a:rPr lang="en-US" altLang="zh-CN" sz="1600" dirty="0">
+                <a:latin typeface="宋体" panose="02010600030101010101" pitchFamily="2" charset="-122"/>
+                <a:ea typeface="宋体" panose="02010600030101010101" pitchFamily="2" charset="-122"/>
               </a:rPr>
               <a:t>CF</a:t>
             </a:r>
             <a:r>
-              <a:rPr lang="zh-CN" altLang="en-US" sz="1400" dirty="0">
-                <a:latin typeface="仿宋" panose="02010609060101010101" pitchFamily="49" charset="-122"/>
-                <a:ea typeface="仿宋" panose="02010609060101010101" pitchFamily="49" charset="-122"/>
+              <a:rPr lang="zh-CN" altLang="en-US" sz="1600" dirty="0">
+                <a:latin typeface="宋体" panose="02010600030101010101" pitchFamily="2" charset="-122"/>
+                <a:ea typeface="宋体" panose="02010600030101010101" pitchFamily="2" charset="-122"/>
               </a:rPr>
               <a:t>创建一个</a:t>
             </a:r>
             <a:r>
-              <a:rPr lang="en-US" altLang="zh-CN" sz="1400" dirty="0" err="1">
-                <a:latin typeface="仿宋" panose="02010609060101010101" pitchFamily="49" charset="-122"/>
-                <a:ea typeface="仿宋" panose="02010609060101010101" pitchFamily="49" charset="-122"/>
+              <a:rPr lang="en-US" altLang="zh-CN" sz="1600" dirty="0" err="1">
+                <a:latin typeface="宋体" panose="02010600030101010101" pitchFamily="2" charset="-122"/>
+                <a:ea typeface="宋体" panose="02010600030101010101" pitchFamily="2" charset="-122"/>
               </a:rPr>
               <a:t>HFile</a:t>
             </a:r>
             <a:r>
-              <a:rPr lang="zh-CN" altLang="en-US" sz="1400" dirty="0">
-                <a:latin typeface="仿宋" panose="02010609060101010101" pitchFamily="49" charset="-122"/>
-                <a:ea typeface="仿宋" panose="02010609060101010101" pitchFamily="49" charset="-122"/>
+              <a:rPr lang="zh-CN" altLang="en-US" sz="1600" dirty="0">
+                <a:latin typeface="宋体" panose="02010600030101010101" pitchFamily="2" charset="-122"/>
+                <a:ea typeface="宋体" panose="02010600030101010101" pitchFamily="2" charset="-122"/>
               </a:rPr>
               <a:t>。频繁的</a:t>
             </a:r>
             <a:r>
-              <a:rPr lang="en-US" altLang="zh-CN" sz="1400" dirty="0">
-                <a:latin typeface="仿宋" panose="02010609060101010101" pitchFamily="49" charset="-122"/>
-                <a:ea typeface="仿宋" panose="02010609060101010101" pitchFamily="49" charset="-122"/>
+              <a:rPr lang="en-US" altLang="zh-CN" sz="1600" dirty="0">
+                <a:latin typeface="宋体" panose="02010600030101010101" pitchFamily="2" charset="-122"/>
+                <a:ea typeface="宋体" panose="02010600030101010101" pitchFamily="2" charset="-122"/>
               </a:rPr>
               <a:t>Flush</a:t>
             </a:r>
             <a:r>
-              <a:rPr lang="zh-CN" altLang="en-US" sz="1400" dirty="0">
-                <a:latin typeface="仿宋" panose="02010609060101010101" pitchFamily="49" charset="-122"/>
-                <a:ea typeface="仿宋" panose="02010609060101010101" pitchFamily="49" charset="-122"/>
+              <a:rPr lang="zh-CN" altLang="en-US" sz="1600" dirty="0">
+                <a:latin typeface="宋体" panose="02010600030101010101" pitchFamily="2" charset="-122"/>
+                <a:ea typeface="宋体" panose="02010600030101010101" pitchFamily="2" charset="-122"/>
               </a:rPr>
               <a:t>就会创建大量的</a:t>
             </a:r>
             <a:r>
-              <a:rPr lang="en-US" altLang="zh-CN" sz="1400" dirty="0" err="1">
-                <a:latin typeface="仿宋" panose="02010609060101010101" pitchFamily="49" charset="-122"/>
-                <a:ea typeface="仿宋" panose="02010609060101010101" pitchFamily="49" charset="-122"/>
+              <a:rPr lang="en-US" altLang="zh-CN" sz="1600" dirty="0" err="1">
+                <a:latin typeface="宋体" panose="02010600030101010101" pitchFamily="2" charset="-122"/>
+                <a:ea typeface="宋体" panose="02010600030101010101" pitchFamily="2" charset="-122"/>
               </a:rPr>
               <a:t>HFile</a:t>
             </a:r>
             <a:r>
-              <a:rPr lang="zh-CN" altLang="en-US" sz="1400" dirty="0">
-                <a:latin typeface="仿宋" panose="02010609060101010101" pitchFamily="49" charset="-122"/>
-                <a:ea typeface="仿宋" panose="02010609060101010101" pitchFamily="49" charset="-122"/>
+              <a:rPr lang="zh-CN" altLang="en-US" sz="1600" dirty="0">
+                <a:latin typeface="宋体" panose="02010600030101010101" pitchFamily="2" charset="-122"/>
+                <a:ea typeface="宋体" panose="02010600030101010101" pitchFamily="2" charset="-122"/>
               </a:rPr>
               <a:t>。这样</a:t>
             </a:r>
             <a:r>
-              <a:rPr lang="en-US" altLang="zh-CN" sz="1400" dirty="0" err="1">
-                <a:latin typeface="仿宋" panose="02010609060101010101" pitchFamily="49" charset="-122"/>
-                <a:ea typeface="仿宋" panose="02010609060101010101" pitchFamily="49" charset="-122"/>
+              <a:rPr lang="en-US" altLang="zh-CN" sz="1600" dirty="0" err="1">
+                <a:latin typeface="宋体" panose="02010600030101010101" pitchFamily="2" charset="-122"/>
+                <a:ea typeface="宋体" panose="02010600030101010101" pitchFamily="2" charset="-122"/>
               </a:rPr>
               <a:t>HBase</a:t>
             </a:r>
             <a:r>
-              <a:rPr lang="zh-CN" altLang="en-US" sz="1400" dirty="0">
-                <a:latin typeface="仿宋" panose="02010609060101010101" pitchFamily="49" charset="-122"/>
-                <a:ea typeface="仿宋" panose="02010609060101010101" pitchFamily="49" charset="-122"/>
+              <a:rPr lang="zh-CN" altLang="en-US" sz="1600" dirty="0">
+                <a:latin typeface="宋体" panose="02010600030101010101" pitchFamily="2" charset="-122"/>
+                <a:ea typeface="宋体" panose="02010600030101010101" pitchFamily="2" charset="-122"/>
               </a:rPr>
               <a:t>在检索的时候，就不得不读取大量的</a:t>
             </a:r>
             <a:r>
-              <a:rPr lang="en-US" altLang="zh-CN" sz="1400" dirty="0" err="1">
-                <a:latin typeface="仿宋" panose="02010609060101010101" pitchFamily="49" charset="-122"/>
-                <a:ea typeface="仿宋" panose="02010609060101010101" pitchFamily="49" charset="-122"/>
+              <a:rPr lang="en-US" altLang="zh-CN" sz="1600" dirty="0" err="1">
+                <a:latin typeface="宋体" panose="02010600030101010101" pitchFamily="2" charset="-122"/>
+                <a:ea typeface="宋体" panose="02010600030101010101" pitchFamily="2" charset="-122"/>
               </a:rPr>
               <a:t>HFile</a:t>
             </a:r>
             <a:r>
-              <a:rPr lang="zh-CN" altLang="en-US" sz="1400" dirty="0">
-                <a:latin typeface="仿宋" panose="02010609060101010101" pitchFamily="49" charset="-122"/>
-                <a:ea typeface="仿宋" panose="02010609060101010101" pitchFamily="49" charset="-122"/>
+              <a:rPr lang="zh-CN" altLang="en-US" sz="1600" dirty="0">
+                <a:latin typeface="宋体" panose="02010600030101010101" pitchFamily="2" charset="-122"/>
+                <a:ea typeface="宋体" panose="02010600030101010101" pitchFamily="2" charset="-122"/>
               </a:rPr>
               <a:t>，读性能会受很大影响。</a:t>
             </a:r>
+          </a:p>
+          <a:p>
+            <a:pPr marL="285750" indent="-285750">
+              <a:lnSpc>
+                <a:spcPct val="200000"/>
+              </a:lnSpc>
+              <a:buFont typeface="Wingdings" panose="05000000000000000000" pitchFamily="2" charset="2"/>
+              <a:buChar char="l"/>
+            </a:pPr>
+            <a:r>
+              <a:rPr lang="zh-CN" altLang="en-US" sz="1600" dirty="0">
+                <a:latin typeface="宋体" panose="02010600030101010101" pitchFamily="2" charset="-122"/>
+                <a:ea typeface="宋体" panose="02010600030101010101" pitchFamily="2" charset="-122"/>
+              </a:rPr>
+              <a:t>为预防打开过多</a:t>
+            </a:r>
+            <a:r>
+              <a:rPr lang="en-US" altLang="zh-CN" sz="1600" dirty="0" err="1">
+                <a:latin typeface="宋体" panose="02010600030101010101" pitchFamily="2" charset="-122"/>
+                <a:ea typeface="宋体" panose="02010600030101010101" pitchFamily="2" charset="-122"/>
+              </a:rPr>
+              <a:t>HFile</a:t>
+            </a:r>
+            <a:r>
+              <a:rPr lang="zh-CN" altLang="en-US" sz="1600" dirty="0">
+                <a:latin typeface="宋体" panose="02010600030101010101" pitchFamily="2" charset="-122"/>
+                <a:ea typeface="宋体" panose="02010600030101010101" pitchFamily="2" charset="-122"/>
+              </a:rPr>
+              <a:t>及避免读性能恶化，</a:t>
+            </a:r>
+            <a:r>
+              <a:rPr lang="en-US" altLang="zh-CN" sz="1600" dirty="0" err="1">
+                <a:latin typeface="宋体" panose="02010600030101010101" pitchFamily="2" charset="-122"/>
+                <a:ea typeface="宋体" panose="02010600030101010101" pitchFamily="2" charset="-122"/>
+              </a:rPr>
+              <a:t>HBase</a:t>
+            </a:r>
+            <a:r>
+              <a:rPr lang="zh-CN" altLang="en-US" sz="1600" dirty="0">
+                <a:latin typeface="宋体" panose="02010600030101010101" pitchFamily="2" charset="-122"/>
+                <a:ea typeface="宋体" panose="02010600030101010101" pitchFamily="2" charset="-122"/>
+              </a:rPr>
+              <a:t>有专门的</a:t>
+            </a:r>
+            <a:r>
+              <a:rPr lang="en-US" altLang="zh-CN" sz="1600" dirty="0" err="1">
+                <a:latin typeface="宋体" panose="02010600030101010101" pitchFamily="2" charset="-122"/>
+                <a:ea typeface="宋体" panose="02010600030101010101" pitchFamily="2" charset="-122"/>
+              </a:rPr>
+              <a:t>HFile</a:t>
+            </a:r>
+            <a:r>
+              <a:rPr lang="zh-CN" altLang="en-US" sz="1600" dirty="0">
+                <a:latin typeface="宋体" panose="02010600030101010101" pitchFamily="2" charset="-122"/>
+                <a:ea typeface="宋体" panose="02010600030101010101" pitchFamily="2" charset="-122"/>
+              </a:rPr>
+              <a:t>合并处理</a:t>
+            </a:r>
+            <a:r>
+              <a:rPr lang="en-US" altLang="zh-CN" sz="1600" dirty="0">
+                <a:latin typeface="宋体" panose="02010600030101010101" pitchFamily="2" charset="-122"/>
+                <a:ea typeface="宋体" panose="02010600030101010101" pitchFamily="2" charset="-122"/>
+              </a:rPr>
+              <a:t>(</a:t>
+            </a:r>
+            <a:r>
+              <a:rPr lang="en-US" altLang="zh-CN" sz="1600" dirty="0" err="1">
+                <a:latin typeface="宋体" panose="02010600030101010101" pitchFamily="2" charset="-122"/>
+                <a:ea typeface="宋体" panose="02010600030101010101" pitchFamily="2" charset="-122"/>
+              </a:rPr>
+              <a:t>HFile</a:t>
+            </a:r>
+            <a:r>
+              <a:rPr lang="en-US" altLang="zh-CN" sz="1600" dirty="0">
+                <a:latin typeface="宋体" panose="02010600030101010101" pitchFamily="2" charset="-122"/>
+                <a:ea typeface="宋体" panose="02010600030101010101" pitchFamily="2" charset="-122"/>
+              </a:rPr>
+              <a:t> Compaction Process)</a:t>
+            </a:r>
+            <a:r>
+              <a:rPr lang="zh-CN" altLang="en-US" sz="1600" dirty="0">
+                <a:latin typeface="宋体" panose="02010600030101010101" pitchFamily="2" charset="-122"/>
+                <a:ea typeface="宋体" panose="02010600030101010101" pitchFamily="2" charset="-122"/>
+              </a:rPr>
+              <a:t>。</a:t>
+            </a:r>
+            <a:r>
+              <a:rPr lang="en-US" altLang="zh-CN" sz="1600" dirty="0" err="1">
+                <a:latin typeface="宋体" panose="02010600030101010101" pitchFamily="2" charset="-122"/>
+                <a:ea typeface="宋体" panose="02010600030101010101" pitchFamily="2" charset="-122"/>
+              </a:rPr>
+              <a:t>HBase</a:t>
+            </a:r>
+            <a:r>
+              <a:rPr lang="zh-CN" altLang="en-US" sz="1600" dirty="0">
+                <a:latin typeface="宋体" panose="02010600030101010101" pitchFamily="2" charset="-122"/>
+                <a:ea typeface="宋体" panose="02010600030101010101" pitchFamily="2" charset="-122"/>
+              </a:rPr>
+              <a:t>会周期性的合并数个小</a:t>
+            </a:r>
+            <a:r>
+              <a:rPr lang="en-US" altLang="zh-CN" sz="1600" dirty="0" err="1">
+                <a:latin typeface="宋体" panose="02010600030101010101" pitchFamily="2" charset="-122"/>
+                <a:ea typeface="宋体" panose="02010600030101010101" pitchFamily="2" charset="-122"/>
+              </a:rPr>
+              <a:t>HFile</a:t>
+            </a:r>
+            <a:r>
+              <a:rPr lang="zh-CN" altLang="en-US" sz="1600" dirty="0">
+                <a:latin typeface="宋体" panose="02010600030101010101" pitchFamily="2" charset="-122"/>
+                <a:ea typeface="宋体" panose="02010600030101010101" pitchFamily="2" charset="-122"/>
+              </a:rPr>
+              <a:t>为一个大的</a:t>
+            </a:r>
+            <a:r>
+              <a:rPr lang="en-US" altLang="zh-CN" sz="1600" dirty="0" err="1">
+                <a:latin typeface="宋体" panose="02010600030101010101" pitchFamily="2" charset="-122"/>
+                <a:ea typeface="宋体" panose="02010600030101010101" pitchFamily="2" charset="-122"/>
+              </a:rPr>
+              <a:t>HFile</a:t>
+            </a:r>
+            <a:r>
+              <a:rPr lang="zh-CN" altLang="en-US" sz="1600" dirty="0">
+                <a:latin typeface="宋体" panose="02010600030101010101" pitchFamily="2" charset="-122"/>
+                <a:ea typeface="宋体" panose="02010600030101010101" pitchFamily="2" charset="-122"/>
+              </a:rPr>
+              <a:t>。明显的，有</a:t>
+            </a:r>
+            <a:r>
+              <a:rPr lang="en-US" altLang="zh-CN" sz="1600" dirty="0" err="1">
+                <a:latin typeface="宋体" panose="02010600030101010101" pitchFamily="2" charset="-122"/>
+                <a:ea typeface="宋体" panose="02010600030101010101" pitchFamily="2" charset="-122"/>
+              </a:rPr>
+              <a:t>Memstore</a:t>
+            </a:r>
+            <a:r>
+              <a:rPr lang="en-US" altLang="zh-CN" sz="1600" dirty="0">
+                <a:latin typeface="宋体" panose="02010600030101010101" pitchFamily="2" charset="-122"/>
+                <a:ea typeface="宋体" panose="02010600030101010101" pitchFamily="2" charset="-122"/>
+              </a:rPr>
+              <a:t> Flush</a:t>
+            </a:r>
+            <a:r>
+              <a:rPr lang="zh-CN" altLang="en-US" sz="1600" dirty="0">
+                <a:latin typeface="宋体" panose="02010600030101010101" pitchFamily="2" charset="-122"/>
+                <a:ea typeface="宋体" panose="02010600030101010101" pitchFamily="2" charset="-122"/>
+              </a:rPr>
+              <a:t>产生的</a:t>
+            </a:r>
+            <a:r>
+              <a:rPr lang="en-US" altLang="zh-CN" sz="1600" dirty="0" err="1">
+                <a:latin typeface="宋体" panose="02010600030101010101" pitchFamily="2" charset="-122"/>
+                <a:ea typeface="宋体" panose="02010600030101010101" pitchFamily="2" charset="-122"/>
+              </a:rPr>
+              <a:t>HFile</a:t>
+            </a:r>
+            <a:r>
+              <a:rPr lang="zh-CN" altLang="en-US" sz="1600" dirty="0">
+                <a:latin typeface="宋体" panose="02010600030101010101" pitchFamily="2" charset="-122"/>
+                <a:ea typeface="宋体" panose="02010600030101010101" pitchFamily="2" charset="-122"/>
+              </a:rPr>
+              <a:t>越多，集群系统就要做更多的合并操作</a:t>
+            </a:r>
+            <a:r>
+              <a:rPr lang="en-US" altLang="zh-CN" sz="1600" dirty="0">
+                <a:latin typeface="宋体" panose="02010600030101010101" pitchFamily="2" charset="-122"/>
+                <a:ea typeface="宋体" panose="02010600030101010101" pitchFamily="2" charset="-122"/>
+              </a:rPr>
+              <a:t>(</a:t>
+            </a:r>
+            <a:r>
+              <a:rPr lang="zh-CN" altLang="en-US" sz="1600" dirty="0">
+                <a:latin typeface="宋体" panose="02010600030101010101" pitchFamily="2" charset="-122"/>
+                <a:ea typeface="宋体" panose="02010600030101010101" pitchFamily="2" charset="-122"/>
+              </a:rPr>
+              <a:t>额外负载</a:t>
+            </a:r>
+            <a:r>
+              <a:rPr lang="en-US" altLang="zh-CN" sz="1600" dirty="0">
+                <a:latin typeface="宋体" panose="02010600030101010101" pitchFamily="2" charset="-122"/>
+                <a:ea typeface="宋体" panose="02010600030101010101" pitchFamily="2" charset="-122"/>
+              </a:rPr>
+              <a:t>)</a:t>
+            </a:r>
+            <a:r>
+              <a:rPr lang="zh-CN" altLang="en-US" sz="1600" dirty="0">
+                <a:latin typeface="宋体" panose="02010600030101010101" pitchFamily="2" charset="-122"/>
+                <a:ea typeface="宋体" panose="02010600030101010101" pitchFamily="2" charset="-122"/>
+              </a:rPr>
+              <a:t>。更糟糕的是：</a:t>
+            </a:r>
+            <a:r>
+              <a:rPr lang="en-US" altLang="zh-CN" sz="1600" dirty="0">
+                <a:latin typeface="宋体" panose="02010600030101010101" pitchFamily="2" charset="-122"/>
+                <a:ea typeface="宋体" panose="02010600030101010101" pitchFamily="2" charset="-122"/>
+              </a:rPr>
+              <a:t>Compaction</a:t>
+            </a:r>
+            <a:r>
+              <a:rPr lang="zh-CN" altLang="en-US" sz="1600" dirty="0">
+                <a:latin typeface="宋体" panose="02010600030101010101" pitchFamily="2" charset="-122"/>
+                <a:ea typeface="宋体" panose="02010600030101010101" pitchFamily="2" charset="-122"/>
+              </a:rPr>
+              <a:t>处理是跟集群上的其他请求并行进行的。当</a:t>
+            </a:r>
+            <a:r>
+              <a:rPr lang="en-US" altLang="zh-CN" sz="1600" dirty="0" err="1">
+                <a:latin typeface="宋体" panose="02010600030101010101" pitchFamily="2" charset="-122"/>
+                <a:ea typeface="宋体" panose="02010600030101010101" pitchFamily="2" charset="-122"/>
+              </a:rPr>
+              <a:t>HBase</a:t>
+            </a:r>
+            <a:r>
+              <a:rPr lang="zh-CN" altLang="en-US" sz="1600" dirty="0">
+                <a:latin typeface="宋体" panose="02010600030101010101" pitchFamily="2" charset="-122"/>
+                <a:ea typeface="宋体" panose="02010600030101010101" pitchFamily="2" charset="-122"/>
+              </a:rPr>
+              <a:t>不能够跟上</a:t>
+            </a:r>
+            <a:r>
+              <a:rPr lang="en-US" altLang="zh-CN" sz="1600" dirty="0">
+                <a:latin typeface="宋体" panose="02010600030101010101" pitchFamily="2" charset="-122"/>
+                <a:ea typeface="宋体" panose="02010600030101010101" pitchFamily="2" charset="-122"/>
+              </a:rPr>
+              <a:t>Compaction</a:t>
+            </a:r>
+            <a:r>
+              <a:rPr lang="zh-CN" altLang="en-US" sz="1600" dirty="0">
+                <a:latin typeface="宋体" panose="02010600030101010101" pitchFamily="2" charset="-122"/>
+                <a:ea typeface="宋体" panose="02010600030101010101" pitchFamily="2" charset="-122"/>
+              </a:rPr>
+              <a:t>的时候</a:t>
+            </a:r>
+            <a:r>
+              <a:rPr lang="en-US" altLang="zh-CN" sz="1600" dirty="0">
+                <a:latin typeface="宋体" panose="02010600030101010101" pitchFamily="2" charset="-122"/>
+                <a:ea typeface="宋体" panose="02010600030101010101" pitchFamily="2" charset="-122"/>
+              </a:rPr>
+              <a:t>(</a:t>
+            </a:r>
+            <a:r>
+              <a:rPr lang="zh-CN" altLang="en-US" sz="1600" dirty="0">
+                <a:latin typeface="宋体" panose="02010600030101010101" pitchFamily="2" charset="-122"/>
+                <a:ea typeface="宋体" panose="02010600030101010101" pitchFamily="2" charset="-122"/>
+              </a:rPr>
+              <a:t>同样有阈值设置项</a:t>
+            </a:r>
+            <a:r>
+              <a:rPr lang="en-US" altLang="zh-CN" sz="1600" dirty="0">
+                <a:latin typeface="宋体" panose="02010600030101010101" pitchFamily="2" charset="-122"/>
+                <a:ea typeface="宋体" panose="02010600030101010101" pitchFamily="2" charset="-122"/>
+              </a:rPr>
+              <a:t>)</a:t>
+            </a:r>
+            <a:r>
+              <a:rPr lang="zh-CN" altLang="en-US" sz="1600" dirty="0">
+                <a:latin typeface="宋体" panose="02010600030101010101" pitchFamily="2" charset="-122"/>
+                <a:ea typeface="宋体" panose="02010600030101010101" pitchFamily="2" charset="-122"/>
+              </a:rPr>
+              <a:t>，会在</a:t>
+            </a:r>
+            <a:r>
+              <a:rPr lang="en-US" altLang="zh-CN" sz="1600" dirty="0">
+                <a:latin typeface="宋体" panose="02010600030101010101" pitchFamily="2" charset="-122"/>
+                <a:ea typeface="宋体" panose="02010600030101010101" pitchFamily="2" charset="-122"/>
+              </a:rPr>
+              <a:t>RS</a:t>
+            </a:r>
+            <a:r>
+              <a:rPr lang="zh-CN" altLang="en-US" sz="1600" dirty="0">
+                <a:latin typeface="宋体" panose="02010600030101010101" pitchFamily="2" charset="-122"/>
+                <a:ea typeface="宋体" panose="02010600030101010101" pitchFamily="2" charset="-122"/>
+              </a:rPr>
+              <a:t>上出现“写阻塞”。像上面说到的，这是最最不希望的</a:t>
+            </a:r>
+            <a:r>
+              <a:rPr lang="zh-CN" altLang="en-US" sz="1600" dirty="0" smtClean="0">
+                <a:latin typeface="宋体" panose="02010600030101010101" pitchFamily="2" charset="-122"/>
+                <a:ea typeface="宋体" panose="02010600030101010101" pitchFamily="2" charset="-122"/>
+              </a:rPr>
+              <a:t>。</a:t>
+            </a:r>
+            <a:r>
+              <a:rPr lang="zh-CN" altLang="en-US" sz="1600" dirty="0">
+                <a:latin typeface="宋体" panose="02010600030101010101" pitchFamily="2" charset="-122"/>
+                <a:ea typeface="宋体" panose="02010600030101010101" pitchFamily="2" charset="-122"/>
+              </a:rPr>
+              <a:t>严重关切</a:t>
+            </a:r>
+            <a:r>
+              <a:rPr lang="en-US" altLang="zh-CN" sz="1600" dirty="0">
+                <a:latin typeface="宋体" panose="02010600030101010101" pitchFamily="2" charset="-122"/>
+                <a:ea typeface="宋体" panose="02010600030101010101" pitchFamily="2" charset="-122"/>
+              </a:rPr>
+              <a:t>RS</a:t>
+            </a:r>
+            <a:r>
+              <a:rPr lang="zh-CN" altLang="en-US" sz="1600" dirty="0">
+                <a:latin typeface="宋体" panose="02010600030101010101" pitchFamily="2" charset="-122"/>
+                <a:ea typeface="宋体" panose="02010600030101010101" pitchFamily="2" charset="-122"/>
+              </a:rPr>
+              <a:t>上</a:t>
+            </a:r>
+            <a:r>
+              <a:rPr lang="en-US" altLang="zh-CN" sz="1600" dirty="0">
+                <a:latin typeface="宋体" panose="02010600030101010101" pitchFamily="2" charset="-122"/>
+                <a:ea typeface="宋体" panose="02010600030101010101" pitchFamily="2" charset="-122"/>
+              </a:rPr>
+              <a:t>Compaction Queue </a:t>
+            </a:r>
+            <a:r>
+              <a:rPr lang="zh-CN" altLang="en-US" sz="1600" dirty="0">
+                <a:latin typeface="宋体" panose="02010600030101010101" pitchFamily="2" charset="-122"/>
+                <a:ea typeface="宋体" panose="02010600030101010101" pitchFamily="2" charset="-122"/>
+              </a:rPr>
+              <a:t>的</a:t>
+            </a:r>
+            <a:r>
+              <a:rPr lang="en-US" altLang="zh-CN" sz="1600" dirty="0">
+                <a:latin typeface="宋体" panose="02010600030101010101" pitchFamily="2" charset="-122"/>
+                <a:ea typeface="宋体" panose="02010600030101010101" pitchFamily="2" charset="-122"/>
+              </a:rPr>
+              <a:t>size</a:t>
+            </a:r>
+            <a:r>
+              <a:rPr lang="zh-CN" altLang="en-US" sz="1600" dirty="0">
+                <a:latin typeface="宋体" panose="02010600030101010101" pitchFamily="2" charset="-122"/>
+                <a:ea typeface="宋体" panose="02010600030101010101" pitchFamily="2" charset="-122"/>
+              </a:rPr>
+              <a:t>。要在其引起问题前，阻止其持续增大</a:t>
+            </a:r>
+            <a:r>
+              <a:rPr lang="zh-CN" altLang="en-US" sz="1600" dirty="0" smtClean="0">
+                <a:latin typeface="宋体" panose="02010600030101010101" pitchFamily="2" charset="-122"/>
+                <a:ea typeface="宋体" panose="02010600030101010101" pitchFamily="2" charset="-122"/>
+              </a:rPr>
+              <a:t>。</a:t>
+            </a:r>
+            <a:endParaRPr lang="en-US" altLang="zh-CN" sz="1600" dirty="0" smtClean="0">
+              <a:latin typeface="宋体" panose="02010600030101010101" pitchFamily="2" charset="-122"/>
+              <a:ea typeface="宋体" panose="02010600030101010101" pitchFamily="2" charset="-122"/>
+            </a:endParaRPr>
           </a:p>
           <a:p>
             <a:pPr marL="285750" indent="-285750">
@@ -10274,311 +10700,212 @@
               <a:buChar char="l"/>
             </a:pPr>
             <a:r>
-              <a:rPr lang="zh-CN" altLang="en-US" sz="1400" dirty="0">
-                <a:latin typeface="仿宋" panose="02010609060101010101" pitchFamily="49" charset="-122"/>
-                <a:ea typeface="仿宋" panose="02010609060101010101" pitchFamily="49" charset="-122"/>
-              </a:rPr>
-              <a:t>为预防打开过多</a:t>
-            </a:r>
-            <a:r>
-              <a:rPr lang="en-US" altLang="zh-CN" sz="1400" dirty="0" err="1">
-                <a:latin typeface="仿宋" panose="02010609060101010101" pitchFamily="49" charset="-122"/>
-                <a:ea typeface="仿宋" panose="02010609060101010101" pitchFamily="49" charset="-122"/>
+              <a:rPr lang="zh-CN" altLang="en-US" sz="1600" dirty="0">
+                <a:latin typeface="宋体" panose="02010600030101010101" pitchFamily="2" charset="-122"/>
+                <a:ea typeface="宋体" panose="02010600030101010101" pitchFamily="2" charset="-122"/>
+              </a:rPr>
+              <a:t>每次</a:t>
+            </a:r>
+            <a:r>
+              <a:rPr lang="en-US" altLang="zh-CN" sz="1600" dirty="0" err="1">
+                <a:latin typeface="宋体" panose="02010600030101010101" pitchFamily="2" charset="-122"/>
+                <a:ea typeface="宋体" panose="02010600030101010101" pitchFamily="2" charset="-122"/>
+              </a:rPr>
+              <a:t>Memstore</a:t>
+            </a:r>
+            <a:r>
+              <a:rPr lang="en-US" altLang="zh-CN" sz="1600" dirty="0">
+                <a:latin typeface="宋体" panose="02010600030101010101" pitchFamily="2" charset="-122"/>
+                <a:ea typeface="宋体" panose="02010600030101010101" pitchFamily="2" charset="-122"/>
+              </a:rPr>
+              <a:t> Flush</a:t>
+            </a:r>
+            <a:r>
+              <a:rPr lang="zh-CN" altLang="en-US" sz="1600" dirty="0">
+                <a:latin typeface="宋体" panose="02010600030101010101" pitchFamily="2" charset="-122"/>
+                <a:ea typeface="宋体" panose="02010600030101010101" pitchFamily="2" charset="-122"/>
+              </a:rPr>
+              <a:t>，会为每个</a:t>
+            </a:r>
+            <a:r>
+              <a:rPr lang="en-US" altLang="zh-CN" sz="1600" dirty="0">
+                <a:latin typeface="宋体" panose="02010600030101010101" pitchFamily="2" charset="-122"/>
+                <a:ea typeface="宋体" panose="02010600030101010101" pitchFamily="2" charset="-122"/>
+              </a:rPr>
+              <a:t>CF</a:t>
+            </a:r>
+            <a:r>
+              <a:rPr lang="zh-CN" altLang="en-US" sz="1600" dirty="0">
+                <a:latin typeface="宋体" panose="02010600030101010101" pitchFamily="2" charset="-122"/>
+                <a:ea typeface="宋体" panose="02010600030101010101" pitchFamily="2" charset="-122"/>
+              </a:rPr>
+              <a:t>都创建一个新的</a:t>
+            </a:r>
+            <a:r>
+              <a:rPr lang="en-US" altLang="zh-CN" sz="1600" dirty="0" err="1">
+                <a:latin typeface="宋体" panose="02010600030101010101" pitchFamily="2" charset="-122"/>
+                <a:ea typeface="宋体" panose="02010600030101010101" pitchFamily="2" charset="-122"/>
               </a:rPr>
               <a:t>HFile</a:t>
             </a:r>
             <a:r>
-              <a:rPr lang="zh-CN" altLang="en-US" sz="1400" dirty="0">
-                <a:latin typeface="仿宋" panose="02010609060101010101" pitchFamily="49" charset="-122"/>
-                <a:ea typeface="仿宋" panose="02010609060101010101" pitchFamily="49" charset="-122"/>
-              </a:rPr>
-              <a:t>及避免读性能恶化，</a:t>
-            </a:r>
-            <a:r>
-              <a:rPr lang="en-US" altLang="zh-CN" sz="1400" dirty="0" err="1">
-                <a:latin typeface="仿宋" panose="02010609060101010101" pitchFamily="49" charset="-122"/>
-                <a:ea typeface="仿宋" panose="02010609060101010101" pitchFamily="49" charset="-122"/>
-              </a:rPr>
-              <a:t>HBase</a:t>
-            </a:r>
-            <a:r>
-              <a:rPr lang="zh-CN" altLang="en-US" sz="1400" dirty="0">
-                <a:latin typeface="仿宋" panose="02010609060101010101" pitchFamily="49" charset="-122"/>
-                <a:ea typeface="仿宋" panose="02010609060101010101" pitchFamily="49" charset="-122"/>
-              </a:rPr>
-              <a:t>有专门的</a:t>
-            </a:r>
-            <a:r>
-              <a:rPr lang="en-US" altLang="zh-CN" sz="1400" dirty="0" err="1">
-                <a:latin typeface="仿宋" panose="02010609060101010101" pitchFamily="49" charset="-122"/>
-                <a:ea typeface="仿宋" panose="02010609060101010101" pitchFamily="49" charset="-122"/>
+              <a:rPr lang="zh-CN" altLang="en-US" sz="1600" dirty="0">
+                <a:latin typeface="宋体" panose="02010600030101010101" pitchFamily="2" charset="-122"/>
+                <a:ea typeface="宋体" panose="02010600030101010101" pitchFamily="2" charset="-122"/>
+              </a:rPr>
+              <a:t>。这样，不同</a:t>
+            </a:r>
+            <a:r>
+              <a:rPr lang="en-US" altLang="zh-CN" sz="1600" dirty="0">
+                <a:latin typeface="宋体" panose="02010600030101010101" pitchFamily="2" charset="-122"/>
+                <a:ea typeface="宋体" panose="02010600030101010101" pitchFamily="2" charset="-122"/>
+              </a:rPr>
+              <a:t>CF</a:t>
+            </a:r>
+            <a:r>
+              <a:rPr lang="zh-CN" altLang="en-US" sz="1600" dirty="0">
+                <a:latin typeface="宋体" panose="02010600030101010101" pitchFamily="2" charset="-122"/>
+                <a:ea typeface="宋体" panose="02010600030101010101" pitchFamily="2" charset="-122"/>
+              </a:rPr>
+              <a:t>中数据量的不均衡将会导致产生过多</a:t>
+            </a:r>
+            <a:r>
+              <a:rPr lang="en-US" altLang="zh-CN" sz="1600" dirty="0" err="1">
+                <a:latin typeface="宋体" panose="02010600030101010101" pitchFamily="2" charset="-122"/>
+                <a:ea typeface="宋体" panose="02010600030101010101" pitchFamily="2" charset="-122"/>
               </a:rPr>
               <a:t>HFile</a:t>
             </a:r>
             <a:r>
-              <a:rPr lang="zh-CN" altLang="en-US" sz="1400" dirty="0">
-                <a:latin typeface="仿宋" panose="02010609060101010101" pitchFamily="49" charset="-122"/>
-                <a:ea typeface="仿宋" panose="02010609060101010101" pitchFamily="49" charset="-122"/>
-              </a:rPr>
-              <a:t>合并处理</a:t>
-            </a:r>
-            <a:r>
-              <a:rPr lang="en-US" altLang="zh-CN" sz="1400" dirty="0">
-                <a:latin typeface="仿宋" panose="02010609060101010101" pitchFamily="49" charset="-122"/>
-                <a:ea typeface="仿宋" panose="02010609060101010101" pitchFamily="49" charset="-122"/>
-              </a:rPr>
-              <a:t>(</a:t>
-            </a:r>
-            <a:r>
-              <a:rPr lang="en-US" altLang="zh-CN" sz="1400" dirty="0" err="1">
-                <a:latin typeface="仿宋" panose="02010609060101010101" pitchFamily="49" charset="-122"/>
-                <a:ea typeface="仿宋" panose="02010609060101010101" pitchFamily="49" charset="-122"/>
+              <a:rPr lang="zh-CN" altLang="en-US" sz="1600" dirty="0">
+                <a:latin typeface="宋体" panose="02010600030101010101" pitchFamily="2" charset="-122"/>
+                <a:ea typeface="宋体" panose="02010600030101010101" pitchFamily="2" charset="-122"/>
+              </a:rPr>
+              <a:t>：当其中一个</a:t>
+            </a:r>
+            <a:r>
+              <a:rPr lang="en-US" altLang="zh-CN" sz="1600" dirty="0">
+                <a:latin typeface="宋体" panose="02010600030101010101" pitchFamily="2" charset="-122"/>
+                <a:ea typeface="宋体" panose="02010600030101010101" pitchFamily="2" charset="-122"/>
+              </a:rPr>
+              <a:t>CF</a:t>
+            </a:r>
+            <a:r>
+              <a:rPr lang="zh-CN" altLang="en-US" sz="1600" dirty="0">
+                <a:latin typeface="宋体" panose="02010600030101010101" pitchFamily="2" charset="-122"/>
+                <a:ea typeface="宋体" panose="02010600030101010101" pitchFamily="2" charset="-122"/>
+              </a:rPr>
+              <a:t>的</a:t>
+            </a:r>
+            <a:r>
+              <a:rPr lang="en-US" altLang="zh-CN" sz="1600" dirty="0" err="1">
+                <a:latin typeface="宋体" panose="02010600030101010101" pitchFamily="2" charset="-122"/>
+                <a:ea typeface="宋体" panose="02010600030101010101" pitchFamily="2" charset="-122"/>
+              </a:rPr>
+              <a:t>Memstore</a:t>
+            </a:r>
+            <a:r>
+              <a:rPr lang="zh-CN" altLang="en-US" sz="1600" dirty="0">
+                <a:latin typeface="宋体" panose="02010600030101010101" pitchFamily="2" charset="-122"/>
+                <a:ea typeface="宋体" panose="02010600030101010101" pitchFamily="2" charset="-122"/>
+              </a:rPr>
+              <a:t>达到阈值</a:t>
+            </a:r>
+            <a:r>
+              <a:rPr lang="en-US" altLang="zh-CN" sz="1600" dirty="0">
+                <a:latin typeface="宋体" panose="02010600030101010101" pitchFamily="2" charset="-122"/>
+                <a:ea typeface="宋体" panose="02010600030101010101" pitchFamily="2" charset="-122"/>
+              </a:rPr>
+              <a:t>flush</a:t>
+            </a:r>
+            <a:r>
+              <a:rPr lang="zh-CN" altLang="en-US" sz="1600" dirty="0">
+                <a:latin typeface="宋体" panose="02010600030101010101" pitchFamily="2" charset="-122"/>
+                <a:ea typeface="宋体" panose="02010600030101010101" pitchFamily="2" charset="-122"/>
+              </a:rPr>
+              <a:t>时，所有其他</a:t>
+            </a:r>
+            <a:r>
+              <a:rPr lang="en-US" altLang="zh-CN" sz="1600" dirty="0">
+                <a:latin typeface="宋体" panose="02010600030101010101" pitchFamily="2" charset="-122"/>
+                <a:ea typeface="宋体" panose="02010600030101010101" pitchFamily="2" charset="-122"/>
+              </a:rPr>
+              <a:t>CF</a:t>
+            </a:r>
+            <a:r>
+              <a:rPr lang="zh-CN" altLang="en-US" sz="1600" dirty="0">
+                <a:latin typeface="宋体" panose="02010600030101010101" pitchFamily="2" charset="-122"/>
+                <a:ea typeface="宋体" panose="02010600030101010101" pitchFamily="2" charset="-122"/>
+              </a:rPr>
+              <a:t>的也会被</a:t>
+            </a:r>
+            <a:r>
+              <a:rPr lang="en-US" altLang="zh-CN" sz="1600" dirty="0">
+                <a:latin typeface="宋体" panose="02010600030101010101" pitchFamily="2" charset="-122"/>
+                <a:ea typeface="宋体" panose="02010600030101010101" pitchFamily="2" charset="-122"/>
+              </a:rPr>
+              <a:t>flush</a:t>
+            </a:r>
+            <a:r>
+              <a:rPr lang="zh-CN" altLang="en-US" sz="1600" dirty="0">
+                <a:latin typeface="宋体" panose="02010600030101010101" pitchFamily="2" charset="-122"/>
+                <a:ea typeface="宋体" panose="02010600030101010101" pitchFamily="2" charset="-122"/>
+              </a:rPr>
+              <a:t>。如上所述，太频繁的</a:t>
+            </a:r>
+            <a:r>
+              <a:rPr lang="en-US" altLang="zh-CN" sz="1600" dirty="0">
+                <a:latin typeface="宋体" panose="02010600030101010101" pitchFamily="2" charset="-122"/>
+                <a:ea typeface="宋体" panose="02010600030101010101" pitchFamily="2" charset="-122"/>
+              </a:rPr>
+              <a:t>flush</a:t>
+            </a:r>
+            <a:r>
+              <a:rPr lang="zh-CN" altLang="en-US" sz="1600" dirty="0">
+                <a:latin typeface="宋体" panose="02010600030101010101" pitchFamily="2" charset="-122"/>
+                <a:ea typeface="宋体" panose="02010600030101010101" pitchFamily="2" charset="-122"/>
+              </a:rPr>
+              <a:t>以及过多的</a:t>
+            </a:r>
+            <a:r>
+              <a:rPr lang="en-US" altLang="zh-CN" sz="1600" dirty="0" err="1">
+                <a:latin typeface="宋体" panose="02010600030101010101" pitchFamily="2" charset="-122"/>
+                <a:ea typeface="宋体" panose="02010600030101010101" pitchFamily="2" charset="-122"/>
               </a:rPr>
               <a:t>HFile</a:t>
             </a:r>
             <a:r>
-              <a:rPr lang="en-US" altLang="zh-CN" sz="1400" dirty="0">
-                <a:latin typeface="仿宋" panose="02010609060101010101" pitchFamily="49" charset="-122"/>
-                <a:ea typeface="仿宋" panose="02010609060101010101" pitchFamily="49" charset="-122"/>
-              </a:rPr>
-              <a:t> Compaction Process)</a:t>
-            </a:r>
-            <a:r>
-              <a:rPr lang="zh-CN" altLang="en-US" sz="1400" dirty="0">
-                <a:latin typeface="仿宋" panose="02010609060101010101" pitchFamily="49" charset="-122"/>
-                <a:ea typeface="仿宋" panose="02010609060101010101" pitchFamily="49" charset="-122"/>
+              <a:rPr lang="zh-CN" altLang="en-US" sz="1600" dirty="0">
+                <a:latin typeface="宋体" panose="02010600030101010101" pitchFamily="2" charset="-122"/>
+                <a:ea typeface="宋体" panose="02010600030101010101" pitchFamily="2" charset="-122"/>
+              </a:rPr>
+              <a:t>将会影响集群性能。因此很多情况下，一个</a:t>
+            </a:r>
+            <a:r>
+              <a:rPr lang="en-US" altLang="zh-CN" sz="1600" dirty="0">
+                <a:latin typeface="宋体" panose="02010600030101010101" pitchFamily="2" charset="-122"/>
+                <a:ea typeface="宋体" panose="02010600030101010101" pitchFamily="2" charset="-122"/>
+              </a:rPr>
+              <a:t>CF</a:t>
+            </a:r>
+            <a:r>
+              <a:rPr lang="zh-CN" altLang="en-US" sz="1600" dirty="0">
+                <a:latin typeface="宋体" panose="02010600030101010101" pitchFamily="2" charset="-122"/>
+                <a:ea typeface="宋体" panose="02010600030101010101" pitchFamily="2" charset="-122"/>
+              </a:rPr>
+              <a:t>是最好的设计</a:t>
+            </a:r>
+            <a:r>
+              <a:rPr lang="zh-CN" altLang="en-US" sz="1600" dirty="0" smtClean="0">
+                <a:latin typeface="宋体" panose="02010600030101010101" pitchFamily="2" charset="-122"/>
+                <a:ea typeface="宋体" panose="02010600030101010101" pitchFamily="2" charset="-122"/>
               </a:rPr>
               <a:t>。</a:t>
             </a:r>
-            <a:r>
-              <a:rPr lang="en-US" altLang="zh-CN" sz="1400" dirty="0" err="1">
-                <a:latin typeface="仿宋" panose="02010609060101010101" pitchFamily="49" charset="-122"/>
-                <a:ea typeface="仿宋" panose="02010609060101010101" pitchFamily="49" charset="-122"/>
-              </a:rPr>
-              <a:t>HBase</a:t>
-            </a:r>
-            <a:r>
-              <a:rPr lang="zh-CN" altLang="en-US" sz="1400" dirty="0">
-                <a:latin typeface="仿宋" panose="02010609060101010101" pitchFamily="49" charset="-122"/>
-                <a:ea typeface="仿宋" panose="02010609060101010101" pitchFamily="49" charset="-122"/>
-              </a:rPr>
-              <a:t>会周期性的合并数个小</a:t>
-            </a:r>
-            <a:r>
-              <a:rPr lang="en-US" altLang="zh-CN" sz="1400" dirty="0" err="1">
-                <a:latin typeface="仿宋" panose="02010609060101010101" pitchFamily="49" charset="-122"/>
-                <a:ea typeface="仿宋" panose="02010609060101010101" pitchFamily="49" charset="-122"/>
-              </a:rPr>
-              <a:t>HFile</a:t>
-            </a:r>
-            <a:r>
-              <a:rPr lang="zh-CN" altLang="en-US" sz="1400" dirty="0">
-                <a:latin typeface="仿宋" panose="02010609060101010101" pitchFamily="49" charset="-122"/>
-                <a:ea typeface="仿宋" panose="02010609060101010101" pitchFamily="49" charset="-122"/>
-              </a:rPr>
-              <a:t>为一个大的</a:t>
-            </a:r>
-            <a:r>
-              <a:rPr lang="en-US" altLang="zh-CN" sz="1400" dirty="0" err="1">
-                <a:latin typeface="仿宋" panose="02010609060101010101" pitchFamily="49" charset="-122"/>
-                <a:ea typeface="仿宋" panose="02010609060101010101" pitchFamily="49" charset="-122"/>
-              </a:rPr>
-              <a:t>HFile</a:t>
-            </a:r>
-            <a:r>
-              <a:rPr lang="zh-CN" altLang="en-US" sz="1400" dirty="0">
-                <a:latin typeface="仿宋" panose="02010609060101010101" pitchFamily="49" charset="-122"/>
-                <a:ea typeface="仿宋" panose="02010609060101010101" pitchFamily="49" charset="-122"/>
-              </a:rPr>
-              <a:t>。明显的，有</a:t>
-            </a:r>
-            <a:r>
-              <a:rPr lang="en-US" altLang="zh-CN" sz="1400" dirty="0" err="1">
-                <a:latin typeface="仿宋" panose="02010609060101010101" pitchFamily="49" charset="-122"/>
-                <a:ea typeface="仿宋" panose="02010609060101010101" pitchFamily="49" charset="-122"/>
-              </a:rPr>
-              <a:t>Memstore</a:t>
-            </a:r>
-            <a:r>
-              <a:rPr lang="en-US" altLang="zh-CN" sz="1400" dirty="0">
-                <a:latin typeface="仿宋" panose="02010609060101010101" pitchFamily="49" charset="-122"/>
-                <a:ea typeface="仿宋" panose="02010609060101010101" pitchFamily="49" charset="-122"/>
-              </a:rPr>
-              <a:t> Flush</a:t>
-            </a:r>
-            <a:r>
-              <a:rPr lang="zh-CN" altLang="en-US" sz="1400" dirty="0">
-                <a:latin typeface="仿宋" panose="02010609060101010101" pitchFamily="49" charset="-122"/>
-                <a:ea typeface="仿宋" panose="02010609060101010101" pitchFamily="49" charset="-122"/>
-              </a:rPr>
-              <a:t>产生的</a:t>
-            </a:r>
-            <a:r>
-              <a:rPr lang="en-US" altLang="zh-CN" sz="1400" dirty="0" err="1">
-                <a:latin typeface="仿宋" panose="02010609060101010101" pitchFamily="49" charset="-122"/>
-                <a:ea typeface="仿宋" panose="02010609060101010101" pitchFamily="49" charset="-122"/>
-              </a:rPr>
-              <a:t>HFile</a:t>
-            </a:r>
-            <a:r>
-              <a:rPr lang="zh-CN" altLang="en-US" sz="1400" dirty="0">
-                <a:latin typeface="仿宋" panose="02010609060101010101" pitchFamily="49" charset="-122"/>
-                <a:ea typeface="仿宋" panose="02010609060101010101" pitchFamily="49" charset="-122"/>
-              </a:rPr>
-              <a:t>越多，集群系统就要做更多的合并操作</a:t>
-            </a:r>
-            <a:r>
-              <a:rPr lang="en-US" altLang="zh-CN" sz="1400" dirty="0">
-                <a:latin typeface="仿宋" panose="02010609060101010101" pitchFamily="49" charset="-122"/>
-                <a:ea typeface="仿宋" panose="02010609060101010101" pitchFamily="49" charset="-122"/>
-              </a:rPr>
-              <a:t>(</a:t>
-            </a:r>
-            <a:r>
-              <a:rPr lang="zh-CN" altLang="en-US" sz="1400" dirty="0">
-                <a:latin typeface="仿宋" panose="02010609060101010101" pitchFamily="49" charset="-122"/>
-                <a:ea typeface="仿宋" panose="02010609060101010101" pitchFamily="49" charset="-122"/>
-              </a:rPr>
-              <a:t>额外负载</a:t>
-            </a:r>
-            <a:r>
-              <a:rPr lang="en-US" altLang="zh-CN" sz="1400" dirty="0">
-                <a:latin typeface="仿宋" panose="02010609060101010101" pitchFamily="49" charset="-122"/>
-                <a:ea typeface="仿宋" panose="02010609060101010101" pitchFamily="49" charset="-122"/>
-              </a:rPr>
-              <a:t>)</a:t>
-            </a:r>
-            <a:r>
-              <a:rPr lang="zh-CN" altLang="en-US" sz="1400" dirty="0">
-                <a:latin typeface="仿宋" panose="02010609060101010101" pitchFamily="49" charset="-122"/>
-                <a:ea typeface="仿宋" panose="02010609060101010101" pitchFamily="49" charset="-122"/>
-              </a:rPr>
-              <a:t>。更糟糕的是：</a:t>
-            </a:r>
-            <a:r>
-              <a:rPr lang="en-US" altLang="zh-CN" sz="1400" dirty="0">
-                <a:latin typeface="仿宋" panose="02010609060101010101" pitchFamily="49" charset="-122"/>
-                <a:ea typeface="仿宋" panose="02010609060101010101" pitchFamily="49" charset="-122"/>
-              </a:rPr>
-              <a:t>Compaction</a:t>
-            </a:r>
-            <a:r>
-              <a:rPr lang="zh-CN" altLang="en-US" sz="1400" dirty="0">
-                <a:latin typeface="仿宋" panose="02010609060101010101" pitchFamily="49" charset="-122"/>
-                <a:ea typeface="仿宋" panose="02010609060101010101" pitchFamily="49" charset="-122"/>
-              </a:rPr>
-              <a:t>处理是跟集群上的其他请求并行进行的。当</a:t>
-            </a:r>
-            <a:r>
-              <a:rPr lang="en-US" altLang="zh-CN" sz="1400" dirty="0" err="1">
-                <a:latin typeface="仿宋" panose="02010609060101010101" pitchFamily="49" charset="-122"/>
-                <a:ea typeface="仿宋" panose="02010609060101010101" pitchFamily="49" charset="-122"/>
-              </a:rPr>
-              <a:t>HBase</a:t>
-            </a:r>
-            <a:r>
-              <a:rPr lang="zh-CN" altLang="en-US" sz="1400" dirty="0">
-                <a:latin typeface="仿宋" panose="02010609060101010101" pitchFamily="49" charset="-122"/>
-                <a:ea typeface="仿宋" panose="02010609060101010101" pitchFamily="49" charset="-122"/>
-              </a:rPr>
-              <a:t>不能够跟上</a:t>
-            </a:r>
-            <a:r>
-              <a:rPr lang="en-US" altLang="zh-CN" sz="1400" dirty="0">
-                <a:latin typeface="仿宋" panose="02010609060101010101" pitchFamily="49" charset="-122"/>
-                <a:ea typeface="仿宋" panose="02010609060101010101" pitchFamily="49" charset="-122"/>
-              </a:rPr>
-              <a:t>Compaction</a:t>
-            </a:r>
-            <a:r>
-              <a:rPr lang="zh-CN" altLang="en-US" sz="1400" dirty="0">
-                <a:latin typeface="仿宋" panose="02010609060101010101" pitchFamily="49" charset="-122"/>
-                <a:ea typeface="仿宋" panose="02010609060101010101" pitchFamily="49" charset="-122"/>
-              </a:rPr>
-              <a:t>的时候</a:t>
-            </a:r>
-            <a:r>
-              <a:rPr lang="en-US" altLang="zh-CN" sz="1400" dirty="0">
-                <a:latin typeface="仿宋" panose="02010609060101010101" pitchFamily="49" charset="-122"/>
-                <a:ea typeface="仿宋" panose="02010609060101010101" pitchFamily="49" charset="-122"/>
-              </a:rPr>
-              <a:t>(</a:t>
-            </a:r>
-            <a:r>
-              <a:rPr lang="zh-CN" altLang="en-US" sz="1400" dirty="0">
-                <a:latin typeface="仿宋" panose="02010609060101010101" pitchFamily="49" charset="-122"/>
-                <a:ea typeface="仿宋" panose="02010609060101010101" pitchFamily="49" charset="-122"/>
-              </a:rPr>
-              <a:t>同样有阈值设置项</a:t>
-            </a:r>
-            <a:r>
-              <a:rPr lang="en-US" altLang="zh-CN" sz="1400" dirty="0">
-                <a:latin typeface="仿宋" panose="02010609060101010101" pitchFamily="49" charset="-122"/>
-                <a:ea typeface="仿宋" panose="02010609060101010101" pitchFamily="49" charset="-122"/>
-              </a:rPr>
-              <a:t>)</a:t>
-            </a:r>
-            <a:r>
-              <a:rPr lang="zh-CN" altLang="en-US" sz="1400" dirty="0">
-                <a:latin typeface="仿宋" panose="02010609060101010101" pitchFamily="49" charset="-122"/>
-                <a:ea typeface="仿宋" panose="02010609060101010101" pitchFamily="49" charset="-122"/>
-              </a:rPr>
-              <a:t>，会在</a:t>
-            </a:r>
-            <a:r>
-              <a:rPr lang="en-US" altLang="zh-CN" sz="1400" dirty="0">
-                <a:latin typeface="仿宋" panose="02010609060101010101" pitchFamily="49" charset="-122"/>
-                <a:ea typeface="仿宋" panose="02010609060101010101" pitchFamily="49" charset="-122"/>
-              </a:rPr>
-              <a:t>RS</a:t>
-            </a:r>
-            <a:r>
-              <a:rPr lang="zh-CN" altLang="en-US" sz="1400" dirty="0">
-                <a:latin typeface="仿宋" panose="02010609060101010101" pitchFamily="49" charset="-122"/>
-                <a:ea typeface="仿宋" panose="02010609060101010101" pitchFamily="49" charset="-122"/>
-              </a:rPr>
-              <a:t>上出现“写阻塞”。像上面说到的，这是最最不希望的</a:t>
-            </a:r>
-            <a:r>
-              <a:rPr lang="zh-CN" altLang="en-US" sz="1400" dirty="0" smtClean="0">
-                <a:latin typeface="仿宋" panose="02010609060101010101" pitchFamily="49" charset="-122"/>
-                <a:ea typeface="仿宋" panose="02010609060101010101" pitchFamily="49" charset="-122"/>
-              </a:rPr>
-              <a:t>。</a:t>
-            </a:r>
-            <a:r>
-              <a:rPr lang="zh-CN" altLang="en-US" dirty="0"/>
-              <a:t>严重关切</a:t>
-            </a:r>
-            <a:r>
-              <a:rPr lang="en-US" altLang="zh-CN" dirty="0"/>
-              <a:t>RS</a:t>
-            </a:r>
-            <a:r>
-              <a:rPr lang="zh-CN" altLang="en-US" dirty="0"/>
-              <a:t>上</a:t>
-            </a:r>
-            <a:r>
-              <a:rPr lang="en-US" altLang="zh-CN" dirty="0"/>
-              <a:t>Compaction Queue </a:t>
-            </a:r>
-            <a:r>
-              <a:rPr lang="zh-CN" altLang="en-US" dirty="0"/>
-              <a:t>的</a:t>
-            </a:r>
-            <a:r>
-              <a:rPr lang="en-US" altLang="zh-CN" dirty="0"/>
-              <a:t>size</a:t>
-            </a:r>
-            <a:r>
-              <a:rPr lang="zh-CN" altLang="en-US" dirty="0"/>
-              <a:t>。要在其引起问题前，阻止其持续增大</a:t>
-            </a:r>
-            <a:r>
-              <a:rPr lang="zh-CN" altLang="en-US" dirty="0" smtClean="0"/>
-              <a:t>。</a:t>
-            </a:r>
-            <a:endParaRPr lang="en-US" altLang="zh-CN" dirty="0" smtClean="0"/>
+            <a:endParaRPr lang="en-US" altLang="zh-CN" sz="1600" dirty="0" smtClean="0">
+              <a:latin typeface="宋体" panose="02010600030101010101" pitchFamily="2" charset="-122"/>
+              <a:ea typeface="宋体" panose="02010600030101010101" pitchFamily="2" charset="-122"/>
+            </a:endParaRPr>
           </a:p>
           <a:p>
             <a:pPr marL="285750" indent="-285750">
@@ -10589,267 +10916,51 @@
               <a:buChar char="l"/>
             </a:pPr>
             <a:r>
-              <a:rPr lang="zh-CN" altLang="en-US" sz="1400" dirty="0">
-                <a:latin typeface="仿宋" panose="02010609060101010101" pitchFamily="49" charset="-122"/>
-                <a:ea typeface="仿宋" panose="02010609060101010101" pitchFamily="49" charset="-122"/>
-              </a:rPr>
-              <a:t>每次</a:t>
-            </a:r>
-            <a:r>
-              <a:rPr lang="en-US" altLang="zh-CN" sz="1400" dirty="0" err="1">
-                <a:latin typeface="仿宋" panose="02010609060101010101" pitchFamily="49" charset="-122"/>
-                <a:ea typeface="仿宋" panose="02010609060101010101" pitchFamily="49" charset="-122"/>
+              <a:rPr lang="zh-CN" altLang="en-US" sz="1600" dirty="0" smtClean="0">
+                <a:latin typeface="宋体" panose="02010600030101010101" pitchFamily="2" charset="-122"/>
+                <a:ea typeface="宋体" panose="02010600030101010101" pitchFamily="2" charset="-122"/>
+              </a:rPr>
+              <a:t>启用压缩：</a:t>
+            </a:r>
+            <a:r>
+              <a:rPr lang="zh-CN" altLang="en-US" sz="1600" dirty="0">
+                <a:latin typeface="宋体" panose="02010600030101010101" pitchFamily="2" charset="-122"/>
+                <a:ea typeface="宋体" panose="02010600030101010101" pitchFamily="2" charset="-122"/>
+              </a:rPr>
+              <a:t>使用压缩，当</a:t>
+            </a:r>
+            <a:r>
+              <a:rPr lang="en-US" altLang="zh-CN" sz="1600" dirty="0" err="1">
+                <a:latin typeface="宋体" panose="02010600030101010101" pitchFamily="2" charset="-122"/>
+                <a:ea typeface="宋体" panose="02010600030101010101" pitchFamily="2" charset="-122"/>
               </a:rPr>
               <a:t>Memstore</a:t>
             </a:r>
             <a:r>
-              <a:rPr lang="en-US" altLang="zh-CN" sz="1400" dirty="0">
-                <a:latin typeface="仿宋" panose="02010609060101010101" pitchFamily="49" charset="-122"/>
-                <a:ea typeface="仿宋" panose="02010609060101010101" pitchFamily="49" charset="-122"/>
-              </a:rPr>
-              <a:t> Flush</a:t>
-            </a:r>
-            <a:r>
-              <a:rPr lang="zh-CN" altLang="en-US" sz="1400" dirty="0">
-                <a:latin typeface="仿宋" panose="02010609060101010101" pitchFamily="49" charset="-122"/>
-                <a:ea typeface="仿宋" panose="02010609060101010101" pitchFamily="49" charset="-122"/>
-              </a:rPr>
-              <a:t>，会为每个</a:t>
-            </a:r>
-            <a:r>
-              <a:rPr lang="en-US" altLang="zh-CN" sz="1400" dirty="0">
-                <a:latin typeface="仿宋" panose="02010609060101010101" pitchFamily="49" charset="-122"/>
-                <a:ea typeface="仿宋" panose="02010609060101010101" pitchFamily="49" charset="-122"/>
-              </a:rPr>
-              <a:t>CF</a:t>
-            </a:r>
-            <a:r>
-              <a:rPr lang="zh-CN" altLang="en-US" sz="1400" dirty="0">
-                <a:latin typeface="仿宋" panose="02010609060101010101" pitchFamily="49" charset="-122"/>
-                <a:ea typeface="仿宋" panose="02010609060101010101" pitchFamily="49" charset="-122"/>
-              </a:rPr>
-              <a:t>都创建一个新的</a:t>
-            </a:r>
-            <a:r>
-              <a:rPr lang="en-US" altLang="zh-CN" sz="1400" dirty="0" err="1">
-                <a:latin typeface="仿宋" panose="02010609060101010101" pitchFamily="49" charset="-122"/>
-                <a:ea typeface="仿宋" panose="02010609060101010101" pitchFamily="49" charset="-122"/>
-              </a:rPr>
-              <a:t>HFile</a:t>
-            </a:r>
-            <a:r>
-              <a:rPr lang="zh-CN" altLang="en-US" sz="1400" dirty="0">
-                <a:latin typeface="仿宋" panose="02010609060101010101" pitchFamily="49" charset="-122"/>
-                <a:ea typeface="仿宋" panose="02010609060101010101" pitchFamily="49" charset="-122"/>
-              </a:rPr>
-              <a:t>。这样，不同</a:t>
-            </a:r>
-            <a:r>
-              <a:rPr lang="en-US" altLang="zh-CN" sz="1400" dirty="0">
-                <a:latin typeface="仿宋" panose="02010609060101010101" pitchFamily="49" charset="-122"/>
-                <a:ea typeface="仿宋" panose="02010609060101010101" pitchFamily="49" charset="-122"/>
-              </a:rPr>
-              <a:t>CF</a:t>
-            </a:r>
-            <a:r>
-              <a:rPr lang="zh-CN" altLang="en-US" sz="1400" dirty="0">
-                <a:latin typeface="仿宋" panose="02010609060101010101" pitchFamily="49" charset="-122"/>
-                <a:ea typeface="仿宋" panose="02010609060101010101" pitchFamily="49" charset="-122"/>
-              </a:rPr>
-              <a:t>中数据量的不均衡将会导致产生过多</a:t>
-            </a:r>
-            <a:r>
-              <a:rPr lang="en-US" altLang="zh-CN" sz="1400" dirty="0" err="1">
-                <a:latin typeface="仿宋" panose="02010609060101010101" pitchFamily="49" charset="-122"/>
-                <a:ea typeface="仿宋" panose="02010609060101010101" pitchFamily="49" charset="-122"/>
-              </a:rPr>
-              <a:t>HFile</a:t>
-            </a:r>
-            <a:r>
-              <a:rPr lang="zh-CN" altLang="en-US" sz="1400" dirty="0">
-                <a:latin typeface="仿宋" panose="02010609060101010101" pitchFamily="49" charset="-122"/>
-                <a:ea typeface="仿宋" panose="02010609060101010101" pitchFamily="49" charset="-122"/>
-              </a:rPr>
-              <a:t>：当其中一个</a:t>
-            </a:r>
-            <a:r>
-              <a:rPr lang="en-US" altLang="zh-CN" sz="1400" dirty="0">
-                <a:latin typeface="仿宋" panose="02010609060101010101" pitchFamily="49" charset="-122"/>
-                <a:ea typeface="仿宋" panose="02010609060101010101" pitchFamily="49" charset="-122"/>
-              </a:rPr>
-              <a:t>CF</a:t>
-            </a:r>
-            <a:r>
-              <a:rPr lang="zh-CN" altLang="en-US" sz="1400" dirty="0">
-                <a:latin typeface="仿宋" panose="02010609060101010101" pitchFamily="49" charset="-122"/>
-                <a:ea typeface="仿宋" panose="02010609060101010101" pitchFamily="49" charset="-122"/>
-              </a:rPr>
-              <a:t>的</a:t>
-            </a:r>
-            <a:r>
-              <a:rPr lang="en-US" altLang="zh-CN" sz="1400" dirty="0" err="1">
-                <a:latin typeface="仿宋" panose="02010609060101010101" pitchFamily="49" charset="-122"/>
-                <a:ea typeface="仿宋" panose="02010609060101010101" pitchFamily="49" charset="-122"/>
-              </a:rPr>
-              <a:t>Memstore</a:t>
-            </a:r>
-            <a:r>
-              <a:rPr lang="zh-CN" altLang="en-US" sz="1400" dirty="0">
-                <a:latin typeface="仿宋" panose="02010609060101010101" pitchFamily="49" charset="-122"/>
-                <a:ea typeface="仿宋" panose="02010609060101010101" pitchFamily="49" charset="-122"/>
-              </a:rPr>
-              <a:t>达到阈值</a:t>
-            </a:r>
-            <a:r>
-              <a:rPr lang="en-US" altLang="zh-CN" sz="1400" dirty="0">
-                <a:latin typeface="仿宋" panose="02010609060101010101" pitchFamily="49" charset="-122"/>
-                <a:ea typeface="仿宋" panose="02010609060101010101" pitchFamily="49" charset="-122"/>
-              </a:rPr>
-              <a:t>flush</a:t>
-            </a:r>
-            <a:r>
-              <a:rPr lang="zh-CN" altLang="en-US" sz="1400" dirty="0">
-                <a:latin typeface="仿宋" panose="02010609060101010101" pitchFamily="49" charset="-122"/>
-                <a:ea typeface="仿宋" panose="02010609060101010101" pitchFamily="49" charset="-122"/>
-              </a:rPr>
-              <a:t>时，所有其他</a:t>
-            </a:r>
-            <a:r>
-              <a:rPr lang="en-US" altLang="zh-CN" sz="1400" dirty="0">
-                <a:latin typeface="仿宋" panose="02010609060101010101" pitchFamily="49" charset="-122"/>
-                <a:ea typeface="仿宋" panose="02010609060101010101" pitchFamily="49" charset="-122"/>
-              </a:rPr>
-              <a:t>CF</a:t>
-            </a:r>
-            <a:r>
-              <a:rPr lang="zh-CN" altLang="en-US" sz="1400" dirty="0">
-                <a:latin typeface="仿宋" panose="02010609060101010101" pitchFamily="49" charset="-122"/>
-                <a:ea typeface="仿宋" panose="02010609060101010101" pitchFamily="49" charset="-122"/>
-              </a:rPr>
-              <a:t>的也会被</a:t>
-            </a:r>
-            <a:r>
-              <a:rPr lang="en-US" altLang="zh-CN" sz="1400" dirty="0">
-                <a:latin typeface="仿宋" panose="02010609060101010101" pitchFamily="49" charset="-122"/>
-                <a:ea typeface="仿宋" panose="02010609060101010101" pitchFamily="49" charset="-122"/>
-              </a:rPr>
-              <a:t>flush</a:t>
-            </a:r>
-            <a:r>
-              <a:rPr lang="zh-CN" altLang="en-US" sz="1400" dirty="0">
-                <a:latin typeface="仿宋" panose="02010609060101010101" pitchFamily="49" charset="-122"/>
-                <a:ea typeface="仿宋" panose="02010609060101010101" pitchFamily="49" charset="-122"/>
-              </a:rPr>
-              <a:t>。如上所述，太频繁的</a:t>
-            </a:r>
-            <a:r>
-              <a:rPr lang="en-US" altLang="zh-CN" sz="1400" dirty="0">
-                <a:latin typeface="仿宋" panose="02010609060101010101" pitchFamily="49" charset="-122"/>
-                <a:ea typeface="仿宋" panose="02010609060101010101" pitchFamily="49" charset="-122"/>
-              </a:rPr>
-              <a:t>flush</a:t>
-            </a:r>
-            <a:r>
-              <a:rPr lang="zh-CN" altLang="en-US" sz="1400" dirty="0">
-                <a:latin typeface="仿宋" panose="02010609060101010101" pitchFamily="49" charset="-122"/>
-                <a:ea typeface="仿宋" panose="02010609060101010101" pitchFamily="49" charset="-122"/>
-              </a:rPr>
-              <a:t>以及过多的</a:t>
-            </a:r>
-            <a:r>
-              <a:rPr lang="en-US" altLang="zh-CN" sz="1400" dirty="0" err="1">
-                <a:latin typeface="仿宋" panose="02010609060101010101" pitchFamily="49" charset="-122"/>
-                <a:ea typeface="仿宋" panose="02010609060101010101" pitchFamily="49" charset="-122"/>
-              </a:rPr>
-              <a:t>HFile</a:t>
-            </a:r>
-            <a:r>
-              <a:rPr lang="zh-CN" altLang="en-US" sz="1400" dirty="0">
-                <a:latin typeface="仿宋" panose="02010609060101010101" pitchFamily="49" charset="-122"/>
-                <a:ea typeface="仿宋" panose="02010609060101010101" pitchFamily="49" charset="-122"/>
-              </a:rPr>
-              <a:t>将会影响集群性能。因此很多情况下，一个</a:t>
-            </a:r>
-            <a:r>
-              <a:rPr lang="en-US" altLang="zh-CN" sz="1400" dirty="0">
-                <a:latin typeface="仿宋" panose="02010609060101010101" pitchFamily="49" charset="-122"/>
-                <a:ea typeface="仿宋" panose="02010609060101010101" pitchFamily="49" charset="-122"/>
-              </a:rPr>
-              <a:t>CF</a:t>
-            </a:r>
-            <a:r>
-              <a:rPr lang="zh-CN" altLang="en-US" sz="1400" dirty="0">
-                <a:latin typeface="仿宋" panose="02010609060101010101" pitchFamily="49" charset="-122"/>
-                <a:ea typeface="仿宋" panose="02010609060101010101" pitchFamily="49" charset="-122"/>
-              </a:rPr>
-              <a:t>是最好的设计</a:t>
-            </a:r>
-            <a:r>
-              <a:rPr lang="zh-CN" altLang="en-US" sz="1400" dirty="0" smtClean="0">
-                <a:latin typeface="仿宋" panose="02010609060101010101" pitchFamily="49" charset="-122"/>
-                <a:ea typeface="仿宋" panose="02010609060101010101" pitchFamily="49" charset="-122"/>
-              </a:rPr>
-              <a:t>。</a:t>
-            </a:r>
-            <a:endParaRPr lang="en-US" altLang="zh-CN" sz="1400" dirty="0" smtClean="0">
-              <a:latin typeface="仿宋" panose="02010609060101010101" pitchFamily="49" charset="-122"/>
-              <a:ea typeface="仿宋" panose="02010609060101010101" pitchFamily="49" charset="-122"/>
-            </a:endParaRPr>
-          </a:p>
-          <a:p>
-            <a:pPr marL="285750" indent="-285750">
-              <a:lnSpc>
-                <a:spcPct val="150000"/>
-              </a:lnSpc>
-              <a:buFont typeface="Wingdings" panose="05000000000000000000" pitchFamily="2" charset="2"/>
-              <a:buChar char="l"/>
-            </a:pPr>
-            <a:r>
-              <a:rPr lang="zh-CN" altLang="en-US" sz="1400" dirty="0" smtClean="0">
-                <a:latin typeface="仿宋" panose="02010609060101010101" pitchFamily="49" charset="-122"/>
-                <a:ea typeface="仿宋" panose="02010609060101010101" pitchFamily="49" charset="-122"/>
-              </a:rPr>
-              <a:t>启用压缩：</a:t>
-            </a:r>
-            <a:r>
-              <a:rPr lang="zh-CN" altLang="en-US" sz="1400" dirty="0">
-                <a:latin typeface="仿宋" panose="02010609060101010101" pitchFamily="49" charset="-122"/>
-                <a:ea typeface="仿宋" panose="02010609060101010101" pitchFamily="49" charset="-122"/>
-              </a:rPr>
-              <a:t>使用压缩，当</a:t>
-            </a:r>
-            <a:r>
-              <a:rPr lang="en-US" altLang="zh-CN" sz="1400" dirty="0" err="1">
-                <a:latin typeface="仿宋" panose="02010609060101010101" pitchFamily="49" charset="-122"/>
-                <a:ea typeface="仿宋" panose="02010609060101010101" pitchFamily="49" charset="-122"/>
-              </a:rPr>
-              <a:t>Memstore</a:t>
-            </a:r>
-            <a:r>
-              <a:rPr lang="en-US" altLang="zh-CN" sz="1400" dirty="0">
-                <a:latin typeface="仿宋" panose="02010609060101010101" pitchFamily="49" charset="-122"/>
-                <a:ea typeface="仿宋" panose="02010609060101010101" pitchFamily="49" charset="-122"/>
+              <a:rPr lang="en-US" altLang="zh-CN" sz="1600" dirty="0">
+                <a:latin typeface="宋体" panose="02010600030101010101" pitchFamily="2" charset="-122"/>
+                <a:ea typeface="宋体" panose="02010600030101010101" pitchFamily="2" charset="-122"/>
               </a:rPr>
               <a:t> flush</a:t>
             </a:r>
             <a:r>
-              <a:rPr lang="zh-CN" altLang="en-US" sz="1400" dirty="0">
-                <a:latin typeface="仿宋" panose="02010609060101010101" pitchFamily="49" charset="-122"/>
-                <a:ea typeface="仿宋" panose="02010609060101010101" pitchFamily="49" charset="-122"/>
+              <a:rPr lang="zh-CN" altLang="en-US" sz="1600" dirty="0">
+                <a:latin typeface="宋体" panose="02010600030101010101" pitchFamily="2" charset="-122"/>
+                <a:ea typeface="宋体" panose="02010600030101010101" pitchFamily="2" charset="-122"/>
               </a:rPr>
               <a:t>并将数据写入</a:t>
             </a:r>
             <a:r>
-              <a:rPr lang="en-US" altLang="zh-CN" sz="1400" dirty="0">
-                <a:latin typeface="仿宋" panose="02010609060101010101" pitchFamily="49" charset="-122"/>
-                <a:ea typeface="仿宋" panose="02010609060101010101" pitchFamily="49" charset="-122"/>
+              <a:rPr lang="en-US" altLang="zh-CN" sz="1600" dirty="0">
+                <a:latin typeface="宋体" panose="02010600030101010101" pitchFamily="2" charset="-122"/>
+                <a:ea typeface="宋体" panose="02010600030101010101" pitchFamily="2" charset="-122"/>
               </a:rPr>
               <a:t>HDFS</a:t>
             </a:r>
             <a:r>
-              <a:rPr lang="zh-CN" altLang="en-US" sz="1400" dirty="0">
-                <a:latin typeface="仿宋" panose="02010609060101010101" pitchFamily="49" charset="-122"/>
-                <a:ea typeface="仿宋" panose="02010609060101010101" pitchFamily="49" charset="-122"/>
+              <a:rPr lang="zh-CN" altLang="en-US" sz="1600" dirty="0">
+                <a:latin typeface="宋体" panose="02010600030101010101" pitchFamily="2" charset="-122"/>
+                <a:ea typeface="宋体" panose="02010600030101010101" pitchFamily="2" charset="-122"/>
               </a:rPr>
               <a:t>时候，数据会被压缩</a:t>
             </a:r>
@@ -10949,153 +11060,153 @@
               <a:buChar char="l"/>
             </a:pPr>
             <a:r>
-              <a:rPr lang="zh-CN" altLang="en-US" sz="1400" dirty="0" smtClean="0">
+              <a:rPr lang="zh-CN" altLang="en-US" sz="1600" b="1" dirty="0" smtClean="0">
                 <a:latin typeface="仿宋" panose="02010609060101010101" pitchFamily="49" charset="-122"/>
                 <a:ea typeface="仿宋" panose="02010609060101010101" pitchFamily="49" charset="-122"/>
               </a:rPr>
               <a:t>当</a:t>
             </a:r>
             <a:r>
-              <a:rPr lang="zh-CN" altLang="en-US" sz="1400" dirty="0">
+              <a:rPr lang="zh-CN" altLang="en-US" sz="1600" b="1" dirty="0">
                 <a:latin typeface="仿宋" panose="02010609060101010101" pitchFamily="49" charset="-122"/>
                 <a:ea typeface="仿宋" panose="02010609060101010101" pitchFamily="49" charset="-122"/>
               </a:rPr>
               <a:t>数据被写入时会默认先写入</a:t>
             </a:r>
             <a:r>
-              <a:rPr lang="en-US" altLang="zh-CN" sz="1400" dirty="0">
+              <a:rPr lang="en-US" altLang="zh-CN" sz="1600" b="1" dirty="0">
                 <a:latin typeface="仿宋" panose="02010609060101010101" pitchFamily="49" charset="-122"/>
                 <a:ea typeface="仿宋" panose="02010609060101010101" pitchFamily="49" charset="-122"/>
               </a:rPr>
               <a:t>Write-ahead Log(WAL)</a:t>
             </a:r>
             <a:r>
-              <a:rPr lang="zh-CN" altLang="en-US" sz="1400" dirty="0">
+              <a:rPr lang="zh-CN" altLang="en-US" sz="1600" b="1" dirty="0">
                 <a:latin typeface="仿宋" panose="02010609060101010101" pitchFamily="49" charset="-122"/>
                 <a:ea typeface="仿宋" panose="02010609060101010101" pitchFamily="49" charset="-122"/>
               </a:rPr>
               <a:t>。</a:t>
             </a:r>
             <a:r>
-              <a:rPr lang="en-US" altLang="zh-CN" sz="1400" dirty="0">
+              <a:rPr lang="en-US" altLang="zh-CN" sz="1600" b="1" dirty="0">
                 <a:latin typeface="仿宋" panose="02010609060101010101" pitchFamily="49" charset="-122"/>
                 <a:ea typeface="仿宋" panose="02010609060101010101" pitchFamily="49" charset="-122"/>
               </a:rPr>
               <a:t>WAL</a:t>
             </a:r>
             <a:r>
-              <a:rPr lang="zh-CN" altLang="en-US" sz="1400" dirty="0">
+              <a:rPr lang="zh-CN" altLang="en-US" sz="1600" b="1" dirty="0">
                 <a:latin typeface="仿宋" panose="02010609060101010101" pitchFamily="49" charset="-122"/>
                 <a:ea typeface="仿宋" panose="02010609060101010101" pitchFamily="49" charset="-122"/>
               </a:rPr>
               <a:t>中包含了所有已经写入</a:t>
             </a:r>
             <a:r>
-              <a:rPr lang="en-US" altLang="zh-CN" sz="1400" dirty="0" err="1">
+              <a:rPr lang="en-US" altLang="zh-CN" sz="1600" b="1" dirty="0" err="1">
                 <a:latin typeface="仿宋" panose="02010609060101010101" pitchFamily="49" charset="-122"/>
                 <a:ea typeface="仿宋" panose="02010609060101010101" pitchFamily="49" charset="-122"/>
               </a:rPr>
               <a:t>Memstore</a:t>
             </a:r>
             <a:r>
-              <a:rPr lang="zh-CN" altLang="en-US" sz="1400" dirty="0">
+              <a:rPr lang="zh-CN" altLang="en-US" sz="1600" b="1" dirty="0">
                 <a:latin typeface="仿宋" panose="02010609060101010101" pitchFamily="49" charset="-122"/>
                 <a:ea typeface="仿宋" panose="02010609060101010101" pitchFamily="49" charset="-122"/>
               </a:rPr>
               <a:t>但还未</a:t>
             </a:r>
             <a:r>
-              <a:rPr lang="en-US" altLang="zh-CN" sz="1400" dirty="0">
+              <a:rPr lang="en-US" altLang="zh-CN" sz="1600" b="1" dirty="0">
                 <a:latin typeface="仿宋" panose="02010609060101010101" pitchFamily="49" charset="-122"/>
                 <a:ea typeface="仿宋" panose="02010609060101010101" pitchFamily="49" charset="-122"/>
               </a:rPr>
               <a:t>Flush</a:t>
             </a:r>
             <a:r>
-              <a:rPr lang="zh-CN" altLang="en-US" sz="1400" dirty="0">
+              <a:rPr lang="zh-CN" altLang="en-US" sz="1600" b="1" dirty="0">
                 <a:latin typeface="仿宋" panose="02010609060101010101" pitchFamily="49" charset="-122"/>
                 <a:ea typeface="仿宋" panose="02010609060101010101" pitchFamily="49" charset="-122"/>
               </a:rPr>
               <a:t>到</a:t>
             </a:r>
             <a:r>
-              <a:rPr lang="en-US" altLang="zh-CN" sz="1400" dirty="0" err="1">
+              <a:rPr lang="en-US" altLang="zh-CN" sz="1600" b="1" dirty="0" err="1">
                 <a:latin typeface="仿宋" panose="02010609060101010101" pitchFamily="49" charset="-122"/>
                 <a:ea typeface="仿宋" panose="02010609060101010101" pitchFamily="49" charset="-122"/>
               </a:rPr>
               <a:t>HFile</a:t>
             </a:r>
             <a:r>
-              <a:rPr lang="zh-CN" altLang="en-US" sz="1400" dirty="0">
+              <a:rPr lang="zh-CN" altLang="en-US" sz="1600" b="1" dirty="0">
                 <a:latin typeface="仿宋" panose="02010609060101010101" pitchFamily="49" charset="-122"/>
                 <a:ea typeface="仿宋" panose="02010609060101010101" pitchFamily="49" charset="-122"/>
               </a:rPr>
               <a:t>的更改</a:t>
             </a:r>
             <a:r>
-              <a:rPr lang="en-US" altLang="zh-CN" sz="1400" dirty="0">
+              <a:rPr lang="en-US" altLang="zh-CN" sz="1600" b="1" dirty="0">
                 <a:latin typeface="仿宋" panose="02010609060101010101" pitchFamily="49" charset="-122"/>
                 <a:ea typeface="仿宋" panose="02010609060101010101" pitchFamily="49" charset="-122"/>
               </a:rPr>
               <a:t>(edits)</a:t>
             </a:r>
             <a:r>
-              <a:rPr lang="zh-CN" altLang="en-US" sz="1400" dirty="0">
+              <a:rPr lang="zh-CN" altLang="en-US" sz="1600" b="1" dirty="0">
                 <a:latin typeface="仿宋" panose="02010609060101010101" pitchFamily="49" charset="-122"/>
                 <a:ea typeface="仿宋" panose="02010609060101010101" pitchFamily="49" charset="-122"/>
               </a:rPr>
               <a:t>。在</a:t>
             </a:r>
             <a:r>
-              <a:rPr lang="en-US" altLang="zh-CN" sz="1400" dirty="0" err="1">
+              <a:rPr lang="en-US" altLang="zh-CN" sz="1600" b="1" dirty="0" err="1">
                 <a:latin typeface="仿宋" panose="02010609060101010101" pitchFamily="49" charset="-122"/>
                 <a:ea typeface="仿宋" panose="02010609060101010101" pitchFamily="49" charset="-122"/>
               </a:rPr>
               <a:t>Memstore</a:t>
             </a:r>
             <a:r>
-              <a:rPr lang="zh-CN" altLang="en-US" sz="1400" dirty="0">
+              <a:rPr lang="zh-CN" altLang="en-US" sz="1600" b="1" dirty="0">
                 <a:latin typeface="仿宋" panose="02010609060101010101" pitchFamily="49" charset="-122"/>
                 <a:ea typeface="仿宋" panose="02010609060101010101" pitchFamily="49" charset="-122"/>
               </a:rPr>
               <a:t>中数据还没有持久化，当</a:t>
             </a:r>
             <a:r>
-              <a:rPr lang="en-US" altLang="zh-CN" sz="1400" dirty="0" err="1">
+              <a:rPr lang="en-US" altLang="zh-CN" sz="1600" b="1" dirty="0" err="1">
                 <a:latin typeface="仿宋" panose="02010609060101010101" pitchFamily="49" charset="-122"/>
                 <a:ea typeface="仿宋" panose="02010609060101010101" pitchFamily="49" charset="-122"/>
               </a:rPr>
               <a:t>RegionSever</a:t>
             </a:r>
             <a:r>
-              <a:rPr lang="zh-CN" altLang="en-US" sz="1400" dirty="0">
+              <a:rPr lang="zh-CN" altLang="en-US" sz="1600" b="1" dirty="0">
                 <a:latin typeface="仿宋" panose="02010609060101010101" pitchFamily="49" charset="-122"/>
                 <a:ea typeface="仿宋" panose="02010609060101010101" pitchFamily="49" charset="-122"/>
               </a:rPr>
               <a:t>宕掉的时候，可以使用</a:t>
             </a:r>
             <a:r>
-              <a:rPr lang="en-US" altLang="zh-CN" sz="1400" dirty="0">
+              <a:rPr lang="en-US" altLang="zh-CN" sz="1600" b="1" dirty="0">
                 <a:latin typeface="仿宋" panose="02010609060101010101" pitchFamily="49" charset="-122"/>
                 <a:ea typeface="仿宋" panose="02010609060101010101" pitchFamily="49" charset="-122"/>
               </a:rPr>
               <a:t>WAL</a:t>
             </a:r>
             <a:r>
-              <a:rPr lang="zh-CN" altLang="en-US" sz="1400" dirty="0">
+              <a:rPr lang="zh-CN" altLang="en-US" sz="1600" b="1" dirty="0">
                 <a:latin typeface="仿宋" panose="02010609060101010101" pitchFamily="49" charset="-122"/>
                 <a:ea typeface="仿宋" panose="02010609060101010101" pitchFamily="49" charset="-122"/>
               </a:rPr>
               <a:t>恢复数据</a:t>
             </a:r>
             <a:r>
-              <a:rPr lang="zh-CN" altLang="en-US" sz="1400" dirty="0" smtClean="0">
+              <a:rPr lang="zh-CN" altLang="en-US" sz="1600" b="1" dirty="0" smtClean="0">
                 <a:latin typeface="仿宋" panose="02010609060101010101" pitchFamily="49" charset="-122"/>
                 <a:ea typeface="仿宋" panose="02010609060101010101" pitchFamily="49" charset="-122"/>
               </a:rPr>
               <a:t>。</a:t>
             </a:r>
-            <a:endParaRPr lang="en-US" altLang="zh-CN" sz="1400" dirty="0" smtClean="0">
+            <a:endParaRPr lang="en-US" altLang="zh-CN" sz="1600" b="1" dirty="0" smtClean="0">
               <a:latin typeface="仿宋" panose="02010609060101010101" pitchFamily="49" charset="-122"/>
               <a:ea typeface="仿宋" panose="02010609060101010101" pitchFamily="49" charset="-122"/>
             </a:endParaRPr>
@@ -11776,8 +11887,8 @@
         </p:nvSpPr>
         <p:spPr>
           <a:xfrm>
-            <a:off x="521207" y="1088136"/>
-            <a:ext cx="9427028" cy="4678204"/>
+            <a:off x="521206" y="1088136"/>
+            <a:ext cx="10817353" cy="5262979"/>
           </a:xfrm>
           <a:prstGeom prst="rect">
             <a:avLst/>
@@ -11789,53 +11900,53 @@
           </a:bodyPr>
           <a:lstStyle/>
           <a:p>
-            <a:endParaRPr lang="zh-CN" altLang="en-US" dirty="0"/>
-          </a:p>
-          <a:p>
-            <a:r>
-              <a:rPr lang="zh-CN" altLang="en-US" sz="1400" dirty="0">
+            <a:endParaRPr lang="zh-CN" altLang="en-US" sz="1600" dirty="0"/>
+          </a:p>
+          <a:p>
+            <a:r>
+              <a:rPr lang="zh-CN" altLang="en-US" sz="1600" dirty="0">
                 <a:latin typeface="仿宋" panose="02010609060101010101" pitchFamily="49" charset="-122"/>
                 <a:ea typeface="仿宋" panose="02010609060101010101" pitchFamily="49" charset="-122"/>
               </a:rPr>
               <a:t>为了减少</a:t>
             </a:r>
             <a:r>
-              <a:rPr lang="en-US" altLang="zh-CN" sz="1400" dirty="0">
+              <a:rPr lang="en-US" altLang="zh-CN" sz="1600" dirty="0">
                 <a:latin typeface="仿宋" panose="02010609060101010101" pitchFamily="49" charset="-122"/>
                 <a:ea typeface="仿宋" panose="02010609060101010101" pitchFamily="49" charset="-122"/>
               </a:rPr>
               <a:t>flush</a:t>
             </a:r>
             <a:r>
-              <a:rPr lang="zh-CN" altLang="en-US" sz="1400" dirty="0">
+              <a:rPr lang="zh-CN" altLang="en-US" sz="1600" dirty="0">
                 <a:latin typeface="仿宋" panose="02010609060101010101" pitchFamily="49" charset="-122"/>
                 <a:ea typeface="仿宋" panose="02010609060101010101" pitchFamily="49" charset="-122"/>
               </a:rPr>
               <a:t>过程对读写的影响</a:t>
             </a:r>
             <a:r>
-              <a:rPr lang="zh-CN" altLang="en-US" sz="1400" dirty="0" smtClean="0">
+              <a:rPr lang="zh-CN" altLang="en-US" sz="1600" dirty="0" smtClean="0">
                 <a:latin typeface="仿宋" panose="02010609060101010101" pitchFamily="49" charset="-122"/>
                 <a:ea typeface="仿宋" panose="02010609060101010101" pitchFamily="49" charset="-122"/>
               </a:rPr>
               <a:t>，将</a:t>
             </a:r>
             <a:r>
-              <a:rPr lang="zh-CN" altLang="en-US" sz="1400" dirty="0">
+              <a:rPr lang="zh-CN" altLang="en-US" sz="1600" dirty="0">
                 <a:latin typeface="仿宋" panose="02010609060101010101" pitchFamily="49" charset="-122"/>
                 <a:ea typeface="仿宋" panose="02010609060101010101" pitchFamily="49" charset="-122"/>
               </a:rPr>
               <a:t>整个</a:t>
             </a:r>
             <a:r>
-              <a:rPr lang="en-US" altLang="zh-CN" sz="1400" dirty="0">
+              <a:rPr lang="en-US" altLang="zh-CN" sz="1600" dirty="0">
                 <a:latin typeface="仿宋" panose="02010609060101010101" pitchFamily="49" charset="-122"/>
                 <a:ea typeface="仿宋" panose="02010609060101010101" pitchFamily="49" charset="-122"/>
               </a:rPr>
               <a:t>flush</a:t>
             </a:r>
             <a:r>
-              <a:rPr lang="zh-CN" altLang="en-US" sz="1400" dirty="0">
+              <a:rPr lang="zh-CN" altLang="en-US" sz="1600" dirty="0">
                 <a:latin typeface="仿宋" panose="02010609060101010101" pitchFamily="49" charset="-122"/>
                 <a:ea typeface="仿宋" panose="02010609060101010101" pitchFamily="49" charset="-122"/>
               </a:rPr>
@@ -11843,7 +11954,7 @@
             </a:r>
           </a:p>
           <a:p>
-            <a:endParaRPr lang="zh-CN" altLang="en-US" sz="1400" dirty="0">
+            <a:endParaRPr lang="zh-CN" altLang="en-US" sz="1600" dirty="0">
               <a:latin typeface="仿宋" panose="02010609060101010101" pitchFamily="49" charset="-122"/>
               <a:ea typeface="仿宋" panose="02010609060101010101" pitchFamily="49" charset="-122"/>
             </a:endParaRPr>
@@ -11857,27 +11968,27 @@
               <a:buChar char="l"/>
             </a:pPr>
             <a:r>
-              <a:rPr lang="en-US" altLang="zh-CN" sz="1400" dirty="0" smtClean="0">
+              <a:rPr lang="en-US" altLang="zh-CN" sz="1600" dirty="0" smtClean="0">
                 <a:latin typeface="仿宋" panose="02010609060101010101" pitchFamily="49" charset="-122"/>
                 <a:ea typeface="仿宋" panose="02010609060101010101" pitchFamily="49" charset="-122"/>
               </a:rPr>
               <a:t>prepare</a:t>
             </a:r>
             <a:r>
-              <a:rPr lang="zh-CN" altLang="en-US" sz="1400" dirty="0">
+              <a:rPr lang="zh-CN" altLang="en-US" sz="1600" dirty="0">
                 <a:latin typeface="仿宋" panose="02010609060101010101" pitchFamily="49" charset="-122"/>
                 <a:ea typeface="仿宋" panose="02010609060101010101" pitchFamily="49" charset="-122"/>
               </a:rPr>
               <a:t>阶段</a:t>
             </a:r>
             <a:r>
-              <a:rPr lang="zh-CN" altLang="en-US" sz="1400" dirty="0" smtClean="0">
+              <a:rPr lang="zh-CN" altLang="en-US" sz="1600" dirty="0" smtClean="0">
                 <a:latin typeface="仿宋" panose="02010609060101010101" pitchFamily="49" charset="-122"/>
                 <a:ea typeface="仿宋" panose="02010609060101010101" pitchFamily="49" charset="-122"/>
               </a:rPr>
               <a:t>：</a:t>
             </a:r>
-            <a:endParaRPr lang="en-US" altLang="zh-CN" sz="1400" dirty="0" smtClean="0">
+            <a:endParaRPr lang="en-US" altLang="zh-CN" sz="1600" dirty="0" smtClean="0">
               <a:latin typeface="仿宋" panose="02010609060101010101" pitchFamily="49" charset="-122"/>
               <a:ea typeface="仿宋" panose="02010609060101010101" pitchFamily="49" charset="-122"/>
             </a:endParaRPr>
@@ -11889,307 +12000,307 @@
               </a:lnSpc>
             </a:pPr>
             <a:r>
-              <a:rPr lang="zh-CN" altLang="en-US" sz="1400" dirty="0" smtClean="0">
+              <a:rPr lang="zh-CN" altLang="en-US" sz="1600" dirty="0" smtClean="0">
                 <a:latin typeface="仿宋" panose="02010609060101010101" pitchFamily="49" charset="-122"/>
                 <a:ea typeface="仿宋" panose="02010609060101010101" pitchFamily="49" charset="-122"/>
               </a:rPr>
               <a:t>遍历</a:t>
             </a:r>
             <a:r>
-              <a:rPr lang="zh-CN" altLang="en-US" sz="1400" dirty="0">
+              <a:rPr lang="zh-CN" altLang="en-US" sz="1600" dirty="0">
                 <a:latin typeface="仿宋" panose="02010609060101010101" pitchFamily="49" charset="-122"/>
                 <a:ea typeface="仿宋" panose="02010609060101010101" pitchFamily="49" charset="-122"/>
               </a:rPr>
               <a:t>当前</a:t>
             </a:r>
             <a:r>
-              <a:rPr lang="en-US" altLang="zh-CN" sz="1400" dirty="0">
+              <a:rPr lang="en-US" altLang="zh-CN" sz="1600" dirty="0">
                 <a:latin typeface="仿宋" panose="02010609060101010101" pitchFamily="49" charset="-122"/>
                 <a:ea typeface="仿宋" panose="02010609060101010101" pitchFamily="49" charset="-122"/>
               </a:rPr>
               <a:t>Region</a:t>
             </a:r>
             <a:r>
-              <a:rPr lang="zh-CN" altLang="en-US" sz="1400" dirty="0">
+              <a:rPr lang="zh-CN" altLang="en-US" sz="1600" dirty="0">
                 <a:latin typeface="仿宋" panose="02010609060101010101" pitchFamily="49" charset="-122"/>
                 <a:ea typeface="仿宋" panose="02010609060101010101" pitchFamily="49" charset="-122"/>
               </a:rPr>
               <a:t>中的所有</a:t>
             </a:r>
             <a:r>
-              <a:rPr lang="en-US" altLang="zh-CN" sz="1400" dirty="0" err="1">
+              <a:rPr lang="en-US" altLang="zh-CN" sz="1600" dirty="0" err="1">
                 <a:latin typeface="仿宋" panose="02010609060101010101" pitchFamily="49" charset="-122"/>
                 <a:ea typeface="仿宋" panose="02010609060101010101" pitchFamily="49" charset="-122"/>
               </a:rPr>
               <a:t>Memstore</a:t>
             </a:r>
             <a:r>
-              <a:rPr lang="zh-CN" altLang="en-US" sz="1400" dirty="0">
+              <a:rPr lang="zh-CN" altLang="en-US" sz="1600" dirty="0">
                 <a:latin typeface="仿宋" panose="02010609060101010101" pitchFamily="49" charset="-122"/>
                 <a:ea typeface="仿宋" panose="02010609060101010101" pitchFamily="49" charset="-122"/>
               </a:rPr>
               <a:t>，将</a:t>
             </a:r>
             <a:r>
-              <a:rPr lang="en-US" altLang="zh-CN" sz="1400" dirty="0" err="1">
+              <a:rPr lang="en-US" altLang="zh-CN" sz="1600" dirty="0" err="1">
                 <a:latin typeface="仿宋" panose="02010609060101010101" pitchFamily="49" charset="-122"/>
                 <a:ea typeface="仿宋" panose="02010609060101010101" pitchFamily="49" charset="-122"/>
               </a:rPr>
               <a:t>Memstore</a:t>
             </a:r>
             <a:r>
-              <a:rPr lang="zh-CN" altLang="en-US" sz="1400" dirty="0">
+              <a:rPr lang="zh-CN" altLang="en-US" sz="1600" dirty="0">
                 <a:latin typeface="仿宋" panose="02010609060101010101" pitchFamily="49" charset="-122"/>
                 <a:ea typeface="仿宋" panose="02010609060101010101" pitchFamily="49" charset="-122"/>
               </a:rPr>
               <a:t>中当前数据集</a:t>
             </a:r>
             <a:r>
-              <a:rPr lang="en-US" altLang="zh-CN" sz="1400" dirty="0" err="1">
+              <a:rPr lang="en-US" altLang="zh-CN" sz="1600" dirty="0" err="1">
                 <a:latin typeface="仿宋" panose="02010609060101010101" pitchFamily="49" charset="-122"/>
                 <a:ea typeface="仿宋" panose="02010609060101010101" pitchFamily="49" charset="-122"/>
               </a:rPr>
               <a:t>kvset</a:t>
             </a:r>
             <a:r>
-              <a:rPr lang="zh-CN" altLang="en-US" sz="1400" dirty="0">
+              <a:rPr lang="zh-CN" altLang="en-US" sz="1600" dirty="0">
                 <a:latin typeface="仿宋" panose="02010609060101010101" pitchFamily="49" charset="-122"/>
                 <a:ea typeface="仿宋" panose="02010609060101010101" pitchFamily="49" charset="-122"/>
               </a:rPr>
               <a:t>做一个快照</a:t>
             </a:r>
             <a:r>
-              <a:rPr lang="en-US" altLang="zh-CN" sz="1400" dirty="0">
+              <a:rPr lang="en-US" altLang="zh-CN" sz="1600" dirty="0">
                 <a:latin typeface="仿宋" panose="02010609060101010101" pitchFamily="49" charset="-122"/>
                 <a:ea typeface="仿宋" panose="02010609060101010101" pitchFamily="49" charset="-122"/>
               </a:rPr>
               <a:t>snapshot</a:t>
             </a:r>
             <a:r>
-              <a:rPr lang="zh-CN" altLang="en-US" sz="1400" dirty="0">
+              <a:rPr lang="zh-CN" altLang="en-US" sz="1600" dirty="0">
                 <a:latin typeface="仿宋" panose="02010609060101010101" pitchFamily="49" charset="-122"/>
                 <a:ea typeface="仿宋" panose="02010609060101010101" pitchFamily="49" charset="-122"/>
               </a:rPr>
               <a:t>，然后再新建一个新的</a:t>
             </a:r>
             <a:r>
-              <a:rPr lang="en-US" altLang="zh-CN" sz="1400" dirty="0" err="1">
+              <a:rPr lang="en-US" altLang="zh-CN" sz="1600" dirty="0" err="1">
                 <a:latin typeface="仿宋" panose="02010609060101010101" pitchFamily="49" charset="-122"/>
                 <a:ea typeface="仿宋" panose="02010609060101010101" pitchFamily="49" charset="-122"/>
               </a:rPr>
               <a:t>kvset</a:t>
             </a:r>
             <a:r>
-              <a:rPr lang="zh-CN" altLang="en-US" sz="1400" dirty="0">
+              <a:rPr lang="zh-CN" altLang="en-US" sz="1600" dirty="0">
                 <a:latin typeface="仿宋" panose="02010609060101010101" pitchFamily="49" charset="-122"/>
                 <a:ea typeface="仿宋" panose="02010609060101010101" pitchFamily="49" charset="-122"/>
               </a:rPr>
               <a:t>。后期的所有写入操作都会写入新的</a:t>
             </a:r>
             <a:r>
-              <a:rPr lang="en-US" altLang="zh-CN" sz="1400" dirty="0" err="1">
+              <a:rPr lang="en-US" altLang="zh-CN" sz="1600" dirty="0" err="1">
                 <a:latin typeface="仿宋" panose="02010609060101010101" pitchFamily="49" charset="-122"/>
                 <a:ea typeface="仿宋" panose="02010609060101010101" pitchFamily="49" charset="-122"/>
               </a:rPr>
               <a:t>kvset</a:t>
             </a:r>
             <a:r>
-              <a:rPr lang="zh-CN" altLang="en-US" sz="1400" dirty="0">
+              <a:rPr lang="zh-CN" altLang="en-US" sz="1600" dirty="0">
                 <a:latin typeface="仿宋" panose="02010609060101010101" pitchFamily="49" charset="-122"/>
                 <a:ea typeface="仿宋" panose="02010609060101010101" pitchFamily="49" charset="-122"/>
               </a:rPr>
               <a:t>中，而整个</a:t>
             </a:r>
             <a:r>
-              <a:rPr lang="en-US" altLang="zh-CN" sz="1400" dirty="0">
+              <a:rPr lang="en-US" altLang="zh-CN" sz="1600" dirty="0">
                 <a:latin typeface="仿宋" panose="02010609060101010101" pitchFamily="49" charset="-122"/>
                 <a:ea typeface="仿宋" panose="02010609060101010101" pitchFamily="49" charset="-122"/>
               </a:rPr>
               <a:t>flush</a:t>
             </a:r>
             <a:r>
-              <a:rPr lang="zh-CN" altLang="en-US" sz="1400" dirty="0">
+              <a:rPr lang="zh-CN" altLang="en-US" sz="1600" dirty="0">
                 <a:latin typeface="仿宋" panose="02010609060101010101" pitchFamily="49" charset="-122"/>
                 <a:ea typeface="仿宋" panose="02010609060101010101" pitchFamily="49" charset="-122"/>
               </a:rPr>
               <a:t>阶段读操作会首先分别遍历</a:t>
             </a:r>
             <a:r>
-              <a:rPr lang="en-US" altLang="zh-CN" sz="1400" dirty="0" err="1">
+              <a:rPr lang="en-US" altLang="zh-CN" sz="1600" dirty="0" err="1">
                 <a:latin typeface="仿宋" panose="02010609060101010101" pitchFamily="49" charset="-122"/>
                 <a:ea typeface="仿宋" panose="02010609060101010101" pitchFamily="49" charset="-122"/>
               </a:rPr>
               <a:t>kvset</a:t>
             </a:r>
             <a:r>
-              <a:rPr lang="zh-CN" altLang="en-US" sz="1400" dirty="0">
+              <a:rPr lang="zh-CN" altLang="en-US" sz="1600" dirty="0">
                 <a:latin typeface="仿宋" panose="02010609060101010101" pitchFamily="49" charset="-122"/>
                 <a:ea typeface="仿宋" panose="02010609060101010101" pitchFamily="49" charset="-122"/>
               </a:rPr>
               <a:t>和</a:t>
             </a:r>
             <a:r>
-              <a:rPr lang="en-US" altLang="zh-CN" sz="1400" dirty="0">
+              <a:rPr lang="en-US" altLang="zh-CN" sz="1600" dirty="0">
                 <a:latin typeface="仿宋" panose="02010609060101010101" pitchFamily="49" charset="-122"/>
                 <a:ea typeface="仿宋" panose="02010609060101010101" pitchFamily="49" charset="-122"/>
               </a:rPr>
               <a:t>snapshot</a:t>
             </a:r>
             <a:r>
-              <a:rPr lang="zh-CN" altLang="en-US" sz="1400" dirty="0">
+              <a:rPr lang="zh-CN" altLang="en-US" sz="1600" dirty="0">
                 <a:latin typeface="仿宋" panose="02010609060101010101" pitchFamily="49" charset="-122"/>
                 <a:ea typeface="仿宋" panose="02010609060101010101" pitchFamily="49" charset="-122"/>
               </a:rPr>
               <a:t>，如果查找不到再会到</a:t>
             </a:r>
             <a:r>
-              <a:rPr lang="en-US" altLang="zh-CN" sz="1400" dirty="0" err="1">
+              <a:rPr lang="en-US" altLang="zh-CN" sz="1600" dirty="0" err="1">
                 <a:latin typeface="仿宋" panose="02010609060101010101" pitchFamily="49" charset="-122"/>
                 <a:ea typeface="仿宋" panose="02010609060101010101" pitchFamily="49" charset="-122"/>
               </a:rPr>
               <a:t>HFile</a:t>
             </a:r>
             <a:r>
-              <a:rPr lang="zh-CN" altLang="en-US" sz="1400" dirty="0">
+              <a:rPr lang="zh-CN" altLang="en-US" sz="1600" dirty="0">
                 <a:latin typeface="仿宋" panose="02010609060101010101" pitchFamily="49" charset="-122"/>
                 <a:ea typeface="仿宋" panose="02010609060101010101" pitchFamily="49" charset="-122"/>
               </a:rPr>
               <a:t>中查找。</a:t>
             </a:r>
             <a:r>
-              <a:rPr lang="en-US" altLang="zh-CN" sz="1400" dirty="0">
+              <a:rPr lang="en-US" altLang="zh-CN" sz="1600" dirty="0">
                 <a:latin typeface="仿宋" panose="02010609060101010101" pitchFamily="49" charset="-122"/>
                 <a:ea typeface="仿宋" panose="02010609060101010101" pitchFamily="49" charset="-122"/>
               </a:rPr>
               <a:t>prepare</a:t>
             </a:r>
             <a:r>
-              <a:rPr lang="zh-CN" altLang="en-US" sz="1400" dirty="0">
+              <a:rPr lang="zh-CN" altLang="en-US" sz="1600" dirty="0">
                 <a:latin typeface="仿宋" panose="02010609060101010101" pitchFamily="49" charset="-122"/>
                 <a:ea typeface="仿宋" panose="02010609060101010101" pitchFamily="49" charset="-122"/>
               </a:rPr>
               <a:t>阶段需要加一把</a:t>
             </a:r>
             <a:r>
-              <a:rPr lang="en-US" altLang="zh-CN" sz="1400" dirty="0" err="1">
+              <a:rPr lang="en-US" altLang="zh-CN" sz="1600" dirty="0" err="1">
                 <a:latin typeface="仿宋" panose="02010609060101010101" pitchFamily="49" charset="-122"/>
                 <a:ea typeface="仿宋" panose="02010609060101010101" pitchFamily="49" charset="-122"/>
               </a:rPr>
               <a:t>updateLock</a:t>
             </a:r>
             <a:r>
-              <a:rPr lang="zh-CN" altLang="en-US" sz="1400" dirty="0">
+              <a:rPr lang="zh-CN" altLang="en-US" sz="1600" dirty="0">
                 <a:latin typeface="仿宋" panose="02010609060101010101" pitchFamily="49" charset="-122"/>
                 <a:ea typeface="仿宋" panose="02010609060101010101" pitchFamily="49" charset="-122"/>
               </a:rPr>
               <a:t>对写请求阻塞，结束之后会释放该锁。因为此阶段没有任何费时操作，因此持锁时间很短</a:t>
             </a:r>
             <a:r>
-              <a:rPr lang="zh-CN" altLang="en-US" sz="1400" dirty="0" smtClean="0">
+              <a:rPr lang="zh-CN" altLang="en-US" sz="1600" dirty="0" smtClean="0">
                 <a:latin typeface="仿宋" panose="02010609060101010101" pitchFamily="49" charset="-122"/>
                 <a:ea typeface="仿宋" panose="02010609060101010101" pitchFamily="49" charset="-122"/>
               </a:rPr>
               <a:t>。</a:t>
             </a:r>
             <a:r>
-              <a:rPr lang="en-US" altLang="zh-CN" sz="1400" dirty="0" smtClean="0">
+              <a:rPr lang="en-US" altLang="zh-CN" sz="1600" dirty="0" smtClean="0">
                 <a:latin typeface="仿宋" panose="02010609060101010101" pitchFamily="49" charset="-122"/>
                 <a:ea typeface="仿宋" panose="02010609060101010101" pitchFamily="49" charset="-122"/>
               </a:rPr>
               <a:t>Prepare</a:t>
             </a:r>
             <a:r>
-              <a:rPr lang="zh-CN" altLang="en-US" sz="1400" dirty="0" smtClean="0">
+              <a:rPr lang="zh-CN" altLang="en-US" sz="1600" dirty="0" smtClean="0">
                 <a:latin typeface="仿宋" panose="02010609060101010101" pitchFamily="49" charset="-122"/>
                 <a:ea typeface="仿宋" panose="02010609060101010101" pitchFamily="49" charset="-122"/>
               </a:rPr>
               <a:t>的时候会在</a:t>
             </a:r>
             <a:r>
-              <a:rPr lang="en-US" altLang="zh-CN" sz="1400" dirty="0" smtClean="0">
+              <a:rPr lang="en-US" altLang="zh-CN" sz="1600" dirty="0" smtClean="0">
                 <a:latin typeface="仿宋" panose="02010609060101010101" pitchFamily="49" charset="-122"/>
                 <a:ea typeface="仿宋" panose="02010609060101010101" pitchFamily="49" charset="-122"/>
               </a:rPr>
               <a:t>WAL</a:t>
             </a:r>
             <a:r>
-              <a:rPr lang="zh-CN" altLang="en-US" sz="1400" dirty="0" smtClean="0">
+              <a:rPr lang="zh-CN" altLang="en-US" sz="1600" dirty="0" smtClean="0">
                 <a:latin typeface="仿宋" panose="02010609060101010101" pitchFamily="49" charset="-122"/>
                 <a:ea typeface="仿宋" panose="02010609060101010101" pitchFamily="49" charset="-122"/>
               </a:rPr>
               <a:t>里面写入一个</a:t>
             </a:r>
             <a:r>
-              <a:rPr lang="en-US" altLang="zh-CN" sz="1400" dirty="0" smtClean="0">
+              <a:rPr lang="en-US" altLang="zh-CN" sz="1600" dirty="0" smtClean="0">
                 <a:latin typeface="仿宋" panose="02010609060101010101" pitchFamily="49" charset="-122"/>
                 <a:ea typeface="仿宋" panose="02010609060101010101" pitchFamily="49" charset="-122"/>
               </a:rPr>
               <a:t>Flush</a:t>
             </a:r>
             <a:r>
-              <a:rPr lang="zh-CN" altLang="en-US" sz="1400" dirty="0" smtClean="0">
+              <a:rPr lang="zh-CN" altLang="en-US" sz="1600" dirty="0" smtClean="0">
                 <a:latin typeface="仿宋" panose="02010609060101010101" pitchFamily="49" charset="-122"/>
                 <a:ea typeface="仿宋" panose="02010609060101010101" pitchFamily="49" charset="-122"/>
               </a:rPr>
               <a:t>请求，</a:t>
             </a:r>
             <a:r>
-              <a:rPr lang="en-US" altLang="zh-CN" sz="1400" dirty="0" smtClean="0">
+              <a:rPr lang="en-US" altLang="zh-CN" sz="1600" dirty="0" smtClean="0">
                 <a:latin typeface="仿宋" panose="02010609060101010101" pitchFamily="49" charset="-122"/>
                 <a:ea typeface="仿宋" panose="02010609060101010101" pitchFamily="49" charset="-122"/>
               </a:rPr>
               <a:t>prepare</a:t>
             </a:r>
             <a:r>
-              <a:rPr lang="zh-CN" altLang="en-US" sz="1400" dirty="0" smtClean="0">
+              <a:rPr lang="zh-CN" altLang="en-US" sz="1600" dirty="0" smtClean="0">
                 <a:latin typeface="仿宋" panose="02010609060101010101" pitchFamily="49" charset="-122"/>
                 <a:ea typeface="仿宋" panose="02010609060101010101" pitchFamily="49" charset="-122"/>
               </a:rPr>
               <a:t>成功，就</a:t>
             </a:r>
             <a:r>
-              <a:rPr lang="en-US" altLang="zh-CN" sz="1400" dirty="0" smtClean="0">
+              <a:rPr lang="en-US" altLang="zh-CN" sz="1600" dirty="0" smtClean="0">
                 <a:latin typeface="仿宋" panose="02010609060101010101" pitchFamily="49" charset="-122"/>
                 <a:ea typeface="仿宋" panose="02010609060101010101" pitchFamily="49" charset="-122"/>
               </a:rPr>
               <a:t>sync WAL</a:t>
             </a:r>
             <a:r>
-              <a:rPr lang="zh-CN" altLang="en-US" sz="1400" dirty="0" smtClean="0">
+              <a:rPr lang="zh-CN" altLang="en-US" sz="1600" dirty="0" smtClean="0">
                 <a:latin typeface="仿宋" panose="02010609060101010101" pitchFamily="49" charset="-122"/>
                 <a:ea typeface="仿宋" panose="02010609060101010101" pitchFamily="49" charset="-122"/>
               </a:rPr>
               <a:t>，失败就写入</a:t>
             </a:r>
             <a:r>
-              <a:rPr lang="en-US" altLang="zh-CN" sz="1400" dirty="0" smtClean="0">
+              <a:rPr lang="en-US" altLang="zh-CN" sz="1600" dirty="0" smtClean="0">
                 <a:latin typeface="仿宋" panose="02010609060101010101" pitchFamily="49" charset="-122"/>
                 <a:ea typeface="仿宋" panose="02010609060101010101" pitchFamily="49" charset="-122"/>
               </a:rPr>
               <a:t>abort flush</a:t>
             </a:r>
             <a:r>
-              <a:rPr lang="zh-CN" altLang="en-US" sz="1400" dirty="0" smtClean="0">
+              <a:rPr lang="zh-CN" altLang="en-US" sz="1600" dirty="0" smtClean="0">
                 <a:latin typeface="仿宋" panose="02010609060101010101" pitchFamily="49" charset="-122"/>
                 <a:ea typeface="仿宋" panose="02010609060101010101" pitchFamily="49" charset="-122"/>
               </a:rPr>
               <a:t>请求，期间发生的异常（写</a:t>
             </a:r>
             <a:r>
-              <a:rPr lang="en-US" altLang="zh-CN" sz="1400" dirty="0" smtClean="0">
+              <a:rPr lang="en-US" altLang="zh-CN" sz="1600" dirty="0" smtClean="0">
                 <a:latin typeface="仿宋" panose="02010609060101010101" pitchFamily="49" charset="-122"/>
                 <a:ea typeface="仿宋" panose="02010609060101010101" pitchFamily="49" charset="-122"/>
               </a:rPr>
               <a:t>WAL</a:t>
             </a:r>
             <a:r>
-              <a:rPr lang="zh-CN" altLang="en-US" sz="1400" dirty="0" smtClean="0">
+              <a:rPr lang="zh-CN" altLang="en-US" sz="1600" dirty="0" smtClean="0">
                 <a:latin typeface="仿宋" panose="02010609060101010101" pitchFamily="49" charset="-122"/>
                 <a:ea typeface="仿宋" panose="02010609060101010101" pitchFamily="49" charset="-122"/>
               </a:rPr>
               <a:t>失败）会导致系统异常。</a:t>
             </a:r>
-            <a:endParaRPr lang="zh-CN" altLang="en-US" sz="1400" dirty="0">
+            <a:endParaRPr lang="zh-CN" altLang="en-US" sz="1600" dirty="0">
               <a:latin typeface="仿宋" panose="02010609060101010101" pitchFamily="49" charset="-122"/>
               <a:ea typeface="仿宋" panose="02010609060101010101" pitchFamily="49" charset="-122"/>
             </a:endParaRPr>
@@ -12203,27 +12314,27 @@
               <a:buChar char="l"/>
             </a:pPr>
             <a:r>
-              <a:rPr lang="en-US" altLang="zh-CN" sz="1400" dirty="0">
+              <a:rPr lang="en-US" altLang="zh-CN" sz="1600" dirty="0">
                 <a:latin typeface="仿宋" panose="02010609060101010101" pitchFamily="49" charset="-122"/>
                 <a:ea typeface="仿宋" panose="02010609060101010101" pitchFamily="49" charset="-122"/>
               </a:rPr>
               <a:t>flush</a:t>
             </a:r>
             <a:r>
-              <a:rPr lang="zh-CN" altLang="en-US" sz="1400" dirty="0">
+              <a:rPr lang="zh-CN" altLang="en-US" sz="1600" dirty="0">
                 <a:latin typeface="仿宋" panose="02010609060101010101" pitchFamily="49" charset="-122"/>
                 <a:ea typeface="仿宋" panose="02010609060101010101" pitchFamily="49" charset="-122"/>
               </a:rPr>
               <a:t>阶段</a:t>
             </a:r>
             <a:r>
-              <a:rPr lang="zh-CN" altLang="en-US" sz="1400" dirty="0" smtClean="0">
+              <a:rPr lang="zh-CN" altLang="en-US" sz="1600" dirty="0" smtClean="0">
                 <a:latin typeface="仿宋" panose="02010609060101010101" pitchFamily="49" charset="-122"/>
                 <a:ea typeface="仿宋" panose="02010609060101010101" pitchFamily="49" charset="-122"/>
               </a:rPr>
               <a:t>：</a:t>
             </a:r>
-            <a:endParaRPr lang="en-US" altLang="zh-CN" sz="1400" dirty="0" smtClean="0">
+            <a:endParaRPr lang="en-US" altLang="zh-CN" sz="1600" dirty="0" smtClean="0">
               <a:latin typeface="仿宋" panose="02010609060101010101" pitchFamily="49" charset="-122"/>
               <a:ea typeface="仿宋" panose="02010609060101010101" pitchFamily="49" charset="-122"/>
             </a:endParaRPr>
@@ -12235,91 +12346,91 @@
               </a:lnSpc>
             </a:pPr>
             <a:r>
-              <a:rPr lang="zh-CN" altLang="en-US" sz="1400" dirty="0" smtClean="0">
+              <a:rPr lang="zh-CN" altLang="en-US" sz="1600" dirty="0" smtClean="0">
                 <a:latin typeface="仿宋" panose="02010609060101010101" pitchFamily="49" charset="-122"/>
                 <a:ea typeface="仿宋" panose="02010609060101010101" pitchFamily="49" charset="-122"/>
               </a:rPr>
               <a:t>遍历</a:t>
             </a:r>
             <a:r>
-              <a:rPr lang="zh-CN" altLang="en-US" sz="1400" dirty="0">
+              <a:rPr lang="zh-CN" altLang="en-US" sz="1600" dirty="0">
                 <a:latin typeface="仿宋" panose="02010609060101010101" pitchFamily="49" charset="-122"/>
                 <a:ea typeface="仿宋" panose="02010609060101010101" pitchFamily="49" charset="-122"/>
               </a:rPr>
               <a:t>所有</a:t>
             </a:r>
             <a:r>
-              <a:rPr lang="en-US" altLang="zh-CN" sz="1400" dirty="0" err="1">
+              <a:rPr lang="en-US" altLang="zh-CN" sz="1600" dirty="0" err="1">
                 <a:latin typeface="仿宋" panose="02010609060101010101" pitchFamily="49" charset="-122"/>
                 <a:ea typeface="仿宋" panose="02010609060101010101" pitchFamily="49" charset="-122"/>
               </a:rPr>
               <a:t>Memstore</a:t>
             </a:r>
             <a:r>
-              <a:rPr lang="zh-CN" altLang="en-US" sz="1400" dirty="0">
+              <a:rPr lang="zh-CN" altLang="en-US" sz="1600" dirty="0">
                 <a:latin typeface="仿宋" panose="02010609060101010101" pitchFamily="49" charset="-122"/>
                 <a:ea typeface="仿宋" panose="02010609060101010101" pitchFamily="49" charset="-122"/>
               </a:rPr>
               <a:t>，将</a:t>
             </a:r>
             <a:r>
-              <a:rPr lang="en-US" altLang="zh-CN" sz="1400" dirty="0">
+              <a:rPr lang="en-US" altLang="zh-CN" sz="1600" dirty="0">
                 <a:latin typeface="仿宋" panose="02010609060101010101" pitchFamily="49" charset="-122"/>
                 <a:ea typeface="仿宋" panose="02010609060101010101" pitchFamily="49" charset="-122"/>
               </a:rPr>
               <a:t>prepare</a:t>
             </a:r>
             <a:r>
-              <a:rPr lang="zh-CN" altLang="en-US" sz="1400" dirty="0">
+              <a:rPr lang="zh-CN" altLang="en-US" sz="1600" dirty="0">
                 <a:latin typeface="仿宋" panose="02010609060101010101" pitchFamily="49" charset="-122"/>
                 <a:ea typeface="仿宋" panose="02010609060101010101" pitchFamily="49" charset="-122"/>
               </a:rPr>
               <a:t>阶段生成的</a:t>
             </a:r>
             <a:r>
-              <a:rPr lang="en-US" altLang="zh-CN" sz="1400" dirty="0">
+              <a:rPr lang="en-US" altLang="zh-CN" sz="1600" dirty="0">
                 <a:latin typeface="仿宋" panose="02010609060101010101" pitchFamily="49" charset="-122"/>
                 <a:ea typeface="仿宋" panose="02010609060101010101" pitchFamily="49" charset="-122"/>
               </a:rPr>
               <a:t>snapshot</a:t>
             </a:r>
             <a:r>
-              <a:rPr lang="zh-CN" altLang="en-US" sz="1400" dirty="0">
+              <a:rPr lang="zh-CN" altLang="en-US" sz="1600" dirty="0">
                 <a:latin typeface="仿宋" panose="02010609060101010101" pitchFamily="49" charset="-122"/>
                 <a:ea typeface="仿宋" panose="02010609060101010101" pitchFamily="49" charset="-122"/>
               </a:rPr>
               <a:t>持久化为临时文件，临时文件会统一放到目录</a:t>
             </a:r>
             <a:r>
-              <a:rPr lang="en-US" altLang="zh-CN" sz="1400" dirty="0">
+              <a:rPr lang="en-US" altLang="zh-CN" sz="1600" dirty="0">
                 <a:latin typeface="仿宋" panose="02010609060101010101" pitchFamily="49" charset="-122"/>
                 <a:ea typeface="仿宋" panose="02010609060101010101" pitchFamily="49" charset="-122"/>
               </a:rPr>
               <a:t>.</a:t>
             </a:r>
             <a:r>
-              <a:rPr lang="en-US" altLang="zh-CN" sz="1400" dirty="0" err="1">
+              <a:rPr lang="en-US" altLang="zh-CN" sz="1600" dirty="0" err="1">
                 <a:latin typeface="仿宋" panose="02010609060101010101" pitchFamily="49" charset="-122"/>
                 <a:ea typeface="仿宋" panose="02010609060101010101" pitchFamily="49" charset="-122"/>
               </a:rPr>
               <a:t>tmp</a:t>
             </a:r>
             <a:r>
-              <a:rPr lang="zh-CN" altLang="en-US" sz="1400" dirty="0">
+              <a:rPr lang="zh-CN" altLang="en-US" sz="1600" dirty="0">
                 <a:latin typeface="仿宋" panose="02010609060101010101" pitchFamily="49" charset="-122"/>
                 <a:ea typeface="仿宋" panose="02010609060101010101" pitchFamily="49" charset="-122"/>
               </a:rPr>
               <a:t>下。这个过程因为涉及到磁盘</a:t>
             </a:r>
             <a:r>
-              <a:rPr lang="en-US" altLang="zh-CN" sz="1400" dirty="0">
+              <a:rPr lang="en-US" altLang="zh-CN" sz="1600" dirty="0">
                 <a:latin typeface="仿宋" panose="02010609060101010101" pitchFamily="49" charset="-122"/>
                 <a:ea typeface="仿宋" panose="02010609060101010101" pitchFamily="49" charset="-122"/>
               </a:rPr>
               <a:t>IO</a:t>
             </a:r>
             <a:r>
-              <a:rPr lang="zh-CN" altLang="en-US" sz="1400" dirty="0">
+              <a:rPr lang="zh-CN" altLang="en-US" sz="1600" dirty="0">
                 <a:latin typeface="仿宋" panose="02010609060101010101" pitchFamily="49" charset="-122"/>
                 <a:ea typeface="仿宋" panose="02010609060101010101" pitchFamily="49" charset="-122"/>
               </a:rPr>
@@ -12335,27 +12446,27 @@
               <a:buChar char="l"/>
             </a:pPr>
             <a:r>
-              <a:rPr lang="en-US" altLang="zh-CN" sz="1400" dirty="0">
+              <a:rPr lang="en-US" altLang="zh-CN" sz="1600" dirty="0">
                 <a:latin typeface="仿宋" panose="02010609060101010101" pitchFamily="49" charset="-122"/>
                 <a:ea typeface="仿宋" panose="02010609060101010101" pitchFamily="49" charset="-122"/>
               </a:rPr>
               <a:t>commit</a:t>
             </a:r>
             <a:r>
-              <a:rPr lang="zh-CN" altLang="en-US" sz="1400" dirty="0">
+              <a:rPr lang="zh-CN" altLang="en-US" sz="1600" dirty="0">
                 <a:latin typeface="仿宋" panose="02010609060101010101" pitchFamily="49" charset="-122"/>
                 <a:ea typeface="仿宋" panose="02010609060101010101" pitchFamily="49" charset="-122"/>
               </a:rPr>
               <a:t>阶段</a:t>
             </a:r>
             <a:r>
-              <a:rPr lang="zh-CN" altLang="en-US" sz="1400" dirty="0" smtClean="0">
+              <a:rPr lang="zh-CN" altLang="en-US" sz="1600" dirty="0" smtClean="0">
                 <a:latin typeface="仿宋" panose="02010609060101010101" pitchFamily="49" charset="-122"/>
                 <a:ea typeface="仿宋" panose="02010609060101010101" pitchFamily="49" charset="-122"/>
               </a:rPr>
               <a:t>：</a:t>
             </a:r>
-            <a:endParaRPr lang="en-US" altLang="zh-CN" sz="1400" dirty="0" smtClean="0">
+            <a:endParaRPr lang="en-US" altLang="zh-CN" sz="1600" dirty="0" smtClean="0">
               <a:latin typeface="仿宋" panose="02010609060101010101" pitchFamily="49" charset="-122"/>
               <a:ea typeface="仿宋" panose="02010609060101010101" pitchFamily="49" charset="-122"/>
             </a:endParaRPr>
@@ -12367,168 +12478,168 @@
               </a:lnSpc>
             </a:pPr>
             <a:r>
-              <a:rPr lang="zh-CN" altLang="en-US" sz="1400" dirty="0" smtClean="0">
+              <a:rPr lang="zh-CN" altLang="en-US" sz="1600" dirty="0" smtClean="0">
                 <a:latin typeface="仿宋" panose="02010609060101010101" pitchFamily="49" charset="-122"/>
                 <a:ea typeface="仿宋" panose="02010609060101010101" pitchFamily="49" charset="-122"/>
               </a:rPr>
               <a:t>遍历</a:t>
             </a:r>
             <a:r>
-              <a:rPr lang="zh-CN" altLang="en-US" sz="1400" dirty="0">
+              <a:rPr lang="zh-CN" altLang="en-US" sz="1600" dirty="0">
                 <a:latin typeface="仿宋" panose="02010609060101010101" pitchFamily="49" charset="-122"/>
                 <a:ea typeface="仿宋" panose="02010609060101010101" pitchFamily="49" charset="-122"/>
               </a:rPr>
               <a:t>所有的</a:t>
             </a:r>
             <a:r>
-              <a:rPr lang="en-US" altLang="zh-CN" sz="1400" dirty="0" err="1">
+              <a:rPr lang="en-US" altLang="zh-CN" sz="1600" dirty="0" err="1">
                 <a:latin typeface="仿宋" panose="02010609060101010101" pitchFamily="49" charset="-122"/>
                 <a:ea typeface="仿宋" panose="02010609060101010101" pitchFamily="49" charset="-122"/>
               </a:rPr>
               <a:t>Memstore</a:t>
             </a:r>
             <a:r>
-              <a:rPr lang="zh-CN" altLang="en-US" sz="1400" dirty="0">
+              <a:rPr lang="zh-CN" altLang="en-US" sz="1600" dirty="0">
                 <a:latin typeface="仿宋" panose="02010609060101010101" pitchFamily="49" charset="-122"/>
                 <a:ea typeface="仿宋" panose="02010609060101010101" pitchFamily="49" charset="-122"/>
               </a:rPr>
               <a:t>，将</a:t>
             </a:r>
             <a:r>
-              <a:rPr lang="en-US" altLang="zh-CN" sz="1400" dirty="0">
+              <a:rPr lang="en-US" altLang="zh-CN" sz="1600" dirty="0">
                 <a:latin typeface="仿宋" panose="02010609060101010101" pitchFamily="49" charset="-122"/>
                 <a:ea typeface="仿宋" panose="02010609060101010101" pitchFamily="49" charset="-122"/>
               </a:rPr>
               <a:t>flush</a:t>
             </a:r>
             <a:r>
-              <a:rPr lang="zh-CN" altLang="en-US" sz="1400" dirty="0">
+              <a:rPr lang="zh-CN" altLang="en-US" sz="1600" dirty="0">
                 <a:latin typeface="仿宋" panose="02010609060101010101" pitchFamily="49" charset="-122"/>
                 <a:ea typeface="仿宋" panose="02010609060101010101" pitchFamily="49" charset="-122"/>
               </a:rPr>
               <a:t>阶段生成的临时文件移到指定的</a:t>
             </a:r>
             <a:r>
-              <a:rPr lang="en-US" altLang="zh-CN" sz="1400" dirty="0" err="1">
+              <a:rPr lang="en-US" altLang="zh-CN" sz="1600" dirty="0" err="1">
                 <a:latin typeface="仿宋" panose="02010609060101010101" pitchFamily="49" charset="-122"/>
                 <a:ea typeface="仿宋" panose="02010609060101010101" pitchFamily="49" charset="-122"/>
               </a:rPr>
               <a:t>ColumnFamily</a:t>
             </a:r>
             <a:r>
-              <a:rPr lang="zh-CN" altLang="en-US" sz="1400" dirty="0">
+              <a:rPr lang="zh-CN" altLang="en-US" sz="1600" dirty="0">
                 <a:latin typeface="仿宋" panose="02010609060101010101" pitchFamily="49" charset="-122"/>
                 <a:ea typeface="仿宋" panose="02010609060101010101" pitchFamily="49" charset="-122"/>
               </a:rPr>
               <a:t>目录下，针对</a:t>
             </a:r>
             <a:r>
-              <a:rPr lang="en-US" altLang="zh-CN" sz="1400" dirty="0" err="1">
+              <a:rPr lang="en-US" altLang="zh-CN" sz="1600" dirty="0" err="1">
                 <a:latin typeface="仿宋" panose="02010609060101010101" pitchFamily="49" charset="-122"/>
                 <a:ea typeface="仿宋" panose="02010609060101010101" pitchFamily="49" charset="-122"/>
               </a:rPr>
               <a:t>HFile</a:t>
             </a:r>
             <a:r>
-              <a:rPr lang="zh-CN" altLang="en-US" sz="1400" dirty="0">
+              <a:rPr lang="zh-CN" altLang="en-US" sz="1600" dirty="0">
                 <a:latin typeface="仿宋" panose="02010609060101010101" pitchFamily="49" charset="-122"/>
                 <a:ea typeface="仿宋" panose="02010609060101010101" pitchFamily="49" charset="-122"/>
               </a:rPr>
               <a:t>生成对应的</a:t>
             </a:r>
             <a:r>
-              <a:rPr lang="en-US" altLang="zh-CN" sz="1400" dirty="0" err="1">
+              <a:rPr lang="en-US" altLang="zh-CN" sz="1600" dirty="0" err="1">
                 <a:latin typeface="仿宋" panose="02010609060101010101" pitchFamily="49" charset="-122"/>
                 <a:ea typeface="仿宋" panose="02010609060101010101" pitchFamily="49" charset="-122"/>
               </a:rPr>
               <a:t>storefile</a:t>
             </a:r>
             <a:r>
-              <a:rPr lang="zh-CN" altLang="en-US" sz="1400" dirty="0">
+              <a:rPr lang="zh-CN" altLang="en-US" sz="1600" dirty="0">
                 <a:latin typeface="仿宋" panose="02010609060101010101" pitchFamily="49" charset="-122"/>
                 <a:ea typeface="仿宋" panose="02010609060101010101" pitchFamily="49" charset="-122"/>
               </a:rPr>
               <a:t>和</a:t>
             </a:r>
             <a:r>
-              <a:rPr lang="en-US" altLang="zh-CN" sz="1400" dirty="0">
+              <a:rPr lang="en-US" altLang="zh-CN" sz="1600" dirty="0">
                 <a:latin typeface="仿宋" panose="02010609060101010101" pitchFamily="49" charset="-122"/>
                 <a:ea typeface="仿宋" panose="02010609060101010101" pitchFamily="49" charset="-122"/>
               </a:rPr>
               <a:t>Reader</a:t>
             </a:r>
             <a:r>
-              <a:rPr lang="zh-CN" altLang="en-US" sz="1400" dirty="0">
+              <a:rPr lang="zh-CN" altLang="en-US" sz="1600" dirty="0">
                 <a:latin typeface="仿宋" panose="02010609060101010101" pitchFamily="49" charset="-122"/>
                 <a:ea typeface="仿宋" panose="02010609060101010101" pitchFamily="49" charset="-122"/>
               </a:rPr>
               <a:t>，把</a:t>
             </a:r>
             <a:r>
-              <a:rPr lang="en-US" altLang="zh-CN" sz="1400" dirty="0" err="1">
+              <a:rPr lang="en-US" altLang="zh-CN" sz="1600" dirty="0" err="1">
                 <a:latin typeface="仿宋" panose="02010609060101010101" pitchFamily="49" charset="-122"/>
                 <a:ea typeface="仿宋" panose="02010609060101010101" pitchFamily="49" charset="-122"/>
               </a:rPr>
               <a:t>storefile</a:t>
             </a:r>
             <a:r>
-              <a:rPr lang="zh-CN" altLang="en-US" sz="1400" dirty="0">
+              <a:rPr lang="zh-CN" altLang="en-US" sz="1600" dirty="0">
                 <a:latin typeface="仿宋" panose="02010609060101010101" pitchFamily="49" charset="-122"/>
                 <a:ea typeface="仿宋" panose="02010609060101010101" pitchFamily="49" charset="-122"/>
               </a:rPr>
               <a:t>添加到</a:t>
             </a:r>
             <a:r>
-              <a:rPr lang="en-US" altLang="zh-CN" sz="1400" dirty="0" err="1">
+              <a:rPr lang="en-US" altLang="zh-CN" sz="1600" dirty="0" err="1">
                 <a:latin typeface="仿宋" panose="02010609060101010101" pitchFamily="49" charset="-122"/>
                 <a:ea typeface="仿宋" panose="02010609060101010101" pitchFamily="49" charset="-122"/>
               </a:rPr>
               <a:t>HStore</a:t>
             </a:r>
             <a:r>
-              <a:rPr lang="zh-CN" altLang="en-US" sz="1400" dirty="0">
+              <a:rPr lang="zh-CN" altLang="en-US" sz="1600" dirty="0">
                 <a:latin typeface="仿宋" panose="02010609060101010101" pitchFamily="49" charset="-122"/>
                 <a:ea typeface="仿宋" panose="02010609060101010101" pitchFamily="49" charset="-122"/>
               </a:rPr>
               <a:t>的</a:t>
             </a:r>
             <a:r>
-              <a:rPr lang="en-US" altLang="zh-CN" sz="1400" dirty="0" err="1">
+              <a:rPr lang="en-US" altLang="zh-CN" sz="1600" dirty="0" err="1">
                 <a:latin typeface="仿宋" panose="02010609060101010101" pitchFamily="49" charset="-122"/>
                 <a:ea typeface="仿宋" panose="02010609060101010101" pitchFamily="49" charset="-122"/>
               </a:rPr>
               <a:t>storefiles</a:t>
             </a:r>
             <a:r>
-              <a:rPr lang="zh-CN" altLang="en-US" sz="1400" dirty="0">
+              <a:rPr lang="zh-CN" altLang="en-US" sz="1600" dirty="0">
                 <a:latin typeface="仿宋" panose="02010609060101010101" pitchFamily="49" charset="-122"/>
                 <a:ea typeface="仿宋" panose="02010609060101010101" pitchFamily="49" charset="-122"/>
               </a:rPr>
               <a:t>列表中，最后再清空</a:t>
             </a:r>
             <a:r>
-              <a:rPr lang="en-US" altLang="zh-CN" sz="1400" dirty="0">
+              <a:rPr lang="en-US" altLang="zh-CN" sz="1600" dirty="0">
                 <a:latin typeface="仿宋" panose="02010609060101010101" pitchFamily="49" charset="-122"/>
                 <a:ea typeface="仿宋" panose="02010609060101010101" pitchFamily="49" charset="-122"/>
               </a:rPr>
               <a:t>prepare</a:t>
             </a:r>
             <a:r>
-              <a:rPr lang="zh-CN" altLang="en-US" sz="1400" dirty="0">
+              <a:rPr lang="zh-CN" altLang="en-US" sz="1600" dirty="0">
                 <a:latin typeface="仿宋" panose="02010609060101010101" pitchFamily="49" charset="-122"/>
                 <a:ea typeface="仿宋" panose="02010609060101010101" pitchFamily="49" charset="-122"/>
               </a:rPr>
               <a:t>阶段生成的</a:t>
             </a:r>
             <a:r>
-              <a:rPr lang="en-US" altLang="zh-CN" sz="1400" dirty="0">
+              <a:rPr lang="en-US" altLang="zh-CN" sz="1600" dirty="0">
                 <a:latin typeface="仿宋" panose="02010609060101010101" pitchFamily="49" charset="-122"/>
                 <a:ea typeface="仿宋" panose="02010609060101010101" pitchFamily="49" charset="-122"/>
               </a:rPr>
               <a:t>snapshot</a:t>
             </a:r>
             <a:r>
-              <a:rPr lang="zh-CN" altLang="en-US" sz="1400" dirty="0">
+              <a:rPr lang="zh-CN" altLang="en-US" sz="1600" dirty="0">
                 <a:latin typeface="仿宋" panose="02010609060101010101" pitchFamily="49" charset="-122"/>
                 <a:ea typeface="仿宋" panose="02010609060101010101" pitchFamily="49" charset="-122"/>
               </a:rPr>
@@ -19297,7 +19408,7 @@
         </p:spPr>
         <p:txBody>
           <a:bodyPr vert="horz" lIns="91440" tIns="45720" rIns="91440" bIns="45720" rtlCol="0">
-            <a:normAutofit fontScale="77500" lnSpcReduction="20000"/>
+            <a:normAutofit fontScale="62500" lnSpcReduction="20000"/>
           </a:bodyPr>
           <a:lstStyle>
             <a:lvl1pPr marL="228600" indent="-228600" algn="l" defTabSz="914400" rtl="0" eaLnBrk="1" latinLnBrk="0" hangingPunct="1">
@@ -19505,11 +19616,9 @@
               <a:defRPr/>
             </a:pPr>
             <a:r>
-              <a:rPr lang="zh-CN" altLang="en-US" sz="2400" dirty="0">
+              <a:rPr lang="zh-CN" altLang="en-US" sz="2600" dirty="0">
                 <a:solidFill>
-                  <a:schemeClr val="accent2">
-                    <a:lumMod val="75000"/>
-                  </a:schemeClr>
+                  <a:srgbClr val="00B0F0"/>
                 </a:solidFill>
                 <a:latin typeface="微软雅黑" panose="020B0503020204020204" pitchFamily="34" charset="-122"/>
                 <a:ea typeface="微软雅黑" panose="020B0503020204020204" pitchFamily="34" charset="-122"/>
@@ -19518,11 +19627,9 @@
               <a:t>表</a:t>
             </a:r>
             <a:r>
-              <a:rPr lang="en-US" altLang="zh-CN" sz="2400" dirty="0">
+              <a:rPr lang="en-US" altLang="zh-CN" sz="2600" dirty="0">
                 <a:solidFill>
-                  <a:schemeClr val="accent2">
-                    <a:lumMod val="75000"/>
-                  </a:schemeClr>
+                  <a:srgbClr val="00B0F0"/>
                 </a:solidFill>
                 <a:latin typeface="微软雅黑" panose="020B0503020204020204" pitchFamily="34" charset="-122"/>
                 <a:ea typeface="微软雅黑" panose="020B0503020204020204" pitchFamily="34" charset="-122"/>
@@ -19531,154 +19638,143 @@
               <a:t>(Table): </a:t>
             </a:r>
             <a:r>
-              <a:rPr lang="en-US" altLang="zh-CN" sz="1800" dirty="0" err="1" smtClean="0">
+              <a:rPr lang="en-US" altLang="zh-CN" sz="2600" b="1" dirty="0" err="1" smtClean="0">
                 <a:solidFill>
                   <a:prstClr val="black">
                     <a:lumMod val="75000"/>
                     <a:lumOff val="25000"/>
                   </a:prstClr>
                 </a:solidFill>
-                <a:latin typeface="微软雅黑" panose="020B0503020204020204" pitchFamily="34" charset="-122"/>
-                <a:ea typeface="微软雅黑" panose="020B0503020204020204" pitchFamily="34" charset="-122"/>
+                <a:latin typeface="+mn-ea"/>
                 <a:cs typeface="Segoe UI" panose="020B0502040204020203" pitchFamily="34" charset="0"/>
               </a:rPr>
               <a:t>HBase</a:t>
             </a:r>
             <a:r>
-              <a:rPr lang="zh-CN" altLang="en-US" sz="1800" dirty="0" smtClean="0">
+              <a:rPr lang="zh-CN" altLang="en-US" sz="2600" b="1" dirty="0" smtClean="0">
                 <a:solidFill>
                   <a:prstClr val="black">
                     <a:lumMod val="75000"/>
                     <a:lumOff val="25000"/>
                   </a:prstClr>
                 </a:solidFill>
-                <a:latin typeface="微软雅黑" panose="020B0503020204020204" pitchFamily="34" charset="-122"/>
-                <a:ea typeface="微软雅黑" panose="020B0503020204020204" pitchFamily="34" charset="-122"/>
+                <a:latin typeface="+mn-ea"/>
                 <a:cs typeface="Segoe UI" panose="020B0502040204020203" pitchFamily="34" charset="0"/>
               </a:rPr>
               <a:t>将</a:t>
             </a:r>
             <a:r>
-              <a:rPr lang="zh-CN" altLang="en-US" sz="1800" dirty="0">
+              <a:rPr lang="zh-CN" altLang="en-US" sz="2600" b="1" dirty="0">
                 <a:solidFill>
                   <a:prstClr val="black">
                     <a:lumMod val="75000"/>
                     <a:lumOff val="25000"/>
                   </a:prstClr>
                 </a:solidFill>
-                <a:latin typeface="微软雅黑" panose="020B0503020204020204" pitchFamily="34" charset="-122"/>
-                <a:ea typeface="微软雅黑" panose="020B0503020204020204" pitchFamily="34" charset="-122"/>
+                <a:latin typeface="+mn-ea"/>
                 <a:cs typeface="Segoe UI" panose="020B0502040204020203" pitchFamily="34" charset="0"/>
               </a:rPr>
               <a:t>数据组织进一张张的表里面</a:t>
             </a:r>
             <a:r>
-              <a:rPr lang="zh-CN" altLang="en-US" sz="1800" dirty="0" smtClean="0">
+              <a:rPr lang="zh-CN" altLang="en-US" sz="2600" b="1" dirty="0" smtClean="0">
                 <a:solidFill>
                   <a:prstClr val="black">
                     <a:lumMod val="75000"/>
                     <a:lumOff val="25000"/>
                   </a:prstClr>
                 </a:solidFill>
-                <a:latin typeface="微软雅黑" panose="020B0503020204020204" pitchFamily="34" charset="-122"/>
-                <a:ea typeface="微软雅黑" panose="020B0503020204020204" pitchFamily="34" charset="-122"/>
+                <a:latin typeface="+mn-ea"/>
                 <a:cs typeface="Segoe UI" panose="020B0502040204020203" pitchFamily="34" charset="0"/>
               </a:rPr>
               <a:t>，表</a:t>
             </a:r>
             <a:r>
-              <a:rPr lang="zh-CN" altLang="en-US" sz="1800" dirty="0">
+              <a:rPr lang="zh-CN" altLang="en-US" sz="2600" b="1" dirty="0">
                 <a:solidFill>
                   <a:prstClr val="black">
                     <a:lumMod val="75000"/>
                     <a:lumOff val="25000"/>
                   </a:prstClr>
                 </a:solidFill>
-                <a:latin typeface="微软雅黑" panose="020B0503020204020204" pitchFamily="34" charset="-122"/>
-                <a:ea typeface="微软雅黑" panose="020B0503020204020204" pitchFamily="34" charset="-122"/>
+                <a:latin typeface="+mn-ea"/>
                 <a:cs typeface="Segoe UI" panose="020B0502040204020203" pitchFamily="34" charset="0"/>
               </a:rPr>
               <a:t>名必须是能用在文件路径里的合法名字，因为</a:t>
             </a:r>
             <a:r>
-              <a:rPr lang="en-US" altLang="zh-CN" sz="1800" dirty="0" err="1">
+              <a:rPr lang="en-US" altLang="zh-CN" sz="2600" b="1" dirty="0" err="1">
                 <a:solidFill>
                   <a:prstClr val="black">
                     <a:lumMod val="75000"/>
                     <a:lumOff val="25000"/>
                   </a:prstClr>
                 </a:solidFill>
-                <a:latin typeface="微软雅黑" panose="020B0503020204020204" pitchFamily="34" charset="-122"/>
-                <a:ea typeface="微软雅黑" panose="020B0503020204020204" pitchFamily="34" charset="-122"/>
+                <a:latin typeface="+mn-ea"/>
                 <a:cs typeface="Segoe UI" panose="020B0502040204020203" pitchFamily="34" charset="0"/>
               </a:rPr>
               <a:t>HBase</a:t>
             </a:r>
             <a:r>
-              <a:rPr lang="zh-CN" altLang="en-US" sz="1800" dirty="0">
+              <a:rPr lang="zh-CN" altLang="en-US" sz="2600" b="1" dirty="0">
                 <a:solidFill>
                   <a:prstClr val="black">
                     <a:lumMod val="75000"/>
                     <a:lumOff val="25000"/>
                   </a:prstClr>
                 </a:solidFill>
-                <a:latin typeface="微软雅黑" panose="020B0503020204020204" pitchFamily="34" charset="-122"/>
-                <a:ea typeface="微软雅黑" panose="020B0503020204020204" pitchFamily="34" charset="-122"/>
+                <a:latin typeface="+mn-ea"/>
                 <a:cs typeface="Segoe UI" panose="020B0502040204020203" pitchFamily="34" charset="0"/>
               </a:rPr>
               <a:t>的表是映射成</a:t>
             </a:r>
             <a:r>
-              <a:rPr lang="en-US" altLang="zh-CN" sz="1800" dirty="0" err="1">
+              <a:rPr lang="en-US" altLang="zh-CN" sz="2600" b="1" dirty="0" err="1">
                 <a:solidFill>
                   <a:prstClr val="black">
                     <a:lumMod val="75000"/>
                     <a:lumOff val="25000"/>
                   </a:prstClr>
                 </a:solidFill>
-                <a:latin typeface="微软雅黑" panose="020B0503020204020204" pitchFamily="34" charset="-122"/>
-                <a:ea typeface="微软雅黑" panose="020B0503020204020204" pitchFamily="34" charset="-122"/>
+                <a:latin typeface="+mn-ea"/>
                 <a:cs typeface="Segoe UI" panose="020B0502040204020203" pitchFamily="34" charset="0"/>
               </a:rPr>
               <a:t>hdfs</a:t>
             </a:r>
             <a:r>
-              <a:rPr lang="zh-CN" altLang="en-US" sz="1800" dirty="0">
+              <a:rPr lang="zh-CN" altLang="en-US" sz="2600" b="1" dirty="0">
                 <a:solidFill>
                   <a:prstClr val="black">
                     <a:lumMod val="75000"/>
                     <a:lumOff val="25000"/>
                   </a:prstClr>
                 </a:solidFill>
-                <a:latin typeface="微软雅黑" panose="020B0503020204020204" pitchFamily="34" charset="-122"/>
-                <a:ea typeface="微软雅黑" panose="020B0503020204020204" pitchFamily="34" charset="-122"/>
+                <a:latin typeface="+mn-ea"/>
                 <a:cs typeface="Segoe UI" panose="020B0502040204020203" pitchFamily="34" charset="0"/>
               </a:rPr>
               <a:t>上面的文件</a:t>
             </a:r>
             <a:r>
-              <a:rPr lang="zh-CN" altLang="en-US" sz="1800" dirty="0" smtClean="0">
+              <a:rPr lang="zh-CN" altLang="en-US" sz="2600" b="1" dirty="0" smtClean="0">
                 <a:solidFill>
                   <a:prstClr val="black">
                     <a:lumMod val="75000"/>
                     <a:lumOff val="25000"/>
                   </a:prstClr>
                 </a:solidFill>
-                <a:latin typeface="微软雅黑" panose="020B0503020204020204" pitchFamily="34" charset="-122"/>
-                <a:ea typeface="微软雅黑" panose="020B0503020204020204" pitchFamily="34" charset="-122"/>
+                <a:latin typeface="+mn-ea"/>
                 <a:cs typeface="Segoe UI" panose="020B0502040204020203" pitchFamily="34" charset="0"/>
               </a:rPr>
               <a:t>。</a:t>
             </a:r>
-            <a:endParaRPr lang="zh-CN" altLang="en-US" sz="1800" dirty="0">
+            <a:endParaRPr lang="zh-CN" altLang="en-US" sz="2600" b="1" dirty="0">
               <a:solidFill>
                 <a:prstClr val="black">
                   <a:lumMod val="75000"/>
                   <a:lumOff val="25000"/>
                 </a:prstClr>
               </a:solidFill>
-              <a:latin typeface="微软雅黑" panose="020B0503020204020204" pitchFamily="34" charset="-122"/>
-              <a:ea typeface="微软雅黑" panose="020B0503020204020204" pitchFamily="34" charset="-122"/>
+              <a:latin typeface="+mn-ea"/>
               <a:cs typeface="Segoe UI"/>
             </a:endParaRPr>
           </a:p>
@@ -20223,7 +20319,7 @@
         <p:spPr>
           <a:xfrm>
             <a:off x="1046465" y="2902784"/>
-            <a:ext cx="10794932" cy="830997"/>
+            <a:ext cx="10794932" cy="819455"/>
           </a:xfrm>
           <a:prstGeom prst="rect">
             <a:avLst/>
@@ -20243,12 +20339,18 @@
             <a:r>
               <a:rPr lang="zh-CN" altLang="en-US" dirty="0" smtClean="0">
                 <a:solidFill>
-                  <a:schemeClr val="accent2">
-                    <a:lumMod val="75000"/>
-                  </a:schemeClr>
+                  <a:srgbClr val="00B0F0"/>
                 </a:solidFill>
               </a:rPr>
               <a:t>行</a:t>
+            </a:r>
+            <a:r>
+              <a:rPr lang="en-US" altLang="zh-CN" dirty="0">
+                <a:solidFill>
+                  <a:srgbClr val="00B0F0"/>
+                </a:solidFill>
+              </a:rPr>
+              <a:t>(Row</a:t>
             </a:r>
             <a:r>
               <a:rPr lang="en-US" altLang="zh-CN" dirty="0">
@@ -20258,53 +20360,87 @@
                   </a:schemeClr>
                 </a:solidFill>
               </a:rPr>
-              <a:t>(Row): </a:t>
-            </a:r>
-            <a:r>
-              <a:rPr lang="zh-CN" altLang="en-US" sz="1400" dirty="0"/>
+              <a:t>):</a:t>
+            </a:r>
+            <a:r>
+              <a:rPr lang="en-US" altLang="zh-CN" sz="1600" b="1" dirty="0">
+                <a:solidFill>
+                  <a:schemeClr val="accent2">
+                    <a:lumMod val="75000"/>
+                  </a:schemeClr>
+                </a:solidFill>
+              </a:rPr>
+              <a:t> </a:t>
+            </a:r>
+            <a:r>
+              <a:rPr lang="zh-CN" altLang="en-US" sz="1600" b="1" dirty="0">
+                <a:latin typeface="+mn-ea"/>
+              </a:rPr>
               <a:t>在表里面，每一行代表着一个数据对象，每</a:t>
             </a:r>
             <a:r>
-              <a:rPr lang="zh-CN" altLang="en-US" sz="1400" dirty="0" smtClean="0"/>
+              <a:rPr lang="zh-CN" altLang="en-US" sz="1600" b="1" dirty="0" smtClean="0">
+                <a:latin typeface="+mn-ea"/>
+              </a:rPr>
               <a:t>一行以</a:t>
             </a:r>
             <a:r>
-              <a:rPr lang="zh-CN" altLang="en-US" sz="1400" dirty="0"/>
+              <a:rPr lang="zh-CN" altLang="en-US" sz="1600" b="1" dirty="0">
+                <a:latin typeface="+mn-ea"/>
+              </a:rPr>
               <a:t>一个行键（</a:t>
             </a:r>
             <a:r>
-              <a:rPr lang="en-US" altLang="zh-CN" sz="1400" dirty="0"/>
+              <a:rPr lang="en-US" altLang="zh-CN" sz="1600" b="1" dirty="0">
+                <a:latin typeface="+mn-ea"/>
+              </a:rPr>
               <a:t>Row Key</a:t>
             </a:r>
             <a:r>
-              <a:rPr lang="zh-CN" altLang="en-US" sz="1400" dirty="0"/>
+              <a:rPr lang="zh-CN" altLang="en-US" sz="1600" b="1" dirty="0">
+                <a:latin typeface="+mn-ea"/>
+              </a:rPr>
               <a:t>）来进行唯一标识的，行</a:t>
             </a:r>
             <a:r>
-              <a:rPr lang="zh-CN" altLang="en-US" sz="1400" dirty="0" smtClean="0"/>
+              <a:rPr lang="zh-CN" altLang="en-US" sz="1600" b="1" dirty="0" smtClean="0">
+                <a:latin typeface="+mn-ea"/>
+              </a:rPr>
               <a:t>键以</a:t>
             </a:r>
             <a:r>
-              <a:rPr lang="zh-CN" altLang="en-US" sz="1400" dirty="0"/>
+              <a:rPr lang="zh-CN" altLang="en-US" sz="1600" b="1" dirty="0">
+                <a:latin typeface="+mn-ea"/>
+              </a:rPr>
               <a:t>二进制的字节来</a:t>
             </a:r>
             <a:r>
-              <a:rPr lang="zh-CN" altLang="en-US" sz="1400" dirty="0" smtClean="0"/>
+              <a:rPr lang="zh-CN" altLang="en-US" sz="1600" b="1" dirty="0" smtClean="0">
+                <a:latin typeface="+mn-ea"/>
+              </a:rPr>
               <a:t>存储</a:t>
             </a:r>
             <a:r>
-              <a:rPr lang="en-US" altLang="zh-CN" sz="1400" dirty="0" smtClean="0"/>
+              <a:rPr lang="en-US" altLang="zh-CN" sz="1600" b="1" dirty="0" smtClean="0">
+                <a:latin typeface="+mn-ea"/>
+              </a:rPr>
               <a:t>,</a:t>
             </a:r>
             <a:r>
-              <a:rPr lang="en-US" altLang="zh-CN" sz="1400" dirty="0" err="1" smtClean="0"/>
+              <a:rPr lang="en-US" altLang="zh-CN" sz="1600" b="1" dirty="0" err="1" smtClean="0">
+                <a:latin typeface="+mn-ea"/>
+              </a:rPr>
               <a:t>Hbase</a:t>
             </a:r>
             <a:r>
-              <a:rPr lang="zh-CN" altLang="en-US" sz="1400" dirty="0" smtClean="0"/>
+              <a:rPr lang="zh-CN" altLang="en-US" sz="1600" b="1" dirty="0" smtClean="0">
+                <a:latin typeface="+mn-ea"/>
+              </a:rPr>
               <a:t>的键值是按照字典顺序来排序的。</a:t>
             </a:r>
-            <a:endParaRPr lang="zh-CN" altLang="en-US" sz="1400" dirty="0"/>
+            <a:endParaRPr lang="zh-CN" altLang="en-US" sz="1600" b="1" dirty="0">
+              <a:latin typeface="+mn-ea"/>
+            </a:endParaRPr>
           </a:p>
         </p:txBody>
       </p:sp>
@@ -20317,7 +20453,7 @@
         <p:spPr>
           <a:xfrm>
             <a:off x="1036580" y="4000524"/>
-            <a:ext cx="10766768" cy="1438855"/>
+            <a:ext cx="10766768" cy="1615827"/>
           </a:xfrm>
           <a:prstGeom prst="rect">
             <a:avLst/>
@@ -20337,12 +20473,18 @@
             <a:r>
               <a:rPr lang="zh-CN" altLang="en-US" dirty="0">
                 <a:solidFill>
-                  <a:schemeClr val="accent2">
-                    <a:lumMod val="75000"/>
-                  </a:schemeClr>
+                  <a:srgbClr val="00B0F0"/>
                 </a:solidFill>
               </a:rPr>
               <a:t>列族</a:t>
+            </a:r>
+            <a:r>
+              <a:rPr lang="en-US" altLang="zh-CN" dirty="0">
+                <a:solidFill>
+                  <a:srgbClr val="00B0F0"/>
+                </a:solidFill>
+              </a:rPr>
+              <a:t>(Column Family)</a:t>
             </a:r>
             <a:r>
               <a:rPr lang="en-US" altLang="zh-CN" dirty="0">
@@ -20352,57 +20494,107 @@
                   </a:schemeClr>
                 </a:solidFill>
               </a:rPr>
-              <a:t>(Column Family): </a:t>
-            </a:r>
-            <a:r>
-              <a:rPr lang="zh-CN" altLang="en-US" sz="1400" dirty="0"/>
+              <a:t>: </a:t>
+            </a:r>
+            <a:r>
+              <a:rPr lang="zh-CN" altLang="en-US" sz="1600" b="1" dirty="0">
+                <a:latin typeface="+mn-ea"/>
+              </a:rPr>
               <a:t>在定义</a:t>
             </a:r>
             <a:r>
-              <a:rPr lang="en-US" altLang="zh-CN" sz="1400" dirty="0" err="1"/>
+              <a:rPr lang="en-US" altLang="zh-CN" sz="1600" b="1" dirty="0" err="1">
+                <a:latin typeface="+mn-ea"/>
+              </a:rPr>
               <a:t>HBase</a:t>
             </a:r>
             <a:r>
-              <a:rPr lang="zh-CN" altLang="en-US" sz="1400" dirty="0"/>
+              <a:rPr lang="zh-CN" altLang="en-US" sz="1600" b="1" dirty="0">
+                <a:latin typeface="+mn-ea"/>
+              </a:rPr>
               <a:t>表的时候需要提前设置好列族</a:t>
             </a:r>
             <a:r>
-              <a:rPr lang="en-US" altLang="zh-CN" sz="1400" dirty="0"/>
+              <a:rPr lang="en-US" altLang="zh-CN" sz="1600" b="1" dirty="0">
+                <a:latin typeface="+mn-ea"/>
+              </a:rPr>
               <a:t>, </a:t>
             </a:r>
             <a:r>
-              <a:rPr lang="zh-CN" altLang="en-US" sz="1400" dirty="0"/>
+              <a:rPr lang="zh-CN" altLang="en-US" sz="1600" b="1" dirty="0">
+                <a:latin typeface="+mn-ea"/>
+              </a:rPr>
               <a:t>表中所有的列都需要组织在列族里面，列族一旦确定后，就不能轻易修改，因为它会影响到</a:t>
             </a:r>
             <a:r>
-              <a:rPr lang="en-US" altLang="zh-CN" sz="1400" dirty="0" err="1"/>
+              <a:rPr lang="en-US" altLang="zh-CN" sz="1600" b="1" dirty="0" err="1">
+                <a:latin typeface="+mn-ea"/>
+              </a:rPr>
               <a:t>HBase</a:t>
             </a:r>
             <a:r>
-              <a:rPr lang="zh-CN" altLang="en-US" sz="1400" dirty="0"/>
+              <a:rPr lang="zh-CN" altLang="en-US" sz="1600" b="1" dirty="0">
+                <a:latin typeface="+mn-ea"/>
+              </a:rPr>
               <a:t>真实的物理存储结构，但是列族中的列标识</a:t>
             </a:r>
             <a:r>
-              <a:rPr lang="en-US" altLang="zh-CN" sz="1400" dirty="0"/>
+              <a:rPr lang="en-US" altLang="zh-CN" sz="1600" b="1" dirty="0">
+                <a:latin typeface="+mn-ea"/>
+              </a:rPr>
               <a:t>(Column Qualifier)</a:t>
             </a:r>
             <a:r>
-              <a:rPr lang="zh-CN" altLang="en-US" sz="1400" dirty="0"/>
-              <a:t>以及其对应的值可以动态增删。表中的每一行都有相同的列族，但是不需要每一行的列族里都有一致的列标识</a:t>
-            </a:r>
-            <a:r>
-              <a:rPr lang="en-US" altLang="zh-CN" sz="1400" dirty="0"/>
+              <a:rPr lang="zh-CN" altLang="en-US" sz="1600" b="1" dirty="0">
+                <a:latin typeface="+mn-ea"/>
+              </a:rPr>
+              <a:t>以及其对应的值可以动态增删。表中的每一行都有相同的列族，但是</a:t>
+            </a:r>
+            <a:r>
+              <a:rPr lang="zh-CN" altLang="en-US" sz="1600" b="1" dirty="0">
+                <a:solidFill>
+                  <a:srgbClr val="FF0000"/>
+                </a:solidFill>
+                <a:latin typeface="+mn-ea"/>
+              </a:rPr>
+              <a:t>不需要每一行的列族里都有一致的列标识</a:t>
+            </a:r>
+            <a:r>
+              <a:rPr lang="en-US" altLang="zh-CN" sz="1600" b="1" dirty="0">
+                <a:latin typeface="+mn-ea"/>
+              </a:rPr>
               <a:t>(Column Qualifier)</a:t>
             </a:r>
             <a:r>
-              <a:rPr lang="zh-CN" altLang="en-US" sz="1400" dirty="0"/>
-              <a:t>和值，所以说是一种稀疏的表结构，这样可以一定程度上避免数据的冗余</a:t>
-            </a:r>
-            <a:r>
-              <a:rPr lang="zh-CN" altLang="en-US" sz="1400" dirty="0" smtClean="0"/>
+              <a:rPr lang="zh-CN" altLang="en-US" sz="1600" b="1" dirty="0">
+                <a:latin typeface="+mn-ea"/>
+              </a:rPr>
+              <a:t>和值，所以说是一种</a:t>
+            </a:r>
+            <a:r>
+              <a:rPr lang="zh-CN" altLang="en-US" sz="1600" b="1" dirty="0">
+                <a:solidFill>
+                  <a:srgbClr val="FF0000"/>
+                </a:solidFill>
+                <a:latin typeface="+mn-ea"/>
+              </a:rPr>
+              <a:t>稀疏的表</a:t>
+            </a:r>
+            <a:r>
+              <a:rPr lang="zh-CN" altLang="en-US" sz="1600" b="1" dirty="0">
+                <a:latin typeface="+mn-ea"/>
+              </a:rPr>
+              <a:t>结构，这样可以一定程度上避免数据的冗余</a:t>
+            </a:r>
+            <a:r>
+              <a:rPr lang="zh-CN" altLang="en-US" sz="1600" b="1" dirty="0" smtClean="0">
+                <a:latin typeface="+mn-ea"/>
+              </a:rPr>
               <a:t>。</a:t>
             </a:r>
-            <a:endParaRPr lang="zh-CN" altLang="en-US" sz="1400" dirty="0"/>
+            <a:endParaRPr lang="zh-CN" altLang="en-US" sz="1600" b="1" dirty="0">
+              <a:latin typeface="+mn-ea"/>
+            </a:endParaRPr>
           </a:p>
         </p:txBody>
       </p:sp>
@@ -22868,7 +23060,7 @@
           <a:noFill/>
           <a:extLst>
             <a:ext uri="{909E8E84-426E-40dd-AFC4-6F175D3DCCD1}">
-              <a14:hiddenFill xmlns="" xmlns:a14="http://schemas.microsoft.com/office/drawing/2010/main">
+              <a14:hiddenFill xmlns:a14="http://schemas.microsoft.com/office/drawing/2010/main" xmlns="">
                 <a:solidFill>
                   <a:srgbClr val="FFFFFF"/>
                 </a:solidFill>
@@ -27215,7 +27407,7 @@
         <p:spPr>
           <a:xfrm>
             <a:off x="1278939" y="3167295"/>
-            <a:ext cx="10458136" cy="792525"/>
+            <a:ext cx="10458136" cy="830997"/>
           </a:xfrm>
           <a:prstGeom prst="rect">
             <a:avLst/>
@@ -27235,9 +27427,7 @@
             <a:r>
               <a:rPr lang="zh-CN" altLang="en-US" dirty="0" smtClean="0">
                 <a:solidFill>
-                  <a:schemeClr val="accent2">
-                    <a:lumMod val="75000"/>
-                  </a:schemeClr>
+                  <a:srgbClr val="00B0F0"/>
                 </a:solidFill>
               </a:rPr>
               <a:t>单元</a:t>
@@ -27245,15 +27435,13 @@
             <a:r>
               <a:rPr lang="en-US" altLang="zh-CN" dirty="0">
                 <a:solidFill>
-                  <a:schemeClr val="accent2">
-                    <a:lumMod val="75000"/>
-                  </a:schemeClr>
+                  <a:srgbClr val="00B0F0"/>
                 </a:solidFill>
               </a:rPr>
               <a:t>(Cell): </a:t>
             </a:r>
             <a:r>
-              <a:rPr lang="zh-CN" altLang="en-US" sz="1400" dirty="0"/>
+              <a:rPr lang="zh-CN" altLang="en-US" sz="1600" b="1" dirty="0"/>
               <a:t>每一个 行键，列族和列标识共同组成一个单元，存储在单元里的数据称为单元数据，单元和单元数据也没有特定的数据类型，以二进制字节来存储。 </a:t>
             </a:r>
           </a:p>
@@ -27268,7 +27456,7 @@
         <p:spPr>
           <a:xfrm>
             <a:off x="1278939" y="4292303"/>
-            <a:ext cx="10438444" cy="1115690"/>
+            <a:ext cx="10438444" cy="1204689"/>
           </a:xfrm>
           <a:prstGeom prst="rect">
             <a:avLst/>
@@ -27288,9 +27476,7 @@
             <a:r>
               <a:rPr lang="zh-CN" altLang="en-US" dirty="0">
                 <a:solidFill>
-                  <a:schemeClr val="accent2">
-                    <a:lumMod val="75000"/>
-                  </a:schemeClr>
+                  <a:srgbClr val="00B0F0"/>
                 </a:solidFill>
               </a:rPr>
               <a:t>时间戳</a:t>
@@ -27298,39 +27484,37 @@
             <a:r>
               <a:rPr lang="en-US" altLang="zh-CN" dirty="0">
                 <a:solidFill>
-                  <a:schemeClr val="accent2">
-                    <a:lumMod val="75000"/>
-                  </a:schemeClr>
+                  <a:srgbClr val="00B0F0"/>
                 </a:solidFill>
               </a:rPr>
               <a:t>(Timestamp): </a:t>
             </a:r>
             <a:r>
-              <a:rPr lang="zh-CN" altLang="en-US" sz="1400" dirty="0"/>
+              <a:rPr lang="zh-CN" altLang="en-US" sz="1600" b="1" dirty="0"/>
               <a:t>默认下每一个单元中的数据插入时都会用时间戳来进行版本标识。读取单元数据时，如果时间戳没有被指定，则默认返回最新的数据，写入新的单元数据时，如果没有设置时间戳，默认使用当前时间。每一个列族的单元数据的版本数量都被</a:t>
             </a:r>
             <a:r>
-              <a:rPr lang="en-US" altLang="zh-CN" sz="1400" dirty="0" err="1"/>
+              <a:rPr lang="en-US" altLang="zh-CN" sz="1600" b="1" dirty="0" err="1"/>
               <a:t>HBase</a:t>
             </a:r>
             <a:r>
-              <a:rPr lang="zh-CN" altLang="en-US" sz="1400" dirty="0"/>
+              <a:rPr lang="zh-CN" altLang="en-US" sz="1600" b="1" dirty="0"/>
               <a:t>单独维护，默认情况下</a:t>
             </a:r>
             <a:r>
-              <a:rPr lang="en-US" altLang="zh-CN" sz="1400" dirty="0" err="1"/>
+              <a:rPr lang="en-US" altLang="zh-CN" sz="1600" b="1" dirty="0" err="1"/>
               <a:t>HBase</a:t>
             </a:r>
             <a:r>
-              <a:rPr lang="zh-CN" altLang="en-US" sz="1400" dirty="0"/>
+              <a:rPr lang="zh-CN" altLang="en-US" sz="1600" b="1" dirty="0"/>
               <a:t>保留</a:t>
             </a:r>
             <a:r>
-              <a:rPr lang="en-US" altLang="zh-CN" sz="1400" dirty="0"/>
+              <a:rPr lang="en-US" altLang="zh-CN" sz="1600" b="1" dirty="0"/>
               <a:t>3</a:t>
             </a:r>
             <a:r>
-              <a:rPr lang="zh-CN" altLang="en-US" sz="1400" dirty="0"/>
+              <a:rPr lang="zh-CN" altLang="en-US" sz="1600" b="1" dirty="0"/>
               <a:t>个版本数据。</a:t>
             </a:r>
           </a:p>
@@ -27365,9 +27549,7 @@
             <a:r>
               <a:rPr lang="zh-CN" altLang="en-US" dirty="0">
                 <a:solidFill>
-                  <a:schemeClr val="accent2">
-                    <a:lumMod val="75000"/>
-                  </a:schemeClr>
+                  <a:srgbClr val="00B0F0"/>
                 </a:solidFill>
               </a:rPr>
               <a:t>列标识</a:t>
@@ -27375,31 +27557,29 @@
             <a:r>
               <a:rPr lang="en-US" altLang="zh-CN" dirty="0">
                 <a:solidFill>
-                  <a:schemeClr val="accent2">
-                    <a:lumMod val="75000"/>
-                  </a:schemeClr>
+                  <a:srgbClr val="00B0F0"/>
                 </a:solidFill>
               </a:rPr>
               <a:t>(Column Qualifier): </a:t>
             </a:r>
             <a:r>
-              <a:rPr lang="zh-CN" altLang="en-US" sz="1400" dirty="0"/>
+              <a:rPr lang="zh-CN" altLang="en-US" sz="1600" b="1" dirty="0"/>
               <a:t>列族中的数据通过列标识来进行映射，其实这里大家可以不用拘泥于“列”这个概念，也可以理解为一个键值对</a:t>
             </a:r>
             <a:r>
-              <a:rPr lang="en-US" altLang="zh-CN" sz="1400" dirty="0"/>
+              <a:rPr lang="en-US" altLang="zh-CN" sz="1600" b="1" dirty="0"/>
               <a:t>,Column Qualifier</a:t>
             </a:r>
             <a:r>
-              <a:rPr lang="zh-CN" altLang="en-US" sz="1400" dirty="0"/>
+              <a:rPr lang="zh-CN" altLang="en-US" sz="1600" b="1" dirty="0"/>
               <a:t>就是</a:t>
             </a:r>
             <a:r>
-              <a:rPr lang="en-US" altLang="zh-CN" sz="1400" dirty="0"/>
+              <a:rPr lang="en-US" altLang="zh-CN" sz="1600" b="1" dirty="0"/>
               <a:t>Key</a:t>
             </a:r>
             <a:r>
-              <a:rPr lang="zh-CN" altLang="en-US" sz="1400" dirty="0"/>
+              <a:rPr lang="zh-CN" altLang="en-US" sz="1600" b="1" dirty="0"/>
               <a:t>。列标识也没有特定的数据类型，以二进制字节来存储。</a:t>
             </a:r>
           </a:p>
@@ -30902,8 +31082,8 @@
         </p:blipFill>
         <p:spPr>
           <a:xfrm>
-            <a:off x="2677885" y="1291951"/>
-            <a:ext cx="8974183" cy="5449080"/>
+            <a:off x="3000162" y="1217063"/>
+            <a:ext cx="8796327" cy="5341087"/>
           </a:xfrm>
           <a:prstGeom prst="rect">
             <a:avLst/>
@@ -30918,8 +31098,8 @@
         </p:nvSpPr>
         <p:spPr>
           <a:xfrm>
-            <a:off x="521207" y="1930178"/>
-            <a:ext cx="2156678" cy="3654696"/>
+            <a:off x="521206" y="1930178"/>
+            <a:ext cx="2334535" cy="3970318"/>
           </a:xfrm>
           <a:prstGeom prst="rect">
             <a:avLst/>
@@ -30936,42 +31116,42 @@
               <a:buChar char="•"/>
             </a:pPr>
             <a:r>
-              <a:rPr lang="en-US" altLang="zh-CN" sz="1400" b="1" dirty="0" err="1" smtClean="0">
-                <a:latin typeface="仿宋" panose="02010609060101010101" pitchFamily="49" charset="-122"/>
-                <a:ea typeface="仿宋" panose="02010609060101010101" pitchFamily="49" charset="-122"/>
+              <a:rPr lang="en-US" altLang="zh-CN" b="1" dirty="0" err="1" smtClean="0">
+                <a:latin typeface="宋体" panose="02010600030101010101" pitchFamily="2" charset="-122"/>
+                <a:ea typeface="宋体" panose="02010600030101010101" pitchFamily="2" charset="-122"/>
               </a:rPr>
               <a:t>Schemaless</a:t>
             </a:r>
             <a:r>
-              <a:rPr lang="en-US" altLang="zh-CN" sz="1400" b="1" dirty="0" smtClean="0">
-                <a:latin typeface="仿宋" panose="02010609060101010101" pitchFamily="49" charset="-122"/>
-                <a:ea typeface="仿宋" panose="02010609060101010101" pitchFamily="49" charset="-122"/>
+              <a:rPr lang="en-US" altLang="zh-CN" b="1" dirty="0" smtClean="0">
+                <a:latin typeface="宋体" panose="02010600030101010101" pitchFamily="2" charset="-122"/>
+                <a:ea typeface="宋体" panose="02010600030101010101" pitchFamily="2" charset="-122"/>
               </a:rPr>
               <a:t>:</a:t>
             </a:r>
             <a:r>
-              <a:rPr lang="zh-CN" altLang="en-US" sz="1400" b="1" dirty="0" smtClean="0">
-                <a:latin typeface="仿宋" panose="02010609060101010101" pitchFamily="49" charset="-122"/>
-                <a:ea typeface="仿宋" panose="02010609060101010101" pitchFamily="49" charset="-122"/>
+              <a:rPr lang="zh-CN" altLang="en-US" b="1" dirty="0" smtClean="0">
+                <a:latin typeface="宋体" panose="02010600030101010101" pitchFamily="2" charset="-122"/>
+                <a:ea typeface="宋体" panose="02010600030101010101" pitchFamily="2" charset="-122"/>
               </a:rPr>
               <a:t>每</a:t>
             </a:r>
             <a:r>
-              <a:rPr lang="zh-CN" altLang="en-US" sz="1400" b="1" dirty="0">
-                <a:latin typeface="仿宋" panose="02010609060101010101" pitchFamily="49" charset="-122"/>
-                <a:ea typeface="仿宋" panose="02010609060101010101" pitchFamily="49" charset="-122"/>
+              <a:rPr lang="zh-CN" altLang="en-US" b="1" dirty="0">
+                <a:latin typeface="宋体" panose="02010600030101010101" pitchFamily="2" charset="-122"/>
+                <a:ea typeface="宋体" panose="02010600030101010101" pitchFamily="2" charset="-122"/>
               </a:rPr>
               <a:t>一行中，列的组成都是灵活的，行与行之间并不需要遵循相同的列定义</a:t>
             </a:r>
-            <a:endParaRPr lang="en-US" altLang="zh-CN" sz="1400" b="1" dirty="0" smtClean="0">
-              <a:latin typeface="仿宋" panose="02010609060101010101" pitchFamily="49" charset="-122"/>
-              <a:ea typeface="仿宋" panose="02010609060101010101" pitchFamily="49" charset="-122"/>
+            <a:endParaRPr lang="en-US" altLang="zh-CN" b="1" dirty="0" smtClean="0">
+              <a:latin typeface="宋体" panose="02010600030101010101" pitchFamily="2" charset="-122"/>
+              <a:ea typeface="宋体" panose="02010600030101010101" pitchFamily="2" charset="-122"/>
             </a:endParaRPr>
           </a:p>
           <a:p>
-            <a:endParaRPr lang="en-US" altLang="zh-CN" sz="1400" b="1" dirty="0">
-              <a:latin typeface="仿宋" panose="02010609060101010101" pitchFamily="49" charset="-122"/>
-              <a:ea typeface="仿宋" panose="02010609060101010101" pitchFamily="49" charset="-122"/>
+            <a:endParaRPr lang="en-US" altLang="zh-CN" b="1" dirty="0">
+              <a:latin typeface="宋体" panose="02010600030101010101" pitchFamily="2" charset="-122"/>
+              <a:ea typeface="宋体" panose="02010600030101010101" pitchFamily="2" charset="-122"/>
             </a:endParaRPr>
           </a:p>
           <a:p>
@@ -30980,21 +31160,21 @@
               <a:buChar char="•"/>
             </a:pPr>
             <a:r>
-              <a:rPr lang="zh-CN" altLang="en-US" sz="1400" b="1" dirty="0" smtClean="0">
-                <a:latin typeface="仿宋" panose="02010609060101010101" pitchFamily="49" charset="-122"/>
-                <a:ea typeface="仿宋" panose="02010609060101010101" pitchFamily="49" charset="-122"/>
+              <a:rPr lang="zh-CN" altLang="en-US" b="1" dirty="0" smtClean="0">
+                <a:latin typeface="宋体" panose="02010600030101010101" pitchFamily="2" charset="-122"/>
+                <a:ea typeface="宋体" panose="02010600030101010101" pitchFamily="2" charset="-122"/>
               </a:rPr>
               <a:t>数据是字典排序的</a:t>
             </a:r>
-            <a:endParaRPr lang="en-US" altLang="zh-CN" sz="1400" b="1" dirty="0" smtClean="0">
-              <a:latin typeface="仿宋" panose="02010609060101010101" pitchFamily="49" charset="-122"/>
-              <a:ea typeface="仿宋" panose="02010609060101010101" pitchFamily="49" charset="-122"/>
+            <a:endParaRPr lang="en-US" altLang="zh-CN" b="1" dirty="0" smtClean="0">
+              <a:latin typeface="宋体" panose="02010600030101010101" pitchFamily="2" charset="-122"/>
+              <a:ea typeface="宋体" panose="02010600030101010101" pitchFamily="2" charset="-122"/>
             </a:endParaRPr>
           </a:p>
           <a:p>
-            <a:endParaRPr lang="en-US" altLang="zh-CN" sz="1400" b="1" dirty="0">
-              <a:latin typeface="仿宋" panose="02010609060101010101" pitchFamily="49" charset="-122"/>
-              <a:ea typeface="仿宋" panose="02010609060101010101" pitchFamily="49" charset="-122"/>
+            <a:endParaRPr lang="en-US" altLang="zh-CN" b="1" dirty="0">
+              <a:latin typeface="宋体" panose="02010600030101010101" pitchFamily="2" charset="-122"/>
+              <a:ea typeface="宋体" panose="02010600030101010101" pitchFamily="2" charset="-122"/>
             </a:endParaRPr>
           </a:p>
           <a:p>
@@ -31003,21 +31183,21 @@
               <a:buChar char="•"/>
             </a:pPr>
             <a:r>
-              <a:rPr lang="zh-CN" altLang="en-US" sz="1400" b="1" dirty="0" smtClean="0">
-                <a:latin typeface="仿宋" panose="02010609060101010101" pitchFamily="49" charset="-122"/>
-                <a:ea typeface="仿宋" panose="02010609060101010101" pitchFamily="49" charset="-122"/>
+              <a:rPr lang="zh-CN" altLang="en-US" b="1" dirty="0" smtClean="0">
+                <a:latin typeface="宋体" panose="02010600030101010101" pitchFamily="2" charset="-122"/>
+                <a:ea typeface="宋体" panose="02010600030101010101" pitchFamily="2" charset="-122"/>
               </a:rPr>
               <a:t>每个单元格可以存储不同的版本，一般是时间戳</a:t>
             </a:r>
-            <a:endParaRPr lang="en-US" altLang="zh-CN" sz="1400" b="1" dirty="0" smtClean="0">
-              <a:latin typeface="仿宋" panose="02010609060101010101" pitchFamily="49" charset="-122"/>
-              <a:ea typeface="仿宋" panose="02010609060101010101" pitchFamily="49" charset="-122"/>
+            <a:endParaRPr lang="en-US" altLang="zh-CN" b="1" dirty="0" smtClean="0">
+              <a:latin typeface="宋体" panose="02010600030101010101" pitchFamily="2" charset="-122"/>
+              <a:ea typeface="宋体" panose="02010600030101010101" pitchFamily="2" charset="-122"/>
             </a:endParaRPr>
           </a:p>
           <a:p>
-            <a:endParaRPr lang="en-US" altLang="zh-CN" sz="1400" b="1" dirty="0">
-              <a:latin typeface="仿宋" panose="02010609060101010101" pitchFamily="49" charset="-122"/>
-              <a:ea typeface="仿宋" panose="02010609060101010101" pitchFamily="49" charset="-122"/>
+            <a:endParaRPr lang="en-US" altLang="zh-CN" b="1" dirty="0">
+              <a:latin typeface="宋体" panose="02010600030101010101" pitchFamily="2" charset="-122"/>
+              <a:ea typeface="宋体" panose="02010600030101010101" pitchFamily="2" charset="-122"/>
             </a:endParaRPr>
           </a:p>
           <a:p>
@@ -31026,47 +31206,22 @@
               <a:buChar char="•"/>
             </a:pPr>
             <a:r>
-              <a:rPr lang="zh-CN" altLang="en-US" sz="1400" b="1" dirty="0" smtClean="0">
-                <a:latin typeface="仿宋" panose="02010609060101010101" pitchFamily="49" charset="-122"/>
-                <a:ea typeface="仿宋" panose="02010609060101010101" pitchFamily="49" charset="-122"/>
-              </a:rPr>
-              <a:t>可以获取指定版本的数据</a:t>
-            </a:r>
-            <a:endParaRPr lang="en-US" altLang="zh-CN" sz="1400" b="1" dirty="0" smtClean="0">
-              <a:latin typeface="仿宋" panose="02010609060101010101" pitchFamily="49" charset="-122"/>
-              <a:ea typeface="仿宋" panose="02010609060101010101" pitchFamily="49" charset="-122"/>
-            </a:endParaRPr>
-          </a:p>
-          <a:p>
-            <a:endParaRPr lang="en-US" altLang="zh-CN" sz="1400" dirty="0"/>
-          </a:p>
-          <a:p>
-            <a:r>
-              <a:rPr lang="en-US" altLang="zh-CN" sz="1400" dirty="0" smtClean="0">
-                <a:solidFill>
-                  <a:schemeClr val="accent2">
-                    <a:lumMod val="75000"/>
-                  </a:schemeClr>
-                </a:solidFill>
-              </a:rPr>
-              <a:t>?</a:t>
-            </a:r>
-            <a:r>
-              <a:rPr lang="zh-CN" altLang="en-US" sz="1400" dirty="0" smtClean="0">
-                <a:solidFill>
-                  <a:schemeClr val="accent2">
-                    <a:lumMod val="75000"/>
-                  </a:schemeClr>
-                </a:solidFill>
-              </a:rPr>
-              <a:t>如何实现多版本</a:t>
-            </a:r>
-            <a:endParaRPr lang="zh-CN" altLang="en-US" sz="1400" dirty="0">
-              <a:solidFill>
-                <a:schemeClr val="accent2">
-                  <a:lumMod val="75000"/>
-                </a:schemeClr>
-              </a:solidFill>
+              <a:rPr lang="zh-CN" altLang="en-US" b="1" dirty="0" smtClean="0">
+                <a:latin typeface="宋体" panose="02010600030101010101" pitchFamily="2" charset="-122"/>
+                <a:ea typeface="宋体" panose="02010600030101010101" pitchFamily="2" charset="-122"/>
+              </a:rPr>
+              <a:t>可以获取指定版本的</a:t>
+            </a:r>
+            <a:r>
+              <a:rPr lang="zh-CN" altLang="en-US" b="1" dirty="0" smtClean="0">
+                <a:latin typeface="宋体" panose="02010600030101010101" pitchFamily="2" charset="-122"/>
+                <a:ea typeface="宋体" panose="02010600030101010101" pitchFamily="2" charset="-122"/>
+              </a:rPr>
+              <a:t>数据</a:t>
+            </a:r>
+            <a:endParaRPr lang="en-US" altLang="zh-CN" b="1" dirty="0" smtClean="0">
+              <a:latin typeface="宋体" panose="02010600030101010101" pitchFamily="2" charset="-122"/>
+              <a:ea typeface="宋体" panose="02010600030101010101" pitchFamily="2" charset="-122"/>
             </a:endParaRPr>
           </a:p>
         </p:txBody>
@@ -34101,7 +34256,7 @@
         <p:spPr>
           <a:xfrm>
             <a:off x="709748" y="1629732"/>
-            <a:ext cx="2873037" cy="2446824"/>
+            <a:ext cx="2975987" cy="1338828"/>
           </a:xfrm>
           <a:prstGeom prst="rect">
             <a:avLst/>
@@ -34121,209 +34276,97 @@
               <a:buChar char="•"/>
             </a:pPr>
             <a:r>
-              <a:rPr lang="zh-TW" altLang="en-US" sz="1400" dirty="0" smtClean="0">
-                <a:latin typeface="仿宋" panose="02010609060101010101" pitchFamily="49" charset="-122"/>
-                <a:ea typeface="仿宋" panose="02010609060101010101" pitchFamily="49" charset="-122"/>
+              <a:rPr lang="zh-TW" altLang="en-US" dirty="0" smtClean="0">
+                <a:latin typeface="宋体" panose="02010600030101010101" pitchFamily="2" charset="-122"/>
+                <a:ea typeface="宋体" panose="02010600030101010101" pitchFamily="2" charset="-122"/>
               </a:rPr>
               <a:t>可以</a:t>
             </a:r>
             <a:r>
-              <a:rPr lang="zh-CN" altLang="en-US" sz="1400" dirty="0" smtClean="0">
-                <a:latin typeface="仿宋" panose="02010609060101010101" pitchFamily="49" charset="-122"/>
-                <a:ea typeface="仿宋" panose="02010609060101010101" pitchFamily="49" charset="-122"/>
+              <a:rPr lang="zh-CN" altLang="en-US" dirty="0" smtClean="0">
+                <a:latin typeface="宋体" panose="02010600030101010101" pitchFamily="2" charset="-122"/>
+                <a:ea typeface="宋体" panose="02010600030101010101" pitchFamily="2" charset="-122"/>
               </a:rPr>
               <a:t>将</a:t>
             </a:r>
             <a:r>
-              <a:rPr lang="zh-TW" altLang="en-US" sz="1400" dirty="0" smtClean="0">
-                <a:latin typeface="仿宋" panose="02010609060101010101" pitchFamily="49" charset="-122"/>
-                <a:ea typeface="仿宋" panose="02010609060101010101" pitchFamily="49" charset="-122"/>
+              <a:rPr lang="zh-TW" altLang="en-US" dirty="0" smtClean="0">
+                <a:latin typeface="宋体" panose="02010600030101010101" pitchFamily="2" charset="-122"/>
+                <a:ea typeface="宋体" panose="02010600030101010101" pitchFamily="2" charset="-122"/>
               </a:rPr>
               <a:t> </a:t>
             </a:r>
             <a:r>
-              <a:rPr lang="en-US" altLang="zh-TW" sz="1400" dirty="0" err="1">
-                <a:latin typeface="仿宋" panose="02010609060101010101" pitchFamily="49" charset="-122"/>
-                <a:ea typeface="仿宋" panose="02010609060101010101" pitchFamily="49" charset="-122"/>
+              <a:rPr lang="en-US" altLang="zh-TW" dirty="0" err="1">
+                <a:latin typeface="宋体" panose="02010600030101010101" pitchFamily="2" charset="-122"/>
+                <a:ea typeface="宋体" panose="02010600030101010101" pitchFamily="2" charset="-122"/>
               </a:rPr>
               <a:t>HBase</a:t>
             </a:r>
             <a:r>
-              <a:rPr lang="en-US" altLang="zh-TW" sz="1400" dirty="0">
-                <a:latin typeface="仿宋" panose="02010609060101010101" pitchFamily="49" charset="-122"/>
-                <a:ea typeface="仿宋" panose="02010609060101010101" pitchFamily="49" charset="-122"/>
+              <a:rPr lang="en-US" altLang="zh-TW" dirty="0">
+                <a:latin typeface="宋体" panose="02010600030101010101" pitchFamily="2" charset="-122"/>
+                <a:ea typeface="宋体" panose="02010600030101010101" pitchFamily="2" charset="-122"/>
               </a:rPr>
               <a:t> </a:t>
             </a:r>
             <a:r>
-              <a:rPr lang="zh-TW" altLang="en-US" sz="1400" dirty="0" smtClean="0">
-                <a:latin typeface="仿宋" panose="02010609060101010101" pitchFamily="49" charset="-122"/>
-                <a:ea typeface="仿宋" panose="02010609060101010101" pitchFamily="49" charset="-122"/>
+              <a:rPr lang="zh-TW" altLang="en-US" dirty="0" smtClean="0">
+                <a:latin typeface="宋体" panose="02010600030101010101" pitchFamily="2" charset="-122"/>
+                <a:ea typeface="宋体" panose="02010600030101010101" pitchFamily="2" charset="-122"/>
               </a:rPr>
               <a:t>的</a:t>
             </a:r>
             <a:r>
-              <a:rPr lang="zh-CN" altLang="en-US" sz="1400" dirty="0" smtClean="0">
-                <a:latin typeface="仿宋" panose="02010609060101010101" pitchFamily="49" charset="-122"/>
-                <a:ea typeface="仿宋" panose="02010609060101010101" pitchFamily="49" charset="-122"/>
+              <a:rPr lang="zh-CN" altLang="en-US" dirty="0" smtClean="0">
+                <a:latin typeface="宋体" panose="02010600030101010101" pitchFamily="2" charset="-122"/>
+                <a:ea typeface="宋体" panose="02010600030101010101" pitchFamily="2" charset="-122"/>
               </a:rPr>
               <a:t>数据</a:t>
             </a:r>
             <a:r>
-              <a:rPr lang="zh-TW" altLang="en-US" sz="1400" dirty="0" smtClean="0">
-                <a:latin typeface="仿宋" panose="02010609060101010101" pitchFamily="49" charset="-122"/>
-                <a:ea typeface="仿宋" panose="02010609060101010101" pitchFamily="49" charset="-122"/>
+              <a:rPr lang="zh-TW" altLang="en-US" dirty="0" smtClean="0">
+                <a:latin typeface="宋体" panose="02010600030101010101" pitchFamily="2" charset="-122"/>
+                <a:ea typeface="宋体" panose="02010600030101010101" pitchFamily="2" charset="-122"/>
               </a:rPr>
               <a:t>模型</a:t>
             </a:r>
             <a:r>
-              <a:rPr lang="zh-CN" altLang="en-US" sz="1400" dirty="0" smtClean="0">
-                <a:latin typeface="仿宋" panose="02010609060101010101" pitchFamily="49" charset="-122"/>
-                <a:ea typeface="仿宋" panose="02010609060101010101" pitchFamily="49" charset="-122"/>
+              <a:rPr lang="zh-CN" altLang="en-US" dirty="0" smtClean="0">
+                <a:latin typeface="宋体" panose="02010600030101010101" pitchFamily="2" charset="-122"/>
+                <a:ea typeface="宋体" panose="02010600030101010101" pitchFamily="2" charset="-122"/>
               </a:rPr>
               <a:t>视为</a:t>
             </a:r>
             <a:r>
-              <a:rPr lang="zh-TW" altLang="en-US" sz="1400" dirty="0" smtClean="0">
-                <a:latin typeface="仿宋" panose="02010609060101010101" pitchFamily="49" charset="-122"/>
-                <a:ea typeface="仿宋" panose="02010609060101010101" pitchFamily="49" charset="-122"/>
-              </a:rPr>
-              <a:t>一</a:t>
-            </a:r>
-            <a:r>
-              <a:rPr lang="zh-CN" altLang="en-US" sz="1400" dirty="0" smtClean="0">
-                <a:latin typeface="仿宋" panose="02010609060101010101" pitchFamily="49" charset="-122"/>
-                <a:ea typeface="仿宋" panose="02010609060101010101" pitchFamily="49" charset="-122"/>
-              </a:rPr>
-              <a:t>个多为</a:t>
-            </a:r>
-            <a:r>
-              <a:rPr lang="zh-TW" altLang="en-US" sz="1400" dirty="0" smtClean="0">
-                <a:latin typeface="仿宋" panose="02010609060101010101" pitchFamily="49" charset="-122"/>
-                <a:ea typeface="仿宋" panose="02010609060101010101" pitchFamily="49" charset="-122"/>
-              </a:rPr>
-              <a:t>映射</a:t>
-            </a:r>
-            <a:r>
-              <a:rPr lang="zh-TW" altLang="en-US" sz="1400" dirty="0">
-                <a:latin typeface="仿宋" panose="02010609060101010101" pitchFamily="49" charset="-122"/>
-                <a:ea typeface="仿宋" panose="02010609060101010101" pitchFamily="49" charset="-122"/>
-              </a:rPr>
-              <a:t>的模型，</a:t>
-            </a:r>
-            <a:r>
-              <a:rPr lang="zh-TW" altLang="en-US" sz="1400" dirty="0" smtClean="0">
-                <a:latin typeface="仿宋" panose="02010609060101010101" pitchFamily="49" charset="-122"/>
-                <a:ea typeface="仿宋" panose="02010609060101010101" pitchFamily="49" charset="-122"/>
-              </a:rPr>
-              <a:t>下列</a:t>
-            </a:r>
-            <a:r>
-              <a:rPr lang="zh-CN" altLang="en-US" sz="1400" dirty="0" smtClean="0">
-                <a:latin typeface="仿宋" panose="02010609060101010101" pitchFamily="49" charset="-122"/>
-                <a:ea typeface="仿宋" panose="02010609060101010101" pitchFamily="49" charset="-122"/>
-              </a:rPr>
-              <a:t>图</a:t>
-            </a:r>
-            <a:r>
-              <a:rPr lang="zh-TW" altLang="en-US" sz="1400" dirty="0" smtClean="0">
-                <a:latin typeface="仿宋" panose="02010609060101010101" pitchFamily="49" charset="-122"/>
-                <a:ea typeface="仿宋" panose="02010609060101010101" pitchFamily="49" charset="-122"/>
-              </a:rPr>
-              <a:t> </a:t>
-            </a:r>
-            <a:r>
-              <a:rPr lang="en-US" altLang="zh-TW" sz="1400" dirty="0">
-                <a:latin typeface="仿宋" panose="02010609060101010101" pitchFamily="49" charset="-122"/>
-                <a:ea typeface="仿宋" panose="02010609060101010101" pitchFamily="49" charset="-122"/>
-              </a:rPr>
-              <a:t>2 </a:t>
-            </a:r>
-            <a:r>
-              <a:rPr lang="zh-TW" altLang="en-US" sz="1400" dirty="0">
-                <a:latin typeface="仿宋" panose="02010609060101010101" pitchFamily="49" charset="-122"/>
-                <a:ea typeface="仿宋" panose="02010609060101010101" pitchFamily="49" charset="-122"/>
-              </a:rPr>
-              <a:t>將 </a:t>
-            </a:r>
-            <a:r>
-              <a:rPr lang="zh-CN" altLang="en-US" sz="1400" dirty="0" smtClean="0">
-                <a:latin typeface="仿宋" panose="02010609060101010101" pitchFamily="49" charset="-122"/>
-                <a:ea typeface="仿宋" panose="02010609060101010101" pitchFamily="49" charset="-122"/>
-              </a:rPr>
-              <a:t>图</a:t>
-            </a:r>
-            <a:r>
-              <a:rPr lang="zh-TW" altLang="en-US" sz="1400" dirty="0" smtClean="0">
-                <a:latin typeface="仿宋" panose="02010609060101010101" pitchFamily="49" charset="-122"/>
-                <a:ea typeface="仿宋" panose="02010609060101010101" pitchFamily="49" charset="-122"/>
-              </a:rPr>
-              <a:t> </a:t>
-            </a:r>
-            <a:r>
-              <a:rPr lang="en-US" altLang="zh-TW" sz="1400" dirty="0">
-                <a:latin typeface="仿宋" panose="02010609060101010101" pitchFamily="49" charset="-122"/>
-                <a:ea typeface="仿宋" panose="02010609060101010101" pitchFamily="49" charset="-122"/>
-              </a:rPr>
-              <a:t>1 </a:t>
-            </a:r>
-            <a:r>
-              <a:rPr lang="zh-TW" altLang="en-US" sz="1400" dirty="0">
-                <a:latin typeface="仿宋" panose="02010609060101010101" pitchFamily="49" charset="-122"/>
-                <a:ea typeface="仿宋" panose="02010609060101010101" pitchFamily="49" charset="-122"/>
-              </a:rPr>
-              <a:t>中的第一</a:t>
-            </a:r>
-            <a:r>
-              <a:rPr lang="zh-TW" altLang="en-US" sz="1400" dirty="0" smtClean="0">
-                <a:latin typeface="仿宋" panose="02010609060101010101" pitchFamily="49" charset="-122"/>
-                <a:ea typeface="仿宋" panose="02010609060101010101" pitchFamily="49" charset="-122"/>
-              </a:rPr>
-              <a:t>列</a:t>
-            </a:r>
-            <a:r>
-              <a:rPr lang="zh-CN" altLang="en-US" sz="1400" dirty="0" smtClean="0">
-                <a:latin typeface="仿宋" panose="02010609060101010101" pitchFamily="49" charset="-122"/>
-                <a:ea typeface="仿宋" panose="02010609060101010101" pitchFamily="49" charset="-122"/>
-              </a:rPr>
-              <a:t>视为多维</a:t>
-            </a:r>
-            <a:r>
-              <a:rPr lang="zh-TW" altLang="en-US" sz="1400" dirty="0" smtClean="0">
-                <a:latin typeface="仿宋" panose="02010609060101010101" pitchFamily="49" charset="-122"/>
-                <a:ea typeface="仿宋" panose="02010609060101010101" pitchFamily="49" charset="-122"/>
-              </a:rPr>
-              <a:t>映射</a:t>
-            </a:r>
-            <a:endParaRPr lang="en-US" altLang="zh-TW" sz="1400" dirty="0">
-              <a:latin typeface="仿宋" panose="02010609060101010101" pitchFamily="49" charset="-122"/>
-              <a:ea typeface="仿宋" panose="02010609060101010101" pitchFamily="49" charset="-122"/>
-            </a:endParaRPr>
-          </a:p>
-          <a:p>
-            <a:pPr marL="285750" indent="-285750">
-              <a:lnSpc>
-                <a:spcPct val="150000"/>
-              </a:lnSpc>
-              <a:buFont typeface="Arial" panose="020B0604020202020204" pitchFamily="34" charset="0"/>
-              <a:buChar char="•"/>
-            </a:pPr>
-            <a:endParaRPr lang="en-US" altLang="zh-TW" sz="1400" dirty="0" smtClean="0">
-              <a:latin typeface="仿宋" panose="02010609060101010101" pitchFamily="49" charset="-122"/>
-              <a:ea typeface="仿宋" panose="02010609060101010101" pitchFamily="49" charset="-122"/>
-            </a:endParaRPr>
-          </a:p>
-          <a:p>
-            <a:pPr marL="285750" indent="-285750">
-              <a:lnSpc>
-                <a:spcPct val="150000"/>
-              </a:lnSpc>
-              <a:buFont typeface="Arial" panose="020B0604020202020204" pitchFamily="34" charset="0"/>
-              <a:buChar char="•"/>
-            </a:pPr>
-            <a:r>
-              <a:rPr lang="en-US" altLang="zh-CN" sz="1400" dirty="0"/>
-              <a:t>A distributed Hash Map</a:t>
+              <a:rPr lang="zh-CN" altLang="en-US" dirty="0" smtClean="0">
+                <a:solidFill>
+                  <a:srgbClr val="FF0000"/>
+                </a:solidFill>
+                <a:latin typeface="宋体" panose="02010600030101010101" pitchFamily="2" charset="-122"/>
+                <a:ea typeface="宋体" panose="02010600030101010101" pitchFamily="2" charset="-122"/>
+              </a:rPr>
+              <a:t>分布式</a:t>
+            </a:r>
+            <a:r>
+              <a:rPr lang="en-US" altLang="zh-CN" dirty="0" smtClean="0">
+                <a:solidFill>
+                  <a:srgbClr val="FF0000"/>
+                </a:solidFill>
+                <a:latin typeface="宋体" panose="02010600030101010101" pitchFamily="2" charset="-122"/>
+                <a:ea typeface="宋体" panose="02010600030101010101" pitchFamily="2" charset="-122"/>
+              </a:rPr>
+              <a:t>Hash </a:t>
+            </a:r>
+            <a:r>
+              <a:rPr lang="en-US" altLang="zh-CN" dirty="0">
+                <a:solidFill>
+                  <a:srgbClr val="FF0000"/>
+                </a:solidFill>
+                <a:latin typeface="宋体" panose="02010600030101010101" pitchFamily="2" charset="-122"/>
+                <a:ea typeface="宋体" panose="02010600030101010101" pitchFamily="2" charset="-122"/>
+              </a:rPr>
+              <a:t>Map</a:t>
             </a:r>
           </a:p>
           <a:p>
@@ -34409,6 +34452,18 @@
               </a:rPr>
               <a:t>数据管理</a:t>
             </a:r>
+            <a:r>
+              <a:rPr lang="en-US" altLang="zh-CN" dirty="0" smtClean="0">
+                <a:cs typeface="Segoe UI Light" panose="020B0502040204020203" pitchFamily="34" charset="0"/>
+              </a:rPr>
+              <a:t>-</a:t>
+            </a:r>
+            <a:r>
+              <a:rPr lang="en-US" altLang="zh-CN" dirty="0" err="1" smtClean="0">
+                <a:cs typeface="Segoe UI Light" panose="020B0502040204020203" pitchFamily="34" charset="0"/>
+              </a:rPr>
+              <a:t>RegionServer</a:t>
+            </a:r>
             <a:endParaRPr lang="x-none" dirty="0">
               <a:cs typeface="Segoe UI Light" panose="020B0502040204020203" pitchFamily="34" charset="0"/>
             </a:endParaRPr>
@@ -34427,8 +34482,8 @@
         </p:nvSpPr>
         <p:spPr>
           <a:xfrm>
-            <a:off x="608112" y="1516752"/>
-            <a:ext cx="3485585" cy="4790886"/>
+            <a:off x="608113" y="1516752"/>
+            <a:ext cx="3133894" cy="4790886"/>
           </a:xfrm>
         </p:spPr>
         <p:txBody>
@@ -34451,7 +34506,7 @@
               <a:buChar char="l"/>
             </a:pPr>
             <a:r>
-              <a:rPr lang="zh-CN" altLang="en-US" sz="1600" dirty="0" smtClean="0">
+              <a:rPr lang="zh-CN" altLang="en-US" sz="1800" dirty="0" smtClean="0">
                 <a:solidFill>
                   <a:prstClr val="black">
                     <a:lumMod val="75000"/>
@@ -34463,7 +34518,7 @@
               <a:t>数据分片是通过</a:t>
             </a:r>
             <a:r>
-              <a:rPr lang="en-US" altLang="zh-CN" sz="1600" dirty="0" smtClean="0">
+              <a:rPr lang="en-US" altLang="zh-CN" sz="1800" dirty="0" smtClean="0">
                 <a:solidFill>
                   <a:prstClr val="black">
                     <a:lumMod val="75000"/>
@@ -34475,7 +34530,7 @@
               <a:t>Region</a:t>
             </a:r>
             <a:r>
-              <a:rPr lang="zh-CN" altLang="en-US" sz="1600" dirty="0" smtClean="0">
+              <a:rPr lang="zh-CN" altLang="en-US" sz="1800" dirty="0" smtClean="0">
                 <a:solidFill>
                   <a:prstClr val="black">
                     <a:lumMod val="75000"/>
@@ -34484,9 +34539,21 @@
                 </a:solidFill>
                 <a:cs typeface="Segoe UI" panose="020B0502040204020203" pitchFamily="34" charset="0"/>
               </a:rPr>
-              <a:t>来实现的</a:t>
-            </a:r>
-            <a:endParaRPr lang="en-US" altLang="zh-CN" sz="1600" dirty="0">
+              <a:t>来实现</a:t>
+            </a:r>
+            <a:r>
+              <a:rPr lang="zh-CN" altLang="en-US" sz="1800" dirty="0" smtClean="0">
+                <a:solidFill>
+                  <a:prstClr val="black">
+                    <a:lumMod val="75000"/>
+                    <a:lumOff val="25000"/>
+                  </a:prstClr>
+                </a:solidFill>
+                <a:cs typeface="Segoe UI" panose="020B0502040204020203" pitchFamily="34" charset="0"/>
+              </a:rPr>
+              <a:t>的</a:t>
+            </a:r>
+            <a:endParaRPr lang="en-US" altLang="zh-CN" sz="1800" dirty="0" smtClean="0">
               <a:solidFill>
                 <a:prstClr val="black">
                   <a:lumMod val="75000"/>
@@ -34497,6 +34564,30 @@
             </a:endParaRPr>
           </a:p>
           <a:p>
+            <a:pPr marL="171450" indent="-171450" rtl="0">
+              <a:lnSpc>
+                <a:spcPts val="1800"/>
+              </a:lnSpc>
+              <a:spcBef>
+                <a:spcPts val="1000"/>
+              </a:spcBef>
+              <a:spcAft>
+                <a:spcPts val="600"/>
+              </a:spcAft>
+              <a:buFont typeface="Wingdings" panose="05000000000000000000" pitchFamily="2" charset="2"/>
+              <a:buChar char="l"/>
+            </a:pPr>
+            <a:endParaRPr lang="en-US" altLang="zh-CN" sz="1800" dirty="0">
+              <a:solidFill>
+                <a:prstClr val="black">
+                  <a:lumMod val="75000"/>
+                  <a:lumOff val="25000"/>
+                </a:prstClr>
+              </a:solidFill>
+              <a:cs typeface="Segoe UI" panose="020B0502040204020203" pitchFamily="34" charset="0"/>
+            </a:endParaRPr>
+          </a:p>
+          <a:p>
             <a:pPr marL="171450" indent="-171450">
               <a:spcAft>
                 <a:spcPts val="600"/>
@@ -34505,30 +34596,30 @@
               <a:buChar char="l"/>
             </a:pPr>
             <a:r>
-              <a:rPr lang="zh-CN" altLang="en-US" sz="1400" dirty="0" smtClean="0"/>
+              <a:rPr lang="zh-CN" altLang="en-US" sz="1800" dirty="0" smtClean="0"/>
               <a:t>一个</a:t>
             </a:r>
             <a:r>
-              <a:rPr lang="en-US" altLang="zh-CN" sz="1400" b="1" dirty="0" smtClean="0"/>
+              <a:rPr lang="en-US" altLang="zh-CN" sz="1800" b="1" dirty="0" smtClean="0"/>
               <a:t>region </a:t>
             </a:r>
             <a:r>
-              <a:rPr lang="zh-CN" altLang="en-US" sz="1400" dirty="0" smtClean="0"/>
+              <a:rPr lang="zh-CN" altLang="en-US" sz="1800" dirty="0" smtClean="0"/>
               <a:t>只</a:t>
             </a:r>
             <a:r>
-              <a:rPr lang="zh-CN" altLang="en-US" sz="1400" b="1" dirty="0" smtClean="0"/>
+              <a:rPr lang="zh-CN" altLang="en-US" sz="1800" b="1" dirty="0" smtClean="0"/>
               <a:t>存在于一个</a:t>
             </a:r>
             <a:r>
-              <a:rPr lang="en-US" altLang="zh-CN" sz="1400" b="1" dirty="0" err="1" smtClean="0"/>
+              <a:rPr lang="en-US" altLang="zh-CN" sz="1800" b="1" dirty="0" err="1" smtClean="0"/>
               <a:t>RegionServer</a:t>
             </a:r>
             <a:r>
-              <a:rPr lang="zh-CN" altLang="en-US" sz="1400" b="1" dirty="0" smtClean="0"/>
+              <a:rPr lang="zh-CN" altLang="en-US" sz="1800" b="1" dirty="0" smtClean="0"/>
               <a:t>上</a:t>
             </a:r>
-            <a:endParaRPr lang="en-US" altLang="zh-CN" sz="1400" dirty="0" smtClean="0"/>
+            <a:endParaRPr lang="en-US" altLang="zh-CN" sz="1800" b="1" dirty="0" smtClean="0"/>
           </a:p>
           <a:p>
             <a:pPr marL="171450" indent="-171450">
@@ -34538,64 +34629,71 @@
               <a:buFont typeface="Wingdings" panose="05000000000000000000" pitchFamily="2" charset="2"/>
               <a:buChar char="l"/>
             </a:pPr>
-            <a:r>
-              <a:rPr lang="zh-CN" altLang="en-US" sz="1400" dirty="0" smtClean="0"/>
+            <a:endParaRPr lang="en-US" altLang="zh-CN" sz="1800" dirty="0" smtClean="0"/>
+          </a:p>
+          <a:p>
+            <a:pPr marL="171450" indent="-171450">
+              <a:spcAft>
+                <a:spcPts val="600"/>
+              </a:spcAft>
+              <a:buFont typeface="Wingdings" panose="05000000000000000000" pitchFamily="2" charset="2"/>
+              <a:buChar char="l"/>
+            </a:pPr>
+            <a:r>
+              <a:rPr lang="zh-CN" altLang="en-US" sz="1800" dirty="0" smtClean="0"/>
               <a:t>一个</a:t>
             </a:r>
             <a:r>
-              <a:rPr lang="en-US" altLang="zh-CN" sz="1400" dirty="0" err="1" smtClean="0"/>
+              <a:rPr lang="en-US" altLang="zh-CN" sz="1800" dirty="0" err="1" smtClean="0"/>
               <a:t>RegionServer</a:t>
             </a:r>
             <a:r>
-              <a:rPr lang="zh-CN" altLang="en-US" sz="1400" dirty="0" smtClean="0"/>
+              <a:rPr lang="zh-CN" altLang="en-US" sz="1800" dirty="0" smtClean="0"/>
               <a:t>可以有多个</a:t>
             </a:r>
             <a:r>
-              <a:rPr lang="en-US" altLang="zh-CN" sz="1400" dirty="0" smtClean="0"/>
+              <a:rPr lang="en-US" altLang="zh-CN" sz="1800" dirty="0" smtClean="0"/>
               <a:t>Region</a:t>
             </a:r>
+          </a:p>
+          <a:p>
+            <a:pPr marL="171450" indent="-171450">
+              <a:spcAft>
+                <a:spcPts val="600"/>
+              </a:spcAft>
+              <a:buFont typeface="Wingdings" panose="05000000000000000000" pitchFamily="2" charset="2"/>
+              <a:buChar char="l"/>
+            </a:pPr>
+            <a:endParaRPr lang="en-US" altLang="zh-CN" sz="1800" dirty="0"/>
+          </a:p>
+          <a:p>
+            <a:pPr marL="171450" indent="-171450">
+              <a:spcAft>
+                <a:spcPts val="600"/>
+              </a:spcAft>
+              <a:buFont typeface="Wingdings" panose="05000000000000000000" pitchFamily="2" charset="2"/>
+              <a:buChar char="l"/>
+            </a:pPr>
+            <a:r>
+              <a:rPr lang="zh-CN" altLang="en-US" sz="1800" dirty="0" smtClean="0"/>
+              <a:t>表</a:t>
+            </a:r>
+            <a:r>
+              <a:rPr lang="zh-CN" altLang="en-US" sz="1800" dirty="0"/>
+              <a:t>数据分散于各个</a:t>
+            </a:r>
+            <a:r>
+              <a:rPr lang="en-US" altLang="zh-CN" sz="1800" dirty="0" err="1" smtClean="0"/>
+              <a:t>RegionServer</a:t>
+            </a:r>
+            <a:r>
+              <a:rPr lang="en-US" altLang="zh-CN" sz="1800" dirty="0" smtClean="0"/>
+              <a:t/>
+            </a:r>
             <a:br>
-              <a:rPr lang="en-US" altLang="zh-CN" sz="1400" dirty="0" smtClean="0"/>
+              <a:rPr lang="en-US" altLang="zh-CN" sz="1800" dirty="0" smtClean="0"/>
             </a:br>
-            <a:r>
-              <a:rPr lang="en-US" altLang="zh-CN" sz="1400" dirty="0" smtClean="0"/>
-              <a:t>• </a:t>
-            </a:r>
-            <a:r>
-              <a:rPr lang="zh-CN" altLang="en-US" sz="1400" dirty="0" smtClean="0"/>
-              <a:t>表数据分散于各个</a:t>
-            </a:r>
-            <a:r>
-              <a:rPr lang="en-US" altLang="zh-CN" sz="1400" dirty="0" err="1" smtClean="0"/>
-              <a:t>RegionServer</a:t>
-            </a:r>
-            <a:r>
-              <a:rPr lang="zh-CN" altLang="en-US" sz="1400" dirty="0" smtClean="0"/>
-              <a:t>上</a:t>
-            </a:r>
-            <a:r>
-              <a:rPr lang="en-US" altLang="zh-CN" sz="1400" dirty="0" smtClean="0"/>
-              <a:t/>
-            </a:r>
-            <a:br>
-              <a:rPr lang="en-US" altLang="zh-CN" sz="1400" dirty="0" smtClean="0"/>
-            </a:br>
-            <a:r>
-              <a:rPr lang="en-US" altLang="zh-CN" sz="1400" dirty="0" smtClean="0"/>
-              <a:t>• Distribution of </a:t>
-            </a:r>
-            <a:r>
-              <a:rPr lang="en-US" altLang="zh-CN" sz="1400" b="1" dirty="0" smtClean="0"/>
-              <a:t>I/O</a:t>
-            </a:r>
-            <a:r>
-              <a:rPr lang="en-US" altLang="zh-CN" sz="1400" dirty="0" smtClean="0"/>
-              <a:t> </a:t>
-            </a:r>
-            <a:br>
-              <a:rPr lang="en-US" altLang="zh-CN" sz="1400" dirty="0" smtClean="0"/>
-            </a:br>
-            <a:endParaRPr lang="en-US" altLang="zh-CN" sz="1400" dirty="0" smtClean="0"/>
+            <a:endParaRPr lang="en-US" altLang="zh-CN" sz="1800" dirty="0" smtClean="0"/>
           </a:p>
           <a:p>
             <a:pPr marL="171450" indent="-171450">
@@ -34609,103 +34707,34 @@
               <a:buChar char="l"/>
             </a:pPr>
             <a:r>
-              <a:rPr lang="en-US" altLang="zh-CN" sz="1400" dirty="0" smtClean="0"/>
-              <a:t>Clients talk </a:t>
-            </a:r>
-            <a:r>
-              <a:rPr lang="en-US" altLang="zh-CN" sz="1400" b="1" dirty="0" smtClean="0"/>
-              <a:t>directly </a:t>
-            </a:r>
-            <a:r>
-              <a:rPr lang="en-US" altLang="zh-CN" sz="1400" dirty="0" smtClean="0"/>
-              <a:t>to region</a:t>
-            </a:r>
-            <a:br>
-              <a:rPr lang="en-US" altLang="zh-CN" sz="1400" dirty="0" smtClean="0"/>
-            </a:br>
-            <a:r>
-              <a:rPr lang="en-US" altLang="zh-CN" sz="1400" dirty="0" smtClean="0"/>
-              <a:t>servers</a:t>
-            </a:r>
-          </a:p>
-          <a:p>
-            <a:pPr marL="171450" indent="-171450">
+              <a:rPr lang="zh-CN" altLang="en-US" sz="1800" dirty="0"/>
+              <a:t>客户</a:t>
+            </a:r>
+            <a:r>
+              <a:rPr lang="zh-CN" altLang="en-US" sz="1800" dirty="0" smtClean="0"/>
+              <a:t>端直接与</a:t>
+            </a:r>
+            <a:r>
+              <a:rPr lang="en-US" altLang="zh-CN" sz="1800" dirty="0" smtClean="0"/>
+              <a:t>region servers</a:t>
+            </a:r>
+            <a:r>
+              <a:rPr lang="zh-CN" altLang="en-US" sz="1800" dirty="0" smtClean="0"/>
+              <a:t>交互</a:t>
+            </a:r>
+            <a:endParaRPr lang="en-US" altLang="zh-CN" sz="1800" dirty="0"/>
+          </a:p>
+          <a:p>
+            <a:pPr marL="0" indent="0">
               <a:lnSpc>
                 <a:spcPts val="1800"/>
               </a:lnSpc>
               <a:spcAft>
                 <a:spcPts val="600"/>
               </a:spcAft>
-              <a:buFont typeface="Wingdings" panose="05000000000000000000" pitchFamily="2" charset="2"/>
-              <a:buChar char="l"/>
+              <a:buNone/>
             </a:pPr>
-            <a:r>
-              <a:rPr lang="en-US" altLang="zh-CN" dirty="0" smtClean="0"/>
-              <a:t>Assignment </a:t>
-            </a:r>
-            <a:r>
-              <a:rPr lang="en-US" altLang="zh-CN" dirty="0"/>
-              <a:t>is based </a:t>
-            </a:r>
-            <a:r>
-              <a:rPr lang="en-US" altLang="zh-CN" dirty="0" smtClean="0"/>
-              <a:t>on configurable logic</a:t>
-            </a:r>
-            <a:r>
-              <a:rPr lang="en-US" altLang="zh-CN" dirty="0"/>
-              <a:t/>
-            </a:r>
-            <a:br>
-              <a:rPr lang="en-US" altLang="zh-CN" dirty="0"/>
-            </a:br>
-            <a:endParaRPr lang="en-US" altLang="zh-CN" dirty="0" smtClean="0"/>
-          </a:p>
-          <a:p>
-            <a:pPr marL="171450" indent="-171450">
-              <a:lnSpc>
-                <a:spcPts val="1800"/>
-              </a:lnSpc>
-              <a:spcAft>
-                <a:spcPts val="600"/>
-              </a:spcAft>
-              <a:buFont typeface="Wingdings" panose="05000000000000000000" pitchFamily="2" charset="2"/>
-              <a:buChar char="l"/>
-            </a:pPr>
-            <a:r>
-              <a:rPr lang="en-US" altLang="zh-CN" b="1" dirty="0" smtClean="0"/>
-              <a:t>Balancing </a:t>
-            </a:r>
-            <a:r>
-              <a:rPr lang="en-US" altLang="zh-CN" dirty="0"/>
-              <a:t>cluster load</a:t>
-            </a:r>
-            <a:br>
-              <a:rPr lang="en-US" altLang="zh-CN" dirty="0"/>
-            </a:br>
-            <a:r>
-              <a:rPr lang="zh-CN" altLang="en-US" dirty="0" smtClean="0"/>
-              <a:t>？</a:t>
-            </a:r>
-            <a:r>
-              <a:rPr lang="en-US" altLang="zh-CN" dirty="0" smtClean="0"/>
-              <a:t>Assign</a:t>
-            </a:r>
-            <a:r>
-              <a:rPr lang="zh-CN" altLang="en-US" dirty="0" smtClean="0"/>
-              <a:t>逻辑？</a:t>
-            </a:r>
-            <a:endParaRPr lang="en-US" altLang="zh-CN" dirty="0" smtClean="0"/>
-          </a:p>
-          <a:p>
-            <a:pPr>
-              <a:lnSpc>
-                <a:spcPts val="1800"/>
-              </a:lnSpc>
-              <a:spcAft>
-                <a:spcPts val="600"/>
-              </a:spcAft>
-            </a:pPr>
-            <a:endParaRPr lang="zh-CN" altLang="en-US" sz="1200" dirty="0">
+            <a:endParaRPr lang="zh-CN" altLang="en-US" sz="1800" dirty="0">
               <a:solidFill>
                 <a:prstClr val="black">
                   <a:lumMod val="75000"/>
@@ -34814,6 +34843,12 @@
               </a:rPr>
               <a:t>数据管理</a:t>
             </a:r>
+            <a:r>
+              <a:rPr lang="en-US" altLang="zh-CN" dirty="0" smtClean="0">
+                <a:cs typeface="Segoe UI Light" panose="020B0502040204020203" pitchFamily="34" charset="0"/>
+              </a:rPr>
+              <a:t>-CF</a:t>
+            </a:r>
             <a:endParaRPr lang="x-none" dirty="0">
               <a:cs typeface="Segoe UI Light" panose="020B0502040204020203" pitchFamily="34" charset="0"/>
             </a:endParaRPr>
@@ -34838,7 +34873,7 @@
         </p:spPr>
         <p:txBody>
           <a:bodyPr vert="horz" lIns="91440" tIns="45720" rIns="91440" bIns="45720" rtlCol="0">
-            <a:normAutofit fontScale="85000" lnSpcReduction="20000"/>
+            <a:normAutofit fontScale="92500" lnSpcReduction="10000"/>
           </a:bodyPr>
           <a:lstStyle/>
           <a:p>
@@ -34850,111 +34885,114 @@
               <a:buChar char="l"/>
             </a:pPr>
             <a:r>
+              <a:rPr lang="zh-CN" altLang="en-US" dirty="0" smtClean="0"/>
+              <a:t>物理上将多个列组织在一起</a:t>
+            </a:r>
+            <a:endParaRPr lang="en-US" altLang="zh-CN" dirty="0" smtClean="0"/>
+          </a:p>
+          <a:p>
+            <a:pPr>
+              <a:spcAft>
+                <a:spcPts val="600"/>
+              </a:spcAft>
+              <a:buFont typeface="Wingdings" panose="05000000000000000000" pitchFamily="2" charset="2"/>
+              <a:buChar char="l"/>
+            </a:pPr>
+            <a:r>
+              <a:rPr lang="zh-CN" altLang="en-US" dirty="0" smtClean="0"/>
+              <a:t>不同的</a:t>
+            </a:r>
+            <a:r>
+              <a:rPr lang="en-US" altLang="zh-CN" dirty="0" smtClean="0"/>
+              <a:t>CF</a:t>
+            </a:r>
+            <a:r>
+              <a:rPr lang="zh-CN" altLang="en-US" dirty="0" smtClean="0"/>
+              <a:t>可以设置不同的属性：</a:t>
+            </a:r>
+            <a:r>
               <a:rPr lang="en-US" altLang="zh-CN" dirty="0"/>
-              <a:t>Group </a:t>
-            </a:r>
-            <a:r>
-              <a:rPr lang="en-US" altLang="zh-CN" b="1" dirty="0"/>
-              <a:t>multiple </a:t>
-            </a:r>
-            <a:r>
-              <a:rPr lang="en-US" altLang="zh-CN" dirty="0"/>
-              <a:t>columns into</a:t>
+              <a:t/>
             </a:r>
             <a:br>
               <a:rPr lang="en-US" altLang="zh-CN" dirty="0"/>
             </a:br>
-            <a:r>
-              <a:rPr lang="en-US" altLang="zh-CN" b="1" dirty="0"/>
-              <a:t>physically </a:t>
+            <a:endParaRPr lang="en-US" altLang="zh-CN" dirty="0" smtClean="0"/>
+          </a:p>
+          <a:p>
+            <a:pPr lvl="1">
+              <a:spcAft>
+                <a:spcPts val="600"/>
+              </a:spcAft>
+              <a:buFont typeface="Arial" panose="020B0604020202020204" pitchFamily="34" charset="0"/>
+              <a:buChar char="•"/>
+            </a:pPr>
+            <a:r>
+              <a:rPr lang="en-US" altLang="zh-CN" dirty="0" smtClean="0"/>
+              <a:t>TTL</a:t>
+            </a:r>
+          </a:p>
+          <a:p>
+            <a:pPr lvl="1">
+              <a:spcAft>
+                <a:spcPts val="600"/>
+              </a:spcAft>
+              <a:buFont typeface="Arial" panose="020B0604020202020204" pitchFamily="34" charset="0"/>
+              <a:buChar char="•"/>
+            </a:pPr>
+            <a:r>
+              <a:rPr lang="en-US" altLang="zh-CN" dirty="0" smtClean="0"/>
+              <a:t>compression</a:t>
             </a:r>
             <a:r>
               <a:rPr lang="en-US" altLang="zh-CN" dirty="0"/>
-              <a:t>separated locations</a:t>
+              <a:t>, </a:t>
+            </a:r>
+            <a:endParaRPr lang="en-US" altLang="zh-CN" dirty="0" smtClean="0"/>
+          </a:p>
+          <a:p>
+            <a:pPr lvl="1">
+              <a:spcAft>
+                <a:spcPts val="600"/>
+              </a:spcAft>
+              <a:buFont typeface="Arial" panose="020B0604020202020204" pitchFamily="34" charset="0"/>
+              <a:buChar char="•"/>
+            </a:pPr>
+            <a:r>
+              <a:rPr lang="en-US" altLang="zh-CN" sz="2500" dirty="0" smtClean="0"/>
+              <a:t>versions</a:t>
+            </a:r>
+            <a:r>
+              <a:rPr lang="en-US" altLang="zh-CN" sz="2500" dirty="0"/>
+              <a:t>, </a:t>
+            </a:r>
+            <a:r>
+              <a:rPr lang="en-US" altLang="zh-CN" dirty="0"/>
+              <a:t>…</a:t>
             </a:r>
             <a:br>
               <a:rPr lang="en-US" altLang="zh-CN" dirty="0"/>
             </a:br>
-            <a:r>
-              <a:rPr lang="en-US" altLang="zh-CN" dirty="0"/>
-              <a:t>• Apply different </a:t>
+            <a:endParaRPr lang="en-US" altLang="zh-CN" dirty="0" smtClean="0"/>
+          </a:p>
+          <a:p>
+            <a:pPr>
+              <a:spcAft>
+                <a:spcPts val="600"/>
+              </a:spcAft>
+              <a:buFont typeface="Wingdings" panose="05000000000000000000" pitchFamily="2" charset="2"/>
+              <a:buChar char="l"/>
+            </a:pPr>
+            <a:r>
+              <a:rPr lang="zh-CN" altLang="en-US" dirty="0" smtClean="0"/>
+              <a:t>将相关数据组织在一起</a:t>
             </a:r>
             <a:r>
               <a:rPr lang="en-US" altLang="zh-CN" b="1" dirty="0"/>
-              <a:t>properties </a:t>
-            </a:r>
-            <a:r>
-              <a:rPr lang="en-US" altLang="zh-CN" dirty="0"/>
-              <a:t>to each</a:t>
-            </a:r>
-            <a:br>
-              <a:rPr lang="en-US" altLang="zh-CN" dirty="0"/>
-            </a:br>
-            <a:r>
-              <a:rPr lang="en-US" altLang="zh-CN" dirty="0"/>
-              <a:t>family</a:t>
-            </a:r>
-            <a:br>
-              <a:rPr lang="en-US" altLang="zh-CN" dirty="0"/>
-            </a:br>
-            <a:r>
-              <a:rPr lang="en-US" altLang="zh-CN" dirty="0"/>
-              <a:t>• TTL, compression, versions, …</a:t>
-            </a:r>
-            <a:br>
-              <a:rPr lang="en-US" altLang="zh-CN" dirty="0"/>
-            </a:br>
-            <a:r>
-              <a:rPr lang="en-US" altLang="zh-CN" dirty="0"/>
-              <a:t>• Useful to separate </a:t>
-            </a:r>
-            <a:r>
-              <a:rPr lang="en-US" altLang="zh-CN" b="1" dirty="0"/>
-              <a:t>distinct </a:t>
-            </a:r>
-            <a:r>
-              <a:rPr lang="en-US" altLang="zh-CN" dirty="0"/>
-              <a:t>data</a:t>
-            </a:r>
-            <a:br>
-              <a:rPr lang="en-US" altLang="zh-CN" dirty="0"/>
-            </a:br>
-            <a:r>
-              <a:rPr lang="en-US" altLang="zh-CN" dirty="0"/>
-              <a:t>sets that are </a:t>
-            </a:r>
-            <a:r>
-              <a:rPr lang="en-US" altLang="zh-CN" b="1" dirty="0"/>
-              <a:t>related</a:t>
+              <a:t/>
             </a:r>
             <a:br>
               <a:rPr lang="en-US" altLang="zh-CN" b="1" dirty="0"/>
-            </a:br>
-            <a:r>
-              <a:rPr lang="en-US" altLang="zh-CN" dirty="0"/>
-              <a:t>• Also useful to separate larger </a:t>
-            </a:r>
-            <a:r>
-              <a:rPr lang="en-US" altLang="zh-CN" b="1" dirty="0"/>
-              <a:t>blob</a:t>
-            </a:r>
-            <a:br>
-              <a:rPr lang="en-US" altLang="zh-CN" b="1" dirty="0"/>
-            </a:br>
-            <a:r>
-              <a:rPr lang="en-US" altLang="zh-CN" dirty="0"/>
-              <a:t>from </a:t>
-            </a:r>
-            <a:r>
-              <a:rPr lang="en-US" altLang="zh-CN" b="1" dirty="0"/>
-              <a:t>meta data</a:t>
-            </a:r>
-            <a:r>
-              <a:rPr lang="en-US" altLang="zh-CN" dirty="0"/>
-              <a:t> </a:t>
-            </a:r>
-            <a:br>
-              <a:rPr lang="en-US" altLang="zh-CN" dirty="0"/>
             </a:br>
             <a:endParaRPr lang="zh-CN" altLang="en-US" sz="1200" dirty="0">
               <a:solidFill>
